--- a/Winter 2019/Week7/lecture14-makefile.pptx
+++ b/Winter 2019/Week7/lecture14-makefile.pptx
@@ -5,34 +5,34 @@
     <p:sldMasterId id="2147483648" r:id="rId1"/>
   </p:sldMasterIdLst>
   <p:notesMasterIdLst>
-    <p:notesMasterId r:id="rId27"/>
+    <p:notesMasterId r:id="rId23"/>
   </p:notesMasterIdLst>
   <p:sldIdLst>
-    <p:sldId id="401" r:id="rId2"/>
-    <p:sldId id="420" r:id="rId3"/>
-    <p:sldId id="530" r:id="rId4"/>
-    <p:sldId id="422" r:id="rId5"/>
-    <p:sldId id="421" r:id="rId6"/>
-    <p:sldId id="423" r:id="rId7"/>
-    <p:sldId id="529" r:id="rId8"/>
-    <p:sldId id="424" r:id="rId9"/>
-    <p:sldId id="531" r:id="rId10"/>
-    <p:sldId id="425" r:id="rId11"/>
-    <p:sldId id="532" r:id="rId12"/>
-    <p:sldId id="535" r:id="rId13"/>
-    <p:sldId id="426" r:id="rId14"/>
-    <p:sldId id="428" r:id="rId15"/>
-    <p:sldId id="429" r:id="rId16"/>
-    <p:sldId id="533" r:id="rId17"/>
-    <p:sldId id="430" r:id="rId18"/>
-    <p:sldId id="431" r:id="rId19"/>
-    <p:sldId id="433" r:id="rId20"/>
-    <p:sldId id="432" r:id="rId21"/>
-    <p:sldId id="434" r:id="rId22"/>
-    <p:sldId id="435" r:id="rId23"/>
-    <p:sldId id="436" r:id="rId24"/>
-    <p:sldId id="437" r:id="rId25"/>
-    <p:sldId id="534" r:id="rId26"/>
+    <p:sldId id="401" r:id="rId3"/>
+    <p:sldId id="420" r:id="rId4"/>
+    <p:sldId id="530" r:id="rId5"/>
+    <p:sldId id="422" r:id="rId6"/>
+    <p:sldId id="421" r:id="rId7"/>
+    <p:sldId id="423" r:id="rId8"/>
+    <p:sldId id="529" r:id="rId9"/>
+    <p:sldId id="424" r:id="rId10"/>
+    <p:sldId id="531" r:id="rId11"/>
+    <p:sldId id="425" r:id="rId12"/>
+    <p:sldId id="532" r:id="rId13"/>
+    <p:sldId id="535" r:id="rId14"/>
+    <p:sldId id="426" r:id="rId15"/>
+    <p:sldId id="428" r:id="rId16"/>
+    <p:sldId id="429" r:id="rId17"/>
+    <p:sldId id="533" r:id="rId18"/>
+    <p:sldId id="430" r:id="rId19"/>
+    <p:sldId id="431" r:id="rId20"/>
+    <p:sldId id="433" r:id="rId21"/>
+    <p:sldId id="432" r:id="rId22"/>
+    <p:sldId id="434" r:id="rId24"/>
+    <p:sldId id="435" r:id="rId25"/>
+    <p:sldId id="436" r:id="rId26"/>
+    <p:sldId id="437" r:id="rId27"/>
+    <p:sldId id="534" r:id="rId28"/>
   </p:sldIdLst>
   <p:sldSz cx="9144000" cy="6858000" type="screen4x3"/>
   <p:notesSz cx="6858000" cy="9144000"/>
@@ -131,22 +131,6 @@
       </a:defRPr>
     </a:lvl9pPr>
   </p:defaultTextStyle>
-  <p:extLst>
-    <p:ext uri="{EFAFB233-063F-42B5-8137-9DF3F51BA10A}">
-      <p15:sldGuideLst xmlns:p15="http://schemas.microsoft.com/office/powerpoint/2012/main">
-        <p15:guide id="1" orient="horz" pos="2160">
-          <p15:clr>
-            <a:srgbClr val="A4A3A4"/>
-          </p15:clr>
-        </p15:guide>
-        <p15:guide id="2" pos="2880">
-          <p15:clr>
-            <a:srgbClr val="A4A3A4"/>
-          </p15:clr>
-        </p15:guide>
-      </p15:sldGuideLst>
-    </p:ext>
-  </p:extLst>
 </p:presentation>
 </file>
 
@@ -232,7 +216,6 @@
           <a:p>
             <a:fld id="{D2A48B96-639E-45A3-A0BA-2464DFDB1FAA}" type="datetimeFigureOut">
               <a:rPr lang="zh-CN" altLang="en-US" smtClean="0"/>
-              <a:t>2019/2/20</a:t>
             </a:fld>
             <a:endParaRPr lang="zh-CN" altLang="en-US"/>
           </a:p>
@@ -299,6 +282,7 @@
               <a:rPr lang="zh-CN" altLang="en-US"/>
               <a:t>单击此处编辑母版文本样式</a:t>
             </a:r>
+            <a:endParaRPr lang="zh-CN" altLang="en-US"/>
           </a:p>
           <a:p>
             <a:pPr lvl="1"/>
@@ -306,6 +290,7 @@
               <a:rPr lang="zh-CN" altLang="en-US"/>
               <a:t>第二级</a:t>
             </a:r>
+            <a:endParaRPr lang="zh-CN" altLang="en-US"/>
           </a:p>
           <a:p>
             <a:pPr lvl="2"/>
@@ -313,6 +298,7 @@
               <a:rPr lang="zh-CN" altLang="en-US"/>
               <a:t>第三级</a:t>
             </a:r>
+            <a:endParaRPr lang="zh-CN" altLang="en-US"/>
           </a:p>
           <a:p>
             <a:pPr lvl="3"/>
@@ -320,6 +306,7 @@
               <a:rPr lang="zh-CN" altLang="en-US"/>
               <a:t>第四级</a:t>
             </a:r>
+            <a:endParaRPr lang="zh-CN" altLang="en-US"/>
           </a:p>
           <a:p>
             <a:pPr lvl="4"/>
@@ -327,6 +314,7 @@
               <a:rPr lang="zh-CN" altLang="en-US"/>
               <a:t>第五级</a:t>
             </a:r>
+            <a:endParaRPr lang="zh-CN" altLang="en-US"/>
           </a:p>
         </p:txBody>
       </p:sp>
@@ -390,7 +378,6 @@
           <a:p>
             <a:fld id="{A6837353-30EB-4A48-80EB-173D804AEFBD}" type="slidenum">
               <a:rPr lang="zh-CN" altLang="en-US" smtClean="0"/>
-              <a:t>‹#›</a:t>
             </a:fld>
             <a:endParaRPr lang="zh-CN" altLang="en-US"/>
           </a:p>
@@ -494,6 +481,50 @@
 </p:notesMaster>
 </file>
 
+<file path=ppt/notesSlides/notesSlide1.xml><?xml version="1.0" encoding="utf-8"?>
+<p:notes xmlns:a="http://schemas.openxmlformats.org/drawingml/2006/main" xmlns:r="http://schemas.openxmlformats.org/officeDocument/2006/relationships" xmlns:p="http://schemas.openxmlformats.org/presentationml/2006/main">
+  <p:cSld>
+    <p:spTree>
+      <p:nvGrpSpPr>
+        <p:cNvPr id="1" name=""/>
+        <p:cNvGrpSpPr/>
+        <p:nvPr/>
+      </p:nvGrpSpPr>
+      <p:grpSpPr/>
+      <p:sp>
+        <p:nvSpPr>
+          <p:cNvPr id="2" name="Slide Image Placeholder 1"/>
+          <p:cNvSpPr/>
+          <p:nvPr>
+            <p:ph type="sldImg" idx="2"/>
+          </p:nvPr>
+        </p:nvSpPr>
+        <p:spPr/>
+      </p:sp>
+      <p:sp>
+        <p:nvSpPr>
+          <p:cNvPr id="3" name="Text Placeholder 2"/>
+          <p:cNvSpPr/>
+          <p:nvPr>
+            <p:ph type="body" idx="3"/>
+          </p:nvPr>
+        </p:nvSpPr>
+        <p:spPr/>
+        <p:txBody>
+          <a:bodyPr/>
+          <a:p>
+            <a:endParaRPr lang="en-US"/>
+          </a:p>
+        </p:txBody>
+      </p:sp>
+    </p:spTree>
+  </p:cSld>
+  <p:clrMapOvr>
+    <a:masterClrMapping/>
+  </p:clrMapOvr>
+</p:notes>
+</file>
+
 <file path=ppt/slideLayouts/slideLayout1.xml><?xml version="1.0" encoding="utf-8"?>
 <p:sldLayout xmlns:a="http://schemas.openxmlformats.org/drawingml/2006/main" xmlns:r="http://schemas.openxmlformats.org/officeDocument/2006/relationships" xmlns:p="http://schemas.openxmlformats.org/presentationml/2006/main" type="title" preserve="1">
   <p:cSld name="Title Slide">
@@ -535,6 +566,7 @@
               <a:rPr lang="en-US"/>
               <a:t>Click to edit Master title style</a:t>
             </a:r>
+            <a:endParaRPr lang="en-US"/>
           </a:p>
         </p:txBody>
       </p:sp>
@@ -653,6 +685,7 @@
               <a:rPr lang="en-US"/>
               <a:t>Click to edit Master subtitle style</a:t>
             </a:r>
+            <a:endParaRPr lang="en-US"/>
           </a:p>
         </p:txBody>
       </p:sp>
@@ -673,7 +706,6 @@
           <a:p>
             <a:fld id="{1D8BD707-D9CF-40AE-B4C6-C98DA3205C09}" type="datetimeFigureOut">
               <a:rPr lang="en-US" smtClean="0"/>
-              <a:t>2/20/2019</a:t>
             </a:fld>
             <a:endParaRPr lang="en-US"/>
           </a:p>
@@ -715,7 +747,6 @@
           <a:p>
             <a:fld id="{B6F15528-21DE-4FAA-801E-634DDDAF4B2B}" type="slidenum">
               <a:rPr lang="en-US" smtClean="0"/>
-              <a:t>‹#›</a:t>
             </a:fld>
             <a:endParaRPr lang="en-US"/>
           </a:p>
@@ -765,6 +796,7 @@
               <a:rPr lang="en-US"/>
               <a:t>Click to edit Master title style</a:t>
             </a:r>
+            <a:endParaRPr lang="en-US"/>
           </a:p>
         </p:txBody>
       </p:sp>
@@ -788,6 +820,7 @@
               <a:rPr lang="en-US"/>
               <a:t>Click to edit Master text styles</a:t>
             </a:r>
+            <a:endParaRPr lang="en-US"/>
           </a:p>
           <a:p>
             <a:pPr lvl="1"/>
@@ -795,6 +828,7 @@
               <a:rPr lang="en-US"/>
               <a:t>Second level</a:t>
             </a:r>
+            <a:endParaRPr lang="en-US"/>
           </a:p>
           <a:p>
             <a:pPr lvl="2"/>
@@ -802,6 +836,7 @@
               <a:rPr lang="en-US"/>
               <a:t>Third level</a:t>
             </a:r>
+            <a:endParaRPr lang="en-US"/>
           </a:p>
           <a:p>
             <a:pPr lvl="3"/>
@@ -809,6 +844,7 @@
               <a:rPr lang="en-US"/>
               <a:t>Fourth level</a:t>
             </a:r>
+            <a:endParaRPr lang="en-US"/>
           </a:p>
           <a:p>
             <a:pPr lvl="4"/>
@@ -816,6 +852,7 @@
               <a:rPr lang="en-US"/>
               <a:t>Fifth level</a:t>
             </a:r>
+            <a:endParaRPr lang="en-US"/>
           </a:p>
         </p:txBody>
       </p:sp>
@@ -836,7 +873,6 @@
           <a:p>
             <a:fld id="{1D8BD707-D9CF-40AE-B4C6-C98DA3205C09}" type="datetimeFigureOut">
               <a:rPr lang="en-US" smtClean="0"/>
-              <a:t>2/20/2019</a:t>
             </a:fld>
             <a:endParaRPr lang="en-US"/>
           </a:p>
@@ -878,7 +914,6 @@
           <a:p>
             <a:fld id="{B6F15528-21DE-4FAA-801E-634DDDAF4B2B}" type="slidenum">
               <a:rPr lang="en-US" smtClean="0"/>
-              <a:t>‹#›</a:t>
             </a:fld>
             <a:endParaRPr lang="en-US"/>
           </a:p>
@@ -933,6 +968,7 @@
               <a:rPr lang="en-US"/>
               <a:t>Click to edit Master title style</a:t>
             </a:r>
+            <a:endParaRPr lang="en-US"/>
           </a:p>
         </p:txBody>
       </p:sp>
@@ -961,6 +997,7 @@
               <a:rPr lang="en-US"/>
               <a:t>Click to edit Master text styles</a:t>
             </a:r>
+            <a:endParaRPr lang="en-US"/>
           </a:p>
           <a:p>
             <a:pPr lvl="1"/>
@@ -968,6 +1005,7 @@
               <a:rPr lang="en-US"/>
               <a:t>Second level</a:t>
             </a:r>
+            <a:endParaRPr lang="en-US"/>
           </a:p>
           <a:p>
             <a:pPr lvl="2"/>
@@ -975,6 +1013,7 @@
               <a:rPr lang="en-US"/>
               <a:t>Third level</a:t>
             </a:r>
+            <a:endParaRPr lang="en-US"/>
           </a:p>
           <a:p>
             <a:pPr lvl="3"/>
@@ -982,6 +1021,7 @@
               <a:rPr lang="en-US"/>
               <a:t>Fourth level</a:t>
             </a:r>
+            <a:endParaRPr lang="en-US"/>
           </a:p>
           <a:p>
             <a:pPr lvl="4"/>
@@ -989,6 +1029,7 @@
               <a:rPr lang="en-US"/>
               <a:t>Fifth level</a:t>
             </a:r>
+            <a:endParaRPr lang="en-US"/>
           </a:p>
         </p:txBody>
       </p:sp>
@@ -1009,7 +1050,6 @@
           <a:p>
             <a:fld id="{1D8BD707-D9CF-40AE-B4C6-C98DA3205C09}" type="datetimeFigureOut">
               <a:rPr lang="en-US" smtClean="0"/>
-              <a:t>2/20/2019</a:t>
             </a:fld>
             <a:endParaRPr lang="en-US"/>
           </a:p>
@@ -1051,7 +1091,6 @@
           <a:p>
             <a:fld id="{B6F15528-21DE-4FAA-801E-634DDDAF4B2B}" type="slidenum">
               <a:rPr lang="en-US" smtClean="0"/>
-              <a:t>‹#›</a:t>
             </a:fld>
             <a:endParaRPr lang="en-US"/>
           </a:p>
@@ -1101,6 +1140,7 @@
               <a:rPr lang="en-US"/>
               <a:t>Click to edit Master title style</a:t>
             </a:r>
+            <a:endParaRPr lang="en-US"/>
           </a:p>
         </p:txBody>
       </p:sp>
@@ -1124,6 +1164,7 @@
               <a:rPr lang="en-US"/>
               <a:t>Click to edit Master text styles</a:t>
             </a:r>
+            <a:endParaRPr lang="en-US"/>
           </a:p>
           <a:p>
             <a:pPr lvl="1"/>
@@ -1131,6 +1172,7 @@
               <a:rPr lang="en-US"/>
               <a:t>Second level</a:t>
             </a:r>
+            <a:endParaRPr lang="en-US"/>
           </a:p>
           <a:p>
             <a:pPr lvl="2"/>
@@ -1138,6 +1180,7 @@
               <a:rPr lang="en-US"/>
               <a:t>Third level</a:t>
             </a:r>
+            <a:endParaRPr lang="en-US"/>
           </a:p>
           <a:p>
             <a:pPr lvl="3"/>
@@ -1145,6 +1188,7 @@
               <a:rPr lang="en-US"/>
               <a:t>Fourth level</a:t>
             </a:r>
+            <a:endParaRPr lang="en-US"/>
           </a:p>
           <a:p>
             <a:pPr lvl="4"/>
@@ -1152,6 +1196,7 @@
               <a:rPr lang="en-US"/>
               <a:t>Fifth level</a:t>
             </a:r>
+            <a:endParaRPr lang="en-US"/>
           </a:p>
         </p:txBody>
       </p:sp>
@@ -1172,7 +1217,6 @@
           <a:p>
             <a:fld id="{1D8BD707-D9CF-40AE-B4C6-C98DA3205C09}" type="datetimeFigureOut">
               <a:rPr lang="en-US" smtClean="0"/>
-              <a:t>2/20/2019</a:t>
             </a:fld>
             <a:endParaRPr lang="en-US"/>
           </a:p>
@@ -1214,7 +1258,6 @@
           <a:p>
             <a:fld id="{B6F15528-21DE-4FAA-801E-634DDDAF4B2B}" type="slidenum">
               <a:rPr lang="en-US" smtClean="0"/>
-              <a:t>‹#›</a:t>
             </a:fld>
             <a:endParaRPr lang="en-US"/>
           </a:p>
@@ -1273,6 +1316,7 @@
               <a:rPr lang="en-US"/>
               <a:t>Click to edit Master title style</a:t>
             </a:r>
+            <a:endParaRPr lang="en-US"/>
           </a:p>
         </p:txBody>
       </p:sp>
@@ -1392,6 +1436,7 @@
               <a:rPr lang="en-US"/>
               <a:t>Click to edit Master text styles</a:t>
             </a:r>
+            <a:endParaRPr lang="en-US"/>
           </a:p>
         </p:txBody>
       </p:sp>
@@ -1412,7 +1457,6 @@
           <a:p>
             <a:fld id="{1D8BD707-D9CF-40AE-B4C6-C98DA3205C09}" type="datetimeFigureOut">
               <a:rPr lang="en-US" smtClean="0"/>
-              <a:t>2/20/2019</a:t>
             </a:fld>
             <a:endParaRPr lang="en-US"/>
           </a:p>
@@ -1454,7 +1498,6 @@
           <a:p>
             <a:fld id="{B6F15528-21DE-4FAA-801E-634DDDAF4B2B}" type="slidenum">
               <a:rPr lang="en-US" smtClean="0"/>
-              <a:t>‹#›</a:t>
             </a:fld>
             <a:endParaRPr lang="en-US"/>
           </a:p>
@@ -1504,6 +1547,7 @@
               <a:rPr lang="en-US"/>
               <a:t>Click to edit Master title style</a:t>
             </a:r>
+            <a:endParaRPr lang="en-US"/>
           </a:p>
         </p:txBody>
       </p:sp>
@@ -1560,6 +1604,7 @@
               <a:rPr lang="en-US"/>
               <a:t>Click to edit Master text styles</a:t>
             </a:r>
+            <a:endParaRPr lang="en-US"/>
           </a:p>
           <a:p>
             <a:pPr lvl="1"/>
@@ -1567,6 +1612,7 @@
               <a:rPr lang="en-US"/>
               <a:t>Second level</a:t>
             </a:r>
+            <a:endParaRPr lang="en-US"/>
           </a:p>
           <a:p>
             <a:pPr lvl="2"/>
@@ -1574,6 +1620,7 @@
               <a:rPr lang="en-US"/>
               <a:t>Third level</a:t>
             </a:r>
+            <a:endParaRPr lang="en-US"/>
           </a:p>
           <a:p>
             <a:pPr lvl="3"/>
@@ -1581,6 +1628,7 @@
               <a:rPr lang="en-US"/>
               <a:t>Fourth level</a:t>
             </a:r>
+            <a:endParaRPr lang="en-US"/>
           </a:p>
           <a:p>
             <a:pPr lvl="4"/>
@@ -1588,6 +1636,7 @@
               <a:rPr lang="en-US"/>
               <a:t>Fifth level</a:t>
             </a:r>
+            <a:endParaRPr lang="en-US"/>
           </a:p>
         </p:txBody>
       </p:sp>
@@ -1644,6 +1693,7 @@
               <a:rPr lang="en-US"/>
               <a:t>Click to edit Master text styles</a:t>
             </a:r>
+            <a:endParaRPr lang="en-US"/>
           </a:p>
           <a:p>
             <a:pPr lvl="1"/>
@@ -1651,6 +1701,7 @@
               <a:rPr lang="en-US"/>
               <a:t>Second level</a:t>
             </a:r>
+            <a:endParaRPr lang="en-US"/>
           </a:p>
           <a:p>
             <a:pPr lvl="2"/>
@@ -1658,6 +1709,7 @@
               <a:rPr lang="en-US"/>
               <a:t>Third level</a:t>
             </a:r>
+            <a:endParaRPr lang="en-US"/>
           </a:p>
           <a:p>
             <a:pPr lvl="3"/>
@@ -1665,6 +1717,7 @@
               <a:rPr lang="en-US"/>
               <a:t>Fourth level</a:t>
             </a:r>
+            <a:endParaRPr lang="en-US"/>
           </a:p>
           <a:p>
             <a:pPr lvl="4"/>
@@ -1672,6 +1725,7 @@
               <a:rPr lang="en-US"/>
               <a:t>Fifth level</a:t>
             </a:r>
+            <a:endParaRPr lang="en-US"/>
           </a:p>
         </p:txBody>
       </p:sp>
@@ -1692,7 +1746,6 @@
           <a:p>
             <a:fld id="{1D8BD707-D9CF-40AE-B4C6-C98DA3205C09}" type="datetimeFigureOut">
               <a:rPr lang="en-US" smtClean="0"/>
-              <a:t>2/20/2019</a:t>
             </a:fld>
             <a:endParaRPr lang="en-US"/>
           </a:p>
@@ -1734,7 +1787,6 @@
           <a:p>
             <a:fld id="{B6F15528-21DE-4FAA-801E-634DDDAF4B2B}" type="slidenum">
               <a:rPr lang="en-US" smtClean="0"/>
-              <a:t>‹#›</a:t>
             </a:fld>
             <a:endParaRPr lang="en-US"/>
           </a:p>
@@ -1788,6 +1840,7 @@
               <a:rPr lang="en-US"/>
               <a:t>Click to edit Master title style</a:t>
             </a:r>
+            <a:endParaRPr lang="en-US"/>
           </a:p>
         </p:txBody>
       </p:sp>
@@ -1853,6 +1906,7 @@
               <a:rPr lang="en-US"/>
               <a:t>Click to edit Master text styles</a:t>
             </a:r>
+            <a:endParaRPr lang="en-US"/>
           </a:p>
         </p:txBody>
       </p:sp>
@@ -1909,6 +1963,7 @@
               <a:rPr lang="en-US"/>
               <a:t>Click to edit Master text styles</a:t>
             </a:r>
+            <a:endParaRPr lang="en-US"/>
           </a:p>
           <a:p>
             <a:pPr lvl="1"/>
@@ -1916,6 +1971,7 @@
               <a:rPr lang="en-US"/>
               <a:t>Second level</a:t>
             </a:r>
+            <a:endParaRPr lang="en-US"/>
           </a:p>
           <a:p>
             <a:pPr lvl="2"/>
@@ -1923,6 +1979,7 @@
               <a:rPr lang="en-US"/>
               <a:t>Third level</a:t>
             </a:r>
+            <a:endParaRPr lang="en-US"/>
           </a:p>
           <a:p>
             <a:pPr lvl="3"/>
@@ -1930,6 +1987,7 @@
               <a:rPr lang="en-US"/>
               <a:t>Fourth level</a:t>
             </a:r>
+            <a:endParaRPr lang="en-US"/>
           </a:p>
           <a:p>
             <a:pPr lvl="4"/>
@@ -1937,6 +1995,7 @@
               <a:rPr lang="en-US"/>
               <a:t>Fifth level</a:t>
             </a:r>
+            <a:endParaRPr lang="en-US"/>
           </a:p>
         </p:txBody>
       </p:sp>
@@ -2002,6 +2061,7 @@
               <a:rPr lang="en-US"/>
               <a:t>Click to edit Master text styles</a:t>
             </a:r>
+            <a:endParaRPr lang="en-US"/>
           </a:p>
         </p:txBody>
       </p:sp>
@@ -2058,6 +2118,7 @@
               <a:rPr lang="en-US"/>
               <a:t>Click to edit Master text styles</a:t>
             </a:r>
+            <a:endParaRPr lang="en-US"/>
           </a:p>
           <a:p>
             <a:pPr lvl="1"/>
@@ -2065,6 +2126,7 @@
               <a:rPr lang="en-US"/>
               <a:t>Second level</a:t>
             </a:r>
+            <a:endParaRPr lang="en-US"/>
           </a:p>
           <a:p>
             <a:pPr lvl="2"/>
@@ -2072,6 +2134,7 @@
               <a:rPr lang="en-US"/>
               <a:t>Third level</a:t>
             </a:r>
+            <a:endParaRPr lang="en-US"/>
           </a:p>
           <a:p>
             <a:pPr lvl="3"/>
@@ -2079,6 +2142,7 @@
               <a:rPr lang="en-US"/>
               <a:t>Fourth level</a:t>
             </a:r>
+            <a:endParaRPr lang="en-US"/>
           </a:p>
           <a:p>
             <a:pPr lvl="4"/>
@@ -2086,6 +2150,7 @@
               <a:rPr lang="en-US"/>
               <a:t>Fifth level</a:t>
             </a:r>
+            <a:endParaRPr lang="en-US"/>
           </a:p>
         </p:txBody>
       </p:sp>
@@ -2106,7 +2171,6 @@
           <a:p>
             <a:fld id="{1D8BD707-D9CF-40AE-B4C6-C98DA3205C09}" type="datetimeFigureOut">
               <a:rPr lang="en-US" smtClean="0"/>
-              <a:t>2/20/2019</a:t>
             </a:fld>
             <a:endParaRPr lang="en-US"/>
           </a:p>
@@ -2148,7 +2212,6 @@
           <a:p>
             <a:fld id="{B6F15528-21DE-4FAA-801E-634DDDAF4B2B}" type="slidenum">
               <a:rPr lang="en-US" smtClean="0"/>
-              <a:t>‹#›</a:t>
             </a:fld>
             <a:endParaRPr lang="en-US"/>
           </a:p>
@@ -2198,6 +2261,7 @@
               <a:rPr lang="en-US"/>
               <a:t>Click to edit Master title style</a:t>
             </a:r>
+            <a:endParaRPr lang="en-US"/>
           </a:p>
         </p:txBody>
       </p:sp>
@@ -2218,7 +2282,6 @@
           <a:p>
             <a:fld id="{1D8BD707-D9CF-40AE-B4C6-C98DA3205C09}" type="datetimeFigureOut">
               <a:rPr lang="en-US" smtClean="0"/>
-              <a:t>2/20/2019</a:t>
             </a:fld>
             <a:endParaRPr lang="en-US"/>
           </a:p>
@@ -2260,7 +2323,6 @@
           <a:p>
             <a:fld id="{B6F15528-21DE-4FAA-801E-634DDDAF4B2B}" type="slidenum">
               <a:rPr lang="en-US" smtClean="0"/>
-              <a:t>‹#›</a:t>
             </a:fld>
             <a:endParaRPr lang="en-US"/>
           </a:p>
@@ -2308,7 +2370,6 @@
           <a:p>
             <a:fld id="{1D8BD707-D9CF-40AE-B4C6-C98DA3205C09}" type="datetimeFigureOut">
               <a:rPr lang="en-US" smtClean="0"/>
-              <a:t>2/20/2019</a:t>
             </a:fld>
             <a:endParaRPr lang="en-US"/>
           </a:p>
@@ -2350,7 +2411,6 @@
           <a:p>
             <a:fld id="{B6F15528-21DE-4FAA-801E-634DDDAF4B2B}" type="slidenum">
               <a:rPr lang="en-US" smtClean="0"/>
-              <a:t>‹#›</a:t>
             </a:fld>
             <a:endParaRPr lang="en-US"/>
           </a:p>
@@ -2409,6 +2469,7 @@
               <a:rPr lang="en-US"/>
               <a:t>Click to edit Master title style</a:t>
             </a:r>
+            <a:endParaRPr lang="en-US"/>
           </a:p>
         </p:txBody>
       </p:sp>
@@ -2465,6 +2526,7 @@
               <a:rPr lang="en-US"/>
               <a:t>Click to edit Master text styles</a:t>
             </a:r>
+            <a:endParaRPr lang="en-US"/>
           </a:p>
           <a:p>
             <a:pPr lvl="1"/>
@@ -2472,6 +2534,7 @@
               <a:rPr lang="en-US"/>
               <a:t>Second level</a:t>
             </a:r>
+            <a:endParaRPr lang="en-US"/>
           </a:p>
           <a:p>
             <a:pPr lvl="2"/>
@@ -2479,6 +2542,7 @@
               <a:rPr lang="en-US"/>
               <a:t>Third level</a:t>
             </a:r>
+            <a:endParaRPr lang="en-US"/>
           </a:p>
           <a:p>
             <a:pPr lvl="3"/>
@@ -2486,6 +2550,7 @@
               <a:rPr lang="en-US"/>
               <a:t>Fourth level</a:t>
             </a:r>
+            <a:endParaRPr lang="en-US"/>
           </a:p>
           <a:p>
             <a:pPr lvl="4"/>
@@ -2493,6 +2558,7 @@
               <a:rPr lang="en-US"/>
               <a:t>Fifth level</a:t>
             </a:r>
+            <a:endParaRPr lang="en-US"/>
           </a:p>
         </p:txBody>
       </p:sp>
@@ -2558,6 +2624,7 @@
               <a:rPr lang="en-US"/>
               <a:t>Click to edit Master text styles</a:t>
             </a:r>
+            <a:endParaRPr lang="en-US"/>
           </a:p>
         </p:txBody>
       </p:sp>
@@ -2578,7 +2645,6 @@
           <a:p>
             <a:fld id="{1D8BD707-D9CF-40AE-B4C6-C98DA3205C09}" type="datetimeFigureOut">
               <a:rPr lang="en-US" smtClean="0"/>
-              <a:t>2/20/2019</a:t>
             </a:fld>
             <a:endParaRPr lang="en-US"/>
           </a:p>
@@ -2620,7 +2686,6 @@
           <a:p>
             <a:fld id="{B6F15528-21DE-4FAA-801E-634DDDAF4B2B}" type="slidenum">
               <a:rPr lang="en-US" smtClean="0"/>
-              <a:t>‹#›</a:t>
             </a:fld>
             <a:endParaRPr lang="en-US"/>
           </a:p>
@@ -2679,6 +2744,7 @@
               <a:rPr lang="en-US"/>
               <a:t>Click to edit Master title style</a:t>
             </a:r>
+            <a:endParaRPr lang="en-US"/>
           </a:p>
         </p:txBody>
       </p:sp>
@@ -2805,6 +2871,7 @@
               <a:rPr lang="en-US"/>
               <a:t>Click to edit Master text styles</a:t>
             </a:r>
+            <a:endParaRPr lang="en-US"/>
           </a:p>
         </p:txBody>
       </p:sp>
@@ -2825,7 +2892,6 @@
           <a:p>
             <a:fld id="{1D8BD707-D9CF-40AE-B4C6-C98DA3205C09}" type="datetimeFigureOut">
               <a:rPr lang="en-US" smtClean="0"/>
-              <a:t>2/20/2019</a:t>
             </a:fld>
             <a:endParaRPr lang="en-US"/>
           </a:p>
@@ -2867,7 +2933,6 @@
           <a:p>
             <a:fld id="{B6F15528-21DE-4FAA-801E-634DDDAF4B2B}" type="slidenum">
               <a:rPr lang="en-US" smtClean="0"/>
-              <a:t>‹#›</a:t>
             </a:fld>
             <a:endParaRPr lang="en-US"/>
           </a:p>
@@ -2932,6 +2997,7 @@
               <a:rPr lang="en-US"/>
               <a:t>Click to edit Master title style</a:t>
             </a:r>
+            <a:endParaRPr lang="en-US"/>
           </a:p>
         </p:txBody>
       </p:sp>
@@ -2965,6 +3031,7 @@
               <a:rPr lang="en-US"/>
               <a:t>Click to edit Master text styles</a:t>
             </a:r>
+            <a:endParaRPr lang="en-US"/>
           </a:p>
           <a:p>
             <a:pPr lvl="1"/>
@@ -2972,6 +3039,7 @@
               <a:rPr lang="en-US"/>
               <a:t>Second level</a:t>
             </a:r>
+            <a:endParaRPr lang="en-US"/>
           </a:p>
           <a:p>
             <a:pPr lvl="2"/>
@@ -2979,6 +3047,7 @@
               <a:rPr lang="en-US"/>
               <a:t>Third level</a:t>
             </a:r>
+            <a:endParaRPr lang="en-US"/>
           </a:p>
           <a:p>
             <a:pPr lvl="3"/>
@@ -2986,6 +3055,7 @@
               <a:rPr lang="en-US"/>
               <a:t>Fourth level</a:t>
             </a:r>
+            <a:endParaRPr lang="en-US"/>
           </a:p>
           <a:p>
             <a:pPr lvl="4"/>
@@ -2993,6 +3063,7 @@
               <a:rPr lang="en-US"/>
               <a:t>Fifth level</a:t>
             </a:r>
+            <a:endParaRPr lang="en-US"/>
           </a:p>
         </p:txBody>
       </p:sp>
@@ -3031,7 +3102,6 @@
           <a:p>
             <a:fld id="{1D8BD707-D9CF-40AE-B4C6-C98DA3205C09}" type="datetimeFigureOut">
               <a:rPr lang="en-US" smtClean="0"/>
-              <a:t>2/20/2019</a:t>
             </a:fld>
             <a:endParaRPr lang="en-US"/>
           </a:p>
@@ -3109,7 +3179,6 @@
           <a:p>
             <a:fld id="{B6F15528-21DE-4FAA-801E-634DDDAF4B2B}" type="slidenum">
               <a:rPr lang="en-US" smtClean="0"/>
-              <a:t>‹#›</a:t>
             </a:fld>
             <a:endParaRPr lang="en-US"/>
           </a:p>
@@ -3153,7 +3222,7 @@
         <a:spcBef>
           <a:spcPct val="20000"/>
         </a:spcBef>
-        <a:buFont typeface="Arial" panose="020B0604020202020204" pitchFamily="34" charset="0"/>
+        <a:buFont typeface="Arial" panose="020B0604020202090204" pitchFamily="34" charset="0"/>
         <a:buChar char="•"/>
         <a:defRPr sz="3200" kern="1200">
           <a:solidFill>
@@ -3168,7 +3237,7 @@
         <a:spcBef>
           <a:spcPct val="20000"/>
         </a:spcBef>
-        <a:buFont typeface="Arial" panose="020B0604020202020204" pitchFamily="34" charset="0"/>
+        <a:buFont typeface="Arial" panose="020B0604020202090204" pitchFamily="34" charset="0"/>
         <a:buChar char="–"/>
         <a:defRPr sz="2800" kern="1200">
           <a:solidFill>
@@ -3183,7 +3252,7 @@
         <a:spcBef>
           <a:spcPct val="20000"/>
         </a:spcBef>
-        <a:buFont typeface="Arial" panose="020B0604020202020204" pitchFamily="34" charset="0"/>
+        <a:buFont typeface="Arial" panose="020B0604020202090204" pitchFamily="34" charset="0"/>
         <a:buChar char="•"/>
         <a:defRPr sz="2400" kern="1200">
           <a:solidFill>
@@ -3198,7 +3267,7 @@
         <a:spcBef>
           <a:spcPct val="20000"/>
         </a:spcBef>
-        <a:buFont typeface="Arial" panose="020B0604020202020204" pitchFamily="34" charset="0"/>
+        <a:buFont typeface="Arial" panose="020B0604020202090204" pitchFamily="34" charset="0"/>
         <a:buChar char="–"/>
         <a:defRPr sz="2000" kern="1200">
           <a:solidFill>
@@ -3213,7 +3282,7 @@
         <a:spcBef>
           <a:spcPct val="20000"/>
         </a:spcBef>
-        <a:buFont typeface="Arial" panose="020B0604020202020204" pitchFamily="34" charset="0"/>
+        <a:buFont typeface="Arial" panose="020B0604020202090204" pitchFamily="34" charset="0"/>
         <a:buChar char="»"/>
         <a:defRPr sz="2000" kern="1200">
           <a:solidFill>
@@ -3228,7 +3297,7 @@
         <a:spcBef>
           <a:spcPct val="20000"/>
         </a:spcBef>
-        <a:buFont typeface="Arial" panose="020B0604020202020204" pitchFamily="34" charset="0"/>
+        <a:buFont typeface="Arial" panose="020B0604020202090204" pitchFamily="34" charset="0"/>
         <a:buChar char="•"/>
         <a:defRPr sz="2000" kern="1200">
           <a:solidFill>
@@ -3243,7 +3312,7 @@
         <a:spcBef>
           <a:spcPct val="20000"/>
         </a:spcBef>
-        <a:buFont typeface="Arial" panose="020B0604020202020204" pitchFamily="34" charset="0"/>
+        <a:buFont typeface="Arial" panose="020B0604020202090204" pitchFamily="34" charset="0"/>
         <a:buChar char="•"/>
         <a:defRPr sz="2000" kern="1200">
           <a:solidFill>
@@ -3258,7 +3327,7 @@
         <a:spcBef>
           <a:spcPct val="20000"/>
         </a:spcBef>
-        <a:buFont typeface="Arial" panose="020B0604020202020204" pitchFamily="34" charset="0"/>
+        <a:buFont typeface="Arial" panose="020B0604020202090204" pitchFamily="34" charset="0"/>
         <a:buChar char="•"/>
         <a:defRPr sz="2000" kern="1200">
           <a:solidFill>
@@ -3273,7 +3342,7 @@
         <a:spcBef>
           <a:spcPct val="20000"/>
         </a:spcBef>
-        <a:buFont typeface="Arial" panose="020B0604020202020204" pitchFamily="34" charset="0"/>
+        <a:buFont typeface="Arial" panose="020B0604020202090204" pitchFamily="34" charset="0"/>
         <a:buChar char="•"/>
         <a:defRPr sz="2000" kern="1200">
           <a:solidFill>
@@ -3459,7 +3528,7 @@
               <a:spcBef>
                 <a:spcPct val="20000"/>
               </a:spcBef>
-              <a:buFont typeface="Arial" panose="020B0604020202020204" pitchFamily="34" charset="0"/>
+              <a:buFont typeface="Arial" panose="020B0604020202090204" pitchFamily="34" charset="0"/>
               <a:buChar char="•"/>
               <a:defRPr sz="3200" kern="1200">
                 <a:solidFill>
@@ -3474,7 +3543,7 @@
               <a:spcBef>
                 <a:spcPct val="20000"/>
               </a:spcBef>
-              <a:buFont typeface="Arial" panose="020B0604020202020204" pitchFamily="34" charset="0"/>
+              <a:buFont typeface="Arial" panose="020B0604020202090204" pitchFamily="34" charset="0"/>
               <a:buChar char="–"/>
               <a:defRPr sz="2800" kern="1200">
                 <a:solidFill>
@@ -3489,7 +3558,7 @@
               <a:spcBef>
                 <a:spcPct val="20000"/>
               </a:spcBef>
-              <a:buFont typeface="Arial" panose="020B0604020202020204" pitchFamily="34" charset="0"/>
+              <a:buFont typeface="Arial" panose="020B0604020202090204" pitchFamily="34" charset="0"/>
               <a:buChar char="•"/>
               <a:defRPr sz="2400" kern="1200">
                 <a:solidFill>
@@ -3504,7 +3573,7 @@
               <a:spcBef>
                 <a:spcPct val="20000"/>
               </a:spcBef>
-              <a:buFont typeface="Arial" panose="020B0604020202020204" pitchFamily="34" charset="0"/>
+              <a:buFont typeface="Arial" panose="020B0604020202090204" pitchFamily="34" charset="0"/>
               <a:buChar char="–"/>
               <a:defRPr sz="2000" kern="1200">
                 <a:solidFill>
@@ -3519,7 +3588,7 @@
               <a:spcBef>
                 <a:spcPct val="20000"/>
               </a:spcBef>
-              <a:buFont typeface="Arial" panose="020B0604020202020204" pitchFamily="34" charset="0"/>
+              <a:buFont typeface="Arial" panose="020B0604020202090204" pitchFamily="34" charset="0"/>
               <a:buChar char="»"/>
               <a:defRPr sz="2000" kern="1200">
                 <a:solidFill>
@@ -3534,7 +3603,7 @@
               <a:spcBef>
                 <a:spcPct val="20000"/>
               </a:spcBef>
-              <a:buFont typeface="Arial" panose="020B0604020202020204" pitchFamily="34" charset="0"/>
+              <a:buFont typeface="Arial" panose="020B0604020202090204" pitchFamily="34" charset="0"/>
               <a:buChar char="•"/>
               <a:defRPr sz="2000" kern="1200">
                 <a:solidFill>
@@ -3549,7 +3618,7 @@
               <a:spcBef>
                 <a:spcPct val="20000"/>
               </a:spcBef>
-              <a:buFont typeface="Arial" panose="020B0604020202020204" pitchFamily="34" charset="0"/>
+              <a:buFont typeface="Arial" panose="020B0604020202090204" pitchFamily="34" charset="0"/>
               <a:buChar char="•"/>
               <a:defRPr sz="2000" kern="1200">
                 <a:solidFill>
@@ -3564,7 +3633,7 @@
               <a:spcBef>
                 <a:spcPct val="20000"/>
               </a:spcBef>
-              <a:buFont typeface="Arial" panose="020B0604020202020204" pitchFamily="34" charset="0"/>
+              <a:buFont typeface="Arial" panose="020B0604020202090204" pitchFamily="34" charset="0"/>
               <a:buChar char="•"/>
               <a:defRPr sz="2000" kern="1200">
                 <a:solidFill>
@@ -3579,7 +3648,7 @@
               <a:spcBef>
                 <a:spcPct val="20000"/>
               </a:spcBef>
-              <a:buFont typeface="Arial" panose="020B0604020202020204" pitchFamily="34" charset="0"/>
+              <a:buFont typeface="Arial" panose="020B0604020202090204" pitchFamily="34" charset="0"/>
               <a:buChar char="•"/>
               <a:defRPr sz="2000" kern="1200">
                 <a:solidFill>
@@ -3653,7 +3722,7 @@
               <a:spcBef>
                 <a:spcPct val="20000"/>
               </a:spcBef>
-              <a:buFont typeface="Arial" panose="020B0604020202020204" pitchFamily="34" charset="0"/>
+              <a:buFont typeface="Arial" panose="020B0604020202090204" pitchFamily="34" charset="0"/>
               <a:buChar char="•"/>
               <a:defRPr sz="3200" kern="1200">
                 <a:solidFill>
@@ -3668,7 +3737,7 @@
               <a:spcBef>
                 <a:spcPct val="20000"/>
               </a:spcBef>
-              <a:buFont typeface="Arial" panose="020B0604020202020204" pitchFamily="34" charset="0"/>
+              <a:buFont typeface="Arial" panose="020B0604020202090204" pitchFamily="34" charset="0"/>
               <a:buChar char="–"/>
               <a:defRPr sz="2800" kern="1200">
                 <a:solidFill>
@@ -3683,7 +3752,7 @@
               <a:spcBef>
                 <a:spcPct val="20000"/>
               </a:spcBef>
-              <a:buFont typeface="Arial" panose="020B0604020202020204" pitchFamily="34" charset="0"/>
+              <a:buFont typeface="Arial" panose="020B0604020202090204" pitchFamily="34" charset="0"/>
               <a:buChar char="•"/>
               <a:defRPr sz="2400" kern="1200">
                 <a:solidFill>
@@ -3698,7 +3767,7 @@
               <a:spcBef>
                 <a:spcPct val="20000"/>
               </a:spcBef>
-              <a:buFont typeface="Arial" panose="020B0604020202020204" pitchFamily="34" charset="0"/>
+              <a:buFont typeface="Arial" panose="020B0604020202090204" pitchFamily="34" charset="0"/>
               <a:buChar char="–"/>
               <a:defRPr sz="2000" kern="1200">
                 <a:solidFill>
@@ -3713,7 +3782,7 @@
               <a:spcBef>
                 <a:spcPct val="20000"/>
               </a:spcBef>
-              <a:buFont typeface="Arial" panose="020B0604020202020204" pitchFamily="34" charset="0"/>
+              <a:buFont typeface="Arial" panose="020B0604020202090204" pitchFamily="34" charset="0"/>
               <a:buChar char="»"/>
               <a:defRPr sz="2000" kern="1200">
                 <a:solidFill>
@@ -3728,7 +3797,7 @@
               <a:spcBef>
                 <a:spcPct val="20000"/>
               </a:spcBef>
-              <a:buFont typeface="Arial" panose="020B0604020202020204" pitchFamily="34" charset="0"/>
+              <a:buFont typeface="Arial" panose="020B0604020202090204" pitchFamily="34" charset="0"/>
               <a:buChar char="•"/>
               <a:defRPr sz="2000" kern="1200">
                 <a:solidFill>
@@ -3743,7 +3812,7 @@
               <a:spcBef>
                 <a:spcPct val="20000"/>
               </a:spcBef>
-              <a:buFont typeface="Arial" panose="020B0604020202020204" pitchFamily="34" charset="0"/>
+              <a:buFont typeface="Arial" panose="020B0604020202090204" pitchFamily="34" charset="0"/>
               <a:buChar char="•"/>
               <a:defRPr sz="2000" kern="1200">
                 <a:solidFill>
@@ -3758,7 +3827,7 @@
               <a:spcBef>
                 <a:spcPct val="20000"/>
               </a:spcBef>
-              <a:buFont typeface="Arial" panose="020B0604020202020204" pitchFamily="34" charset="0"/>
+              <a:buFont typeface="Arial" panose="020B0604020202090204" pitchFamily="34" charset="0"/>
               <a:buChar char="•"/>
               <a:defRPr sz="2000" kern="1200">
                 <a:solidFill>
@@ -3773,7 +3842,7 @@
               <a:spcBef>
                 <a:spcPct val="20000"/>
               </a:spcBef>
-              <a:buFont typeface="Arial" panose="020B0604020202020204" pitchFamily="34" charset="0"/>
+              <a:buFont typeface="Arial" panose="020B0604020202090204" pitchFamily="34" charset="0"/>
               <a:buChar char="•"/>
               <a:defRPr sz="2000" kern="1200">
                 <a:solidFill>
@@ -3792,6 +3861,9 @@
               </a:rPr>
               <a:t>Four stages for C compilation</a:t>
             </a:r>
+            <a:endParaRPr lang="en-US" altLang="zh-CN" sz="2400" dirty="0">
+              <a:sym typeface="+mn-ea"/>
+            </a:endParaRPr>
           </a:p>
           <a:p>
             <a:pPr lvl="1"/>
@@ -3818,6 +3890,9 @@
               </a:rPr>
               <a:t>foo.c bar.c --&gt; hello</a:t>
             </a:r>
+            <a:endParaRPr lang="en-US" altLang="zh-CN" sz="2400" dirty="0">
+              <a:sym typeface="+mn-ea"/>
+            </a:endParaRPr>
           </a:p>
           <a:p>
             <a:pPr marL="914400" lvl="1" indent="-457200">
@@ -3829,6 +3904,9 @@
               </a:rPr>
               <a:t>foo.c --&gt; foo.i --&gt; foo.s --&gt; foo.o</a:t>
             </a:r>
+            <a:endParaRPr lang="en-US" altLang="zh-CN" sz="2400" dirty="0">
+              <a:sym typeface="+mn-ea"/>
+            </a:endParaRPr>
           </a:p>
           <a:p>
             <a:pPr marL="914400" lvl="1" indent="-457200">
@@ -3840,6 +3918,9 @@
               </a:rPr>
               <a:t>bar.c --&gt; bar.i --&gt; bar.s --&gt; bar.o</a:t>
             </a:r>
+            <a:endParaRPr lang="en-US" altLang="zh-CN" sz="2400" dirty="0">
+              <a:sym typeface="+mn-ea"/>
+            </a:endParaRPr>
           </a:p>
           <a:p>
             <a:pPr marL="914400" lvl="1" indent="-457200">
@@ -3851,6 +3932,9 @@
               </a:rPr>
               <a:t>foo.o + bar.o + libc.so --&gt; hello</a:t>
             </a:r>
+            <a:endParaRPr lang="en-US" altLang="zh-CN" sz="2400" dirty="0">
+              <a:sym typeface="+mn-ea"/>
+            </a:endParaRPr>
           </a:p>
           <a:p>
             <a:pPr marL="914400" lvl="1" indent="-457200">
@@ -3874,6 +3958,9 @@
               </a:rPr>
               <a:t>:</a:t>
             </a:r>
+            <a:endParaRPr lang="en-US" altLang="zh-CN" sz="2740" dirty="0">
+              <a:sym typeface="+mn-ea"/>
+            </a:endParaRPr>
           </a:p>
           <a:p>
             <a:pPr lvl="1"/>
@@ -3883,6 +3970,9 @@
               </a:rPr>
               <a:t>concatenate foo.c bar.c into main.c</a:t>
             </a:r>
+            <a:endParaRPr lang="en-US" altLang="zh-CN" sz="2395" dirty="0">
+              <a:sym typeface="+mn-ea"/>
+            </a:endParaRPr>
           </a:p>
           <a:p>
             <a:pPr lvl="1"/>
@@ -3892,6 +3982,9 @@
               </a:rPr>
               <a:t>main.c --&gt; main.i --&gt; main.s --&gt; main.o</a:t>
             </a:r>
+            <a:endParaRPr lang="en-US" altLang="zh-CN" sz="2395" dirty="0">
+              <a:sym typeface="+mn-ea"/>
+            </a:endParaRPr>
           </a:p>
           <a:p>
             <a:pPr lvl="1"/>
@@ -3901,6 +3994,9 @@
               </a:rPr>
               <a:t>main.o + libc.so --&gt; hello</a:t>
             </a:r>
+            <a:endParaRPr lang="en-US" altLang="zh-CN" sz="2395" dirty="0">
+              <a:sym typeface="+mn-ea"/>
+            </a:endParaRPr>
           </a:p>
           <a:p>
             <a:pPr lvl="1"/>
@@ -3916,6 +4012,9 @@
               </a:rPr>
               <a:t>Q: Is one apporach better than the other?</a:t>
             </a:r>
+            <a:endParaRPr lang="en-US" altLang="zh-CN" sz="2400" dirty="0">
+              <a:sym typeface="+mn-ea"/>
+            </a:endParaRPr>
           </a:p>
           <a:p>
             <a:pPr lvl="1"/>
@@ -3925,6 +4024,9 @@
               </a:rPr>
               <a:t>A: orginal apporach is better, if bar.c is modified, do not need to recompile foo.c to foo.o</a:t>
             </a:r>
+            <a:endParaRPr lang="en-US" altLang="zh-CN" sz="2400" dirty="0">
+              <a:sym typeface="+mn-ea"/>
+            </a:endParaRPr>
           </a:p>
           <a:p>
             <a:pPr lvl="1"/>
@@ -4457,6 +4559,9 @@
               </a:rPr>
               <a:t> example</a:t>
             </a:r>
+            <a:endParaRPr lang="en-US" altLang="zh-CN" sz="3200" dirty="0">
+              <a:sym typeface="+mn-ea"/>
+            </a:endParaRPr>
           </a:p>
         </p:txBody>
       </p:sp>
@@ -4486,7 +4591,7 @@
               <a:spcBef>
                 <a:spcPct val="20000"/>
               </a:spcBef>
-              <a:buFont typeface="Arial" panose="020B0604020202020204" pitchFamily="34" charset="0"/>
+              <a:buFont typeface="Arial" panose="020B0604020202090204" pitchFamily="34" charset="0"/>
               <a:buChar char="•"/>
               <a:defRPr sz="3200" kern="1200">
                 <a:solidFill>
@@ -4501,7 +4606,7 @@
               <a:spcBef>
                 <a:spcPct val="20000"/>
               </a:spcBef>
-              <a:buFont typeface="Arial" panose="020B0604020202020204" pitchFamily="34" charset="0"/>
+              <a:buFont typeface="Arial" panose="020B0604020202090204" pitchFamily="34" charset="0"/>
               <a:buChar char="–"/>
               <a:defRPr sz="2800" kern="1200">
                 <a:solidFill>
@@ -4516,7 +4621,7 @@
               <a:spcBef>
                 <a:spcPct val="20000"/>
               </a:spcBef>
-              <a:buFont typeface="Arial" panose="020B0604020202020204" pitchFamily="34" charset="0"/>
+              <a:buFont typeface="Arial" panose="020B0604020202090204" pitchFamily="34" charset="0"/>
               <a:buChar char="•"/>
               <a:defRPr sz="2400" kern="1200">
                 <a:solidFill>
@@ -4531,7 +4636,7 @@
               <a:spcBef>
                 <a:spcPct val="20000"/>
               </a:spcBef>
-              <a:buFont typeface="Arial" panose="020B0604020202020204" pitchFamily="34" charset="0"/>
+              <a:buFont typeface="Arial" panose="020B0604020202090204" pitchFamily="34" charset="0"/>
               <a:buChar char="–"/>
               <a:defRPr sz="2000" kern="1200">
                 <a:solidFill>
@@ -4546,7 +4651,7 @@
               <a:spcBef>
                 <a:spcPct val="20000"/>
               </a:spcBef>
-              <a:buFont typeface="Arial" panose="020B0604020202020204" pitchFamily="34" charset="0"/>
+              <a:buFont typeface="Arial" panose="020B0604020202090204" pitchFamily="34" charset="0"/>
               <a:buChar char="»"/>
               <a:defRPr sz="2000" kern="1200">
                 <a:solidFill>
@@ -4561,7 +4666,7 @@
               <a:spcBef>
                 <a:spcPct val="20000"/>
               </a:spcBef>
-              <a:buFont typeface="Arial" panose="020B0604020202020204" pitchFamily="34" charset="0"/>
+              <a:buFont typeface="Arial" panose="020B0604020202090204" pitchFamily="34" charset="0"/>
               <a:buChar char="•"/>
               <a:defRPr sz="2000" kern="1200">
                 <a:solidFill>
@@ -4576,7 +4681,7 @@
               <a:spcBef>
                 <a:spcPct val="20000"/>
               </a:spcBef>
-              <a:buFont typeface="Arial" panose="020B0604020202020204" pitchFamily="34" charset="0"/>
+              <a:buFont typeface="Arial" panose="020B0604020202090204" pitchFamily="34" charset="0"/>
               <a:buChar char="•"/>
               <a:defRPr sz="2000" kern="1200">
                 <a:solidFill>
@@ -4591,7 +4696,7 @@
               <a:spcBef>
                 <a:spcPct val="20000"/>
               </a:spcBef>
-              <a:buFont typeface="Arial" panose="020B0604020202020204" pitchFamily="34" charset="0"/>
+              <a:buFont typeface="Arial" panose="020B0604020202090204" pitchFamily="34" charset="0"/>
               <a:buChar char="•"/>
               <a:defRPr sz="2000" kern="1200">
                 <a:solidFill>
@@ -4606,7 +4711,7 @@
               <a:spcBef>
                 <a:spcPct val="20000"/>
               </a:spcBef>
-              <a:buFont typeface="Arial" panose="020B0604020202020204" pitchFamily="34" charset="0"/>
+              <a:buFont typeface="Arial" panose="020B0604020202090204" pitchFamily="34" charset="0"/>
               <a:buChar char="•"/>
               <a:defRPr sz="2000" kern="1200">
                 <a:solidFill>
@@ -4680,7 +4785,7 @@
               <a:spcBef>
                 <a:spcPct val="20000"/>
               </a:spcBef>
-              <a:buFont typeface="Arial" panose="020B0604020202020204" pitchFamily="34" charset="0"/>
+              <a:buFont typeface="Arial" panose="020B0604020202090204" pitchFamily="34" charset="0"/>
               <a:buChar char="•"/>
               <a:defRPr sz="3200" kern="1200">
                 <a:solidFill>
@@ -4695,7 +4800,7 @@
               <a:spcBef>
                 <a:spcPct val="20000"/>
               </a:spcBef>
-              <a:buFont typeface="Arial" panose="020B0604020202020204" pitchFamily="34" charset="0"/>
+              <a:buFont typeface="Arial" panose="020B0604020202090204" pitchFamily="34" charset="0"/>
               <a:buChar char="–"/>
               <a:defRPr sz="2800" kern="1200">
                 <a:solidFill>
@@ -4710,7 +4815,7 @@
               <a:spcBef>
                 <a:spcPct val="20000"/>
               </a:spcBef>
-              <a:buFont typeface="Arial" panose="020B0604020202020204" pitchFamily="34" charset="0"/>
+              <a:buFont typeface="Arial" panose="020B0604020202090204" pitchFamily="34" charset="0"/>
               <a:buChar char="•"/>
               <a:defRPr sz="2400" kern="1200">
                 <a:solidFill>
@@ -4725,7 +4830,7 @@
               <a:spcBef>
                 <a:spcPct val="20000"/>
               </a:spcBef>
-              <a:buFont typeface="Arial" panose="020B0604020202020204" pitchFamily="34" charset="0"/>
+              <a:buFont typeface="Arial" panose="020B0604020202090204" pitchFamily="34" charset="0"/>
               <a:buChar char="–"/>
               <a:defRPr sz="2000" kern="1200">
                 <a:solidFill>
@@ -4740,7 +4845,7 @@
               <a:spcBef>
                 <a:spcPct val="20000"/>
               </a:spcBef>
-              <a:buFont typeface="Arial" panose="020B0604020202020204" pitchFamily="34" charset="0"/>
+              <a:buFont typeface="Arial" panose="020B0604020202090204" pitchFamily="34" charset="0"/>
               <a:buChar char="»"/>
               <a:defRPr sz="2000" kern="1200">
                 <a:solidFill>
@@ -4755,7 +4860,7 @@
               <a:spcBef>
                 <a:spcPct val="20000"/>
               </a:spcBef>
-              <a:buFont typeface="Arial" panose="020B0604020202020204" pitchFamily="34" charset="0"/>
+              <a:buFont typeface="Arial" panose="020B0604020202090204" pitchFamily="34" charset="0"/>
               <a:buChar char="•"/>
               <a:defRPr sz="2000" kern="1200">
                 <a:solidFill>
@@ -4770,7 +4875,7 @@
               <a:spcBef>
                 <a:spcPct val="20000"/>
               </a:spcBef>
-              <a:buFont typeface="Arial" panose="020B0604020202020204" pitchFamily="34" charset="0"/>
+              <a:buFont typeface="Arial" panose="020B0604020202090204" pitchFamily="34" charset="0"/>
               <a:buChar char="•"/>
               <a:defRPr sz="2000" kern="1200">
                 <a:solidFill>
@@ -4785,7 +4890,7 @@
               <a:spcBef>
                 <a:spcPct val="20000"/>
               </a:spcBef>
-              <a:buFont typeface="Arial" panose="020B0604020202020204" pitchFamily="34" charset="0"/>
+              <a:buFont typeface="Arial" panose="020B0604020202090204" pitchFamily="34" charset="0"/>
               <a:buChar char="•"/>
               <a:defRPr sz="2000" kern="1200">
                 <a:solidFill>
@@ -4800,7 +4905,7 @@
               <a:spcBef>
                 <a:spcPct val="20000"/>
               </a:spcBef>
-              <a:buFont typeface="Arial" panose="020B0604020202020204" pitchFamily="34" charset="0"/>
+              <a:buFont typeface="Arial" panose="020B0604020202090204" pitchFamily="34" charset="0"/>
               <a:buChar char="•"/>
               <a:defRPr sz="2000" kern="1200">
                 <a:solidFill>
@@ -4830,6 +4935,9 @@
               </a:rPr>
               <a:t>#Compile bar.c &amp; foo.c to executable file hello</a:t>
             </a:r>
+            <a:endParaRPr lang="en-US" altLang="zh-CN" sz="2285" dirty="0">
+              <a:sym typeface="+mn-ea"/>
+            </a:endParaRPr>
           </a:p>
           <a:p>
             <a:pPr marL="0" lvl="0" indent="0">
@@ -4849,6 +4957,9 @@
               </a:rPr>
               <a:t>hello: bar.o foo.o </a:t>
             </a:r>
+            <a:endParaRPr lang="en-US" altLang="zh-CN" sz="2285" dirty="0">
+              <a:sym typeface="+mn-ea"/>
+            </a:endParaRPr>
           </a:p>
           <a:p>
             <a:pPr marL="0" lvl="0" indent="0">
@@ -4860,6 +4971,9 @@
               </a:rPr>
               <a:t>        gcc -o hello bar.o foo.o</a:t>
             </a:r>
+            <a:endParaRPr lang="en-US" altLang="zh-CN" sz="2285" dirty="0">
+              <a:sym typeface="+mn-ea"/>
+            </a:endParaRPr>
           </a:p>
           <a:p>
             <a:pPr marL="0" lvl="0" indent="0">
@@ -4879,6 +4993,9 @@
               </a:rPr>
               <a:t>bar.o: bar.c</a:t>
             </a:r>
+            <a:endParaRPr lang="en-US" altLang="zh-CN" sz="2285" dirty="0">
+              <a:sym typeface="+mn-ea"/>
+            </a:endParaRPr>
           </a:p>
           <a:p>
             <a:pPr marL="0" lvl="0" indent="0">
@@ -4890,6 +5007,9 @@
               </a:rPr>
               <a:t>        gcc -c bar.c </a:t>
             </a:r>
+            <a:endParaRPr lang="en-US" altLang="zh-CN" sz="2285" dirty="0">
+              <a:sym typeface="+mn-ea"/>
+            </a:endParaRPr>
           </a:p>
           <a:p>
             <a:pPr marL="0" lvl="0" indent="0">
@@ -4909,6 +5029,9 @@
               </a:rPr>
               <a:t>foo.o: foo.c</a:t>
             </a:r>
+            <a:endParaRPr lang="en-US" altLang="zh-CN" sz="2285" dirty="0">
+              <a:sym typeface="+mn-ea"/>
+            </a:endParaRPr>
           </a:p>
           <a:p>
             <a:pPr marL="0" lvl="0" indent="0">
@@ -4920,6 +5043,9 @@
               </a:rPr>
               <a:t>        gcc -c foo.c</a:t>
             </a:r>
+            <a:endParaRPr lang="en-US" altLang="zh-CN" sz="2285" dirty="0">
+              <a:sym typeface="+mn-ea"/>
+            </a:endParaRPr>
           </a:p>
           <a:p>
             <a:pPr marL="0" lvl="0" indent="0">
@@ -4943,6 +5069,9 @@
               </a:rPr>
               <a:t>Recall the experience in assigment 3 &amp; assignment 4, when modify the .c file and re-execute make, it executes much faster. </a:t>
             </a:r>
+            <a:endParaRPr lang="en-US" altLang="zh-CN" sz="2400" dirty="0">
+              <a:sym typeface="+mn-ea"/>
+            </a:endParaRPr>
           </a:p>
           <a:p>
             <a:pPr lvl="0"/>
@@ -5050,12 +5179,14 @@
               <a:rPr lang="en-US" altLang="zh-CN" sz="2000" dirty="0"/>
               <a:t> is executed:</a:t>
             </a:r>
+            <a:endParaRPr lang="en-US" altLang="zh-CN" sz="2000" dirty="0"/>
           </a:p>
           <a:p>
             <a:r>
               <a:rPr lang="en-US" altLang="zh-CN" sz="2000" dirty="0"/>
               <a:t>1. Use hello as the default target</a:t>
             </a:r>
+            <a:endParaRPr lang="en-US" altLang="zh-CN" sz="2000" dirty="0"/>
           </a:p>
           <a:p>
             <a:r>
@@ -5078,6 +5209,7 @@
               <a:rPr lang="en-US" altLang="zh-CN" sz="2000" dirty="0"/>
               <a:t>, which are also targets.</a:t>
             </a:r>
+            <a:endParaRPr lang="en-US" altLang="zh-CN" sz="2000" dirty="0"/>
           </a:p>
           <a:p>
             <a:r>
@@ -5100,6 +5232,7 @@
               <a:rPr lang="en-US" altLang="zh-CN" sz="2000" dirty="0"/>
               <a:t> targets. </a:t>
             </a:r>
+            <a:endParaRPr lang="en-US" altLang="zh-CN" sz="2000" dirty="0"/>
           </a:p>
           <a:p>
             <a:r>
@@ -5122,6 +5255,7 @@
               <a:rPr lang="en-US" altLang="zh-CN" sz="2000" dirty="0"/>
               <a:t>, if yes, regenerate hello</a:t>
             </a:r>
+            <a:endParaRPr lang="en-US" altLang="zh-CN" sz="2000" dirty="0"/>
           </a:p>
         </p:txBody>
       </p:sp>
@@ -5157,6 +5291,9 @@
               </a:rPr>
               <a:t>prerequisites are rules specified in Makefile, make </a:t>
             </a:r>
+            <a:endParaRPr lang="en-US" altLang="zh-CN" sz="2000" dirty="0">
+              <a:sym typeface="+mn-ea"/>
+            </a:endParaRPr>
           </a:p>
           <a:p>
             <a:r>
@@ -5173,6 +5310,7 @@
               <a:rPr lang="en-US" altLang="zh-CN" sz="2000" dirty="0"/>
               <a:t>rules. </a:t>
             </a:r>
+            <a:endParaRPr lang="en-US" altLang="zh-CN" sz="2000" dirty="0"/>
           </a:p>
         </p:txBody>
       </p:sp>
@@ -5567,11 +5705,6 @@
         </p:txBody>
       </p:sp>
     </p:spTree>
-    <p:extLst>
-      <p:ext uri="{BB962C8B-B14F-4D97-AF65-F5344CB8AC3E}">
-        <p14:creationId xmlns:p14="http://schemas.microsoft.com/office/powerpoint/2010/main" val="4001887352"/>
-      </p:ext>
-    </p:extLst>
   </p:cSld>
   <p:clrMapOvr>
     <a:masterClrMapping/>
@@ -5622,15 +5755,11 @@
               <a:rPr lang="en-US" sz="4000" dirty="0"/>
               <a:t>Do we miss anything in the dependency? </a:t>
             </a:r>
+            <a:endParaRPr lang="en-US" sz="4000" dirty="0"/>
           </a:p>
         </p:txBody>
       </p:sp>
     </p:spTree>
-    <p:extLst>
-      <p:ext uri="{BB962C8B-B14F-4D97-AF65-F5344CB8AC3E}">
-        <p14:creationId xmlns:p14="http://schemas.microsoft.com/office/powerpoint/2010/main" val="4043585654"/>
-      </p:ext>
-    </p:extLst>
   </p:cSld>
   <p:clrMapOvr>
     <a:masterClrMapping/>
@@ -5683,6 +5812,9 @@
               </a:rPr>
               <a:t>Correct Makefile!</a:t>
             </a:r>
+            <a:endParaRPr lang="en-US" altLang="zh-CN" sz="3200">
+              <a:sym typeface="+mn-ea"/>
+            </a:endParaRPr>
           </a:p>
         </p:txBody>
       </p:sp>
@@ -5712,7 +5844,7 @@
               <a:spcBef>
                 <a:spcPct val="20000"/>
               </a:spcBef>
-              <a:buFont typeface="Arial" panose="020B0604020202020204" pitchFamily="34" charset="0"/>
+              <a:buFont typeface="Arial" panose="020B0604020202090204" pitchFamily="34" charset="0"/>
               <a:buChar char="•"/>
               <a:defRPr sz="3200" kern="1200">
                 <a:solidFill>
@@ -5727,7 +5859,7 @@
               <a:spcBef>
                 <a:spcPct val="20000"/>
               </a:spcBef>
-              <a:buFont typeface="Arial" panose="020B0604020202020204" pitchFamily="34" charset="0"/>
+              <a:buFont typeface="Arial" panose="020B0604020202090204" pitchFamily="34" charset="0"/>
               <a:buChar char="–"/>
               <a:defRPr sz="2800" kern="1200">
                 <a:solidFill>
@@ -5742,7 +5874,7 @@
               <a:spcBef>
                 <a:spcPct val="20000"/>
               </a:spcBef>
-              <a:buFont typeface="Arial" panose="020B0604020202020204" pitchFamily="34" charset="0"/>
+              <a:buFont typeface="Arial" panose="020B0604020202090204" pitchFamily="34" charset="0"/>
               <a:buChar char="•"/>
               <a:defRPr sz="2400" kern="1200">
                 <a:solidFill>
@@ -5757,7 +5889,7 @@
               <a:spcBef>
                 <a:spcPct val="20000"/>
               </a:spcBef>
-              <a:buFont typeface="Arial" panose="020B0604020202020204" pitchFamily="34" charset="0"/>
+              <a:buFont typeface="Arial" panose="020B0604020202090204" pitchFamily="34" charset="0"/>
               <a:buChar char="–"/>
               <a:defRPr sz="2000" kern="1200">
                 <a:solidFill>
@@ -5772,7 +5904,7 @@
               <a:spcBef>
                 <a:spcPct val="20000"/>
               </a:spcBef>
-              <a:buFont typeface="Arial" panose="020B0604020202020204" pitchFamily="34" charset="0"/>
+              <a:buFont typeface="Arial" panose="020B0604020202090204" pitchFamily="34" charset="0"/>
               <a:buChar char="»"/>
               <a:defRPr sz="2000" kern="1200">
                 <a:solidFill>
@@ -5787,7 +5919,7 @@
               <a:spcBef>
                 <a:spcPct val="20000"/>
               </a:spcBef>
-              <a:buFont typeface="Arial" panose="020B0604020202020204" pitchFamily="34" charset="0"/>
+              <a:buFont typeface="Arial" panose="020B0604020202090204" pitchFamily="34" charset="0"/>
               <a:buChar char="•"/>
               <a:defRPr sz="2000" kern="1200">
                 <a:solidFill>
@@ -5802,7 +5934,7 @@
               <a:spcBef>
                 <a:spcPct val="20000"/>
               </a:spcBef>
-              <a:buFont typeface="Arial" panose="020B0604020202020204" pitchFamily="34" charset="0"/>
+              <a:buFont typeface="Arial" panose="020B0604020202090204" pitchFamily="34" charset="0"/>
               <a:buChar char="•"/>
               <a:defRPr sz="2000" kern="1200">
                 <a:solidFill>
@@ -5817,7 +5949,7 @@
               <a:spcBef>
                 <a:spcPct val="20000"/>
               </a:spcBef>
-              <a:buFont typeface="Arial" panose="020B0604020202020204" pitchFamily="34" charset="0"/>
+              <a:buFont typeface="Arial" panose="020B0604020202090204" pitchFamily="34" charset="0"/>
               <a:buChar char="•"/>
               <a:defRPr sz="2000" kern="1200">
                 <a:solidFill>
@@ -5832,7 +5964,7 @@
               <a:spcBef>
                 <a:spcPct val="20000"/>
               </a:spcBef>
-              <a:buFont typeface="Arial" panose="020B0604020202020204" pitchFamily="34" charset="0"/>
+              <a:buFont typeface="Arial" panose="020B0604020202090204" pitchFamily="34" charset="0"/>
               <a:buChar char="•"/>
               <a:defRPr sz="2000" kern="1200">
                 <a:solidFill>
@@ -5906,7 +6038,7 @@
               <a:spcBef>
                 <a:spcPct val="20000"/>
               </a:spcBef>
-              <a:buFont typeface="Arial" panose="020B0604020202020204" pitchFamily="34" charset="0"/>
+              <a:buFont typeface="Arial" panose="020B0604020202090204" pitchFamily="34" charset="0"/>
               <a:buChar char="•"/>
               <a:defRPr sz="3200" kern="1200">
                 <a:solidFill>
@@ -5921,7 +6053,7 @@
               <a:spcBef>
                 <a:spcPct val="20000"/>
               </a:spcBef>
-              <a:buFont typeface="Arial" panose="020B0604020202020204" pitchFamily="34" charset="0"/>
+              <a:buFont typeface="Arial" panose="020B0604020202090204" pitchFamily="34" charset="0"/>
               <a:buChar char="–"/>
               <a:defRPr sz="2800" kern="1200">
                 <a:solidFill>
@@ -5936,7 +6068,7 @@
               <a:spcBef>
                 <a:spcPct val="20000"/>
               </a:spcBef>
-              <a:buFont typeface="Arial" panose="020B0604020202020204" pitchFamily="34" charset="0"/>
+              <a:buFont typeface="Arial" panose="020B0604020202090204" pitchFamily="34" charset="0"/>
               <a:buChar char="•"/>
               <a:defRPr sz="2400" kern="1200">
                 <a:solidFill>
@@ -5951,7 +6083,7 @@
               <a:spcBef>
                 <a:spcPct val="20000"/>
               </a:spcBef>
-              <a:buFont typeface="Arial" panose="020B0604020202020204" pitchFamily="34" charset="0"/>
+              <a:buFont typeface="Arial" panose="020B0604020202090204" pitchFamily="34" charset="0"/>
               <a:buChar char="–"/>
               <a:defRPr sz="2000" kern="1200">
                 <a:solidFill>
@@ -5966,7 +6098,7 @@
               <a:spcBef>
                 <a:spcPct val="20000"/>
               </a:spcBef>
-              <a:buFont typeface="Arial" panose="020B0604020202020204" pitchFamily="34" charset="0"/>
+              <a:buFont typeface="Arial" panose="020B0604020202090204" pitchFamily="34" charset="0"/>
               <a:buChar char="»"/>
               <a:defRPr sz="2000" kern="1200">
                 <a:solidFill>
@@ -5981,7 +6113,7 @@
               <a:spcBef>
                 <a:spcPct val="20000"/>
               </a:spcBef>
-              <a:buFont typeface="Arial" panose="020B0604020202020204" pitchFamily="34" charset="0"/>
+              <a:buFont typeface="Arial" panose="020B0604020202090204" pitchFamily="34" charset="0"/>
               <a:buChar char="•"/>
               <a:defRPr sz="2000" kern="1200">
                 <a:solidFill>
@@ -5996,7 +6128,7 @@
               <a:spcBef>
                 <a:spcPct val="20000"/>
               </a:spcBef>
-              <a:buFont typeface="Arial" panose="020B0604020202020204" pitchFamily="34" charset="0"/>
+              <a:buFont typeface="Arial" panose="020B0604020202090204" pitchFamily="34" charset="0"/>
               <a:buChar char="•"/>
               <a:defRPr sz="2000" kern="1200">
                 <a:solidFill>
@@ -6011,7 +6143,7 @@
               <a:spcBef>
                 <a:spcPct val="20000"/>
               </a:spcBef>
-              <a:buFont typeface="Arial" panose="020B0604020202020204" pitchFamily="34" charset="0"/>
+              <a:buFont typeface="Arial" panose="020B0604020202090204" pitchFamily="34" charset="0"/>
               <a:buChar char="•"/>
               <a:defRPr sz="2000" kern="1200">
                 <a:solidFill>
@@ -6026,7 +6158,7 @@
               <a:spcBef>
                 <a:spcPct val="20000"/>
               </a:spcBef>
-              <a:buFont typeface="Arial" panose="020B0604020202020204" pitchFamily="34" charset="0"/>
+              <a:buFont typeface="Arial" panose="020B0604020202090204" pitchFamily="34" charset="0"/>
               <a:buChar char="•"/>
               <a:defRPr sz="2000" kern="1200">
                 <a:solidFill>
@@ -6056,6 +6188,9 @@
               </a:rPr>
               <a:t>hello: bar.o foo.o</a:t>
             </a:r>
+            <a:endParaRPr lang="en-US" altLang="zh-CN" sz="2285" dirty="0">
+              <a:sym typeface="+mn-ea"/>
+            </a:endParaRPr>
           </a:p>
           <a:p>
             <a:pPr marL="0" lvl="0" indent="0">
@@ -6067,6 +6202,9 @@
               </a:rPr>
               <a:t>        gcc -o hello bar.o foo.o</a:t>
             </a:r>
+            <a:endParaRPr lang="en-US" altLang="zh-CN" sz="2285" dirty="0">
+              <a:sym typeface="+mn-ea"/>
+            </a:endParaRPr>
           </a:p>
           <a:p>
             <a:pPr marL="0" lvl="0" indent="0">
@@ -6086,6 +6224,9 @@
               </a:rPr>
               <a:t>bar.o: bar.c bar.h</a:t>
             </a:r>
+            <a:endParaRPr lang="en-US" altLang="zh-CN" sz="2285" dirty="0">
+              <a:sym typeface="+mn-ea"/>
+            </a:endParaRPr>
           </a:p>
           <a:p>
             <a:pPr marL="0" lvl="0" indent="0">
@@ -6097,6 +6238,9 @@
               </a:rPr>
               <a:t>        gcc -c bar.c </a:t>
             </a:r>
+            <a:endParaRPr lang="en-US" altLang="zh-CN" sz="2285" dirty="0">
+              <a:sym typeface="+mn-ea"/>
+            </a:endParaRPr>
           </a:p>
           <a:p>
             <a:pPr marL="0" lvl="0" indent="0">
@@ -6116,6 +6260,9 @@
               </a:rPr>
               <a:t>foo.o: foo.c</a:t>
             </a:r>
+            <a:endParaRPr lang="en-US" altLang="zh-CN" sz="2285" dirty="0">
+              <a:sym typeface="+mn-ea"/>
+            </a:endParaRPr>
           </a:p>
           <a:p>
             <a:pPr marL="0" lvl="0" indent="0">
@@ -6127,6 +6274,9 @@
               </a:rPr>
               <a:t>        gcc -c foo.c</a:t>
             </a:r>
+            <a:endParaRPr lang="en-US" altLang="zh-CN" sz="2285" dirty="0">
+              <a:sym typeface="+mn-ea"/>
+            </a:endParaRPr>
           </a:p>
           <a:p>
             <a:pPr marL="0" lvl="0" indent="0">
@@ -6144,6 +6294,9 @@
               </a:rPr>
               <a:t>Don't forget the header file!</a:t>
             </a:r>
+            <a:endParaRPr lang="en-US" altLang="zh-CN" sz="2735" dirty="0">
+              <a:sym typeface="+mn-ea"/>
+            </a:endParaRPr>
           </a:p>
           <a:p>
             <a:pPr lvl="1"/>
@@ -6256,6 +6409,9 @@
               </a:rPr>
               <a:t>Phony Targets</a:t>
             </a:r>
+            <a:endParaRPr lang="en-US" altLang="zh-CN" sz="3200" dirty="0">
+              <a:sym typeface="+mn-ea"/>
+            </a:endParaRPr>
           </a:p>
         </p:txBody>
       </p:sp>
@@ -6285,7 +6441,7 @@
               <a:spcBef>
                 <a:spcPct val="20000"/>
               </a:spcBef>
-              <a:buFont typeface="Arial" panose="020B0604020202020204" pitchFamily="34" charset="0"/>
+              <a:buFont typeface="Arial" panose="020B0604020202090204" pitchFamily="34" charset="0"/>
               <a:buChar char="•"/>
               <a:defRPr sz="3200" kern="1200">
                 <a:solidFill>
@@ -6300,7 +6456,7 @@
               <a:spcBef>
                 <a:spcPct val="20000"/>
               </a:spcBef>
-              <a:buFont typeface="Arial" panose="020B0604020202020204" pitchFamily="34" charset="0"/>
+              <a:buFont typeface="Arial" panose="020B0604020202090204" pitchFamily="34" charset="0"/>
               <a:buChar char="–"/>
               <a:defRPr sz="2800" kern="1200">
                 <a:solidFill>
@@ -6315,7 +6471,7 @@
               <a:spcBef>
                 <a:spcPct val="20000"/>
               </a:spcBef>
-              <a:buFont typeface="Arial" panose="020B0604020202020204" pitchFamily="34" charset="0"/>
+              <a:buFont typeface="Arial" panose="020B0604020202090204" pitchFamily="34" charset="0"/>
               <a:buChar char="•"/>
               <a:defRPr sz="2400" kern="1200">
                 <a:solidFill>
@@ -6330,7 +6486,7 @@
               <a:spcBef>
                 <a:spcPct val="20000"/>
               </a:spcBef>
-              <a:buFont typeface="Arial" panose="020B0604020202020204" pitchFamily="34" charset="0"/>
+              <a:buFont typeface="Arial" panose="020B0604020202090204" pitchFamily="34" charset="0"/>
               <a:buChar char="–"/>
               <a:defRPr sz="2000" kern="1200">
                 <a:solidFill>
@@ -6345,7 +6501,7 @@
               <a:spcBef>
                 <a:spcPct val="20000"/>
               </a:spcBef>
-              <a:buFont typeface="Arial" panose="020B0604020202020204" pitchFamily="34" charset="0"/>
+              <a:buFont typeface="Arial" panose="020B0604020202090204" pitchFamily="34" charset="0"/>
               <a:buChar char="»"/>
               <a:defRPr sz="2000" kern="1200">
                 <a:solidFill>
@@ -6360,7 +6516,7 @@
               <a:spcBef>
                 <a:spcPct val="20000"/>
               </a:spcBef>
-              <a:buFont typeface="Arial" panose="020B0604020202020204" pitchFamily="34" charset="0"/>
+              <a:buFont typeface="Arial" panose="020B0604020202090204" pitchFamily="34" charset="0"/>
               <a:buChar char="•"/>
               <a:defRPr sz="2000" kern="1200">
                 <a:solidFill>
@@ -6375,7 +6531,7 @@
               <a:spcBef>
                 <a:spcPct val="20000"/>
               </a:spcBef>
-              <a:buFont typeface="Arial" panose="020B0604020202020204" pitchFamily="34" charset="0"/>
+              <a:buFont typeface="Arial" panose="020B0604020202090204" pitchFamily="34" charset="0"/>
               <a:buChar char="•"/>
               <a:defRPr sz="2000" kern="1200">
                 <a:solidFill>
@@ -6390,7 +6546,7 @@
               <a:spcBef>
                 <a:spcPct val="20000"/>
               </a:spcBef>
-              <a:buFont typeface="Arial" panose="020B0604020202020204" pitchFamily="34" charset="0"/>
+              <a:buFont typeface="Arial" panose="020B0604020202090204" pitchFamily="34" charset="0"/>
               <a:buChar char="•"/>
               <a:defRPr sz="2000" kern="1200">
                 <a:solidFill>
@@ -6405,7 +6561,7 @@
               <a:spcBef>
                 <a:spcPct val="20000"/>
               </a:spcBef>
-              <a:buFont typeface="Arial" panose="020B0604020202020204" pitchFamily="34" charset="0"/>
+              <a:buFont typeface="Arial" panose="020B0604020202090204" pitchFamily="34" charset="0"/>
               <a:buChar char="•"/>
               <a:defRPr sz="2000" kern="1200">
                 <a:solidFill>
@@ -6479,7 +6635,7 @@
               <a:spcBef>
                 <a:spcPct val="20000"/>
               </a:spcBef>
-              <a:buFont typeface="Arial" panose="020B0604020202020204" pitchFamily="34" charset="0"/>
+              <a:buFont typeface="Arial" panose="020B0604020202090204" pitchFamily="34" charset="0"/>
               <a:buChar char="•"/>
               <a:defRPr sz="3200" kern="1200">
                 <a:solidFill>
@@ -6494,7 +6650,7 @@
               <a:spcBef>
                 <a:spcPct val="20000"/>
               </a:spcBef>
-              <a:buFont typeface="Arial" panose="020B0604020202020204" pitchFamily="34" charset="0"/>
+              <a:buFont typeface="Arial" panose="020B0604020202090204" pitchFamily="34" charset="0"/>
               <a:buChar char="–"/>
               <a:defRPr sz="2800" kern="1200">
                 <a:solidFill>
@@ -6509,7 +6665,7 @@
               <a:spcBef>
                 <a:spcPct val="20000"/>
               </a:spcBef>
-              <a:buFont typeface="Arial" panose="020B0604020202020204" pitchFamily="34" charset="0"/>
+              <a:buFont typeface="Arial" panose="020B0604020202090204" pitchFamily="34" charset="0"/>
               <a:buChar char="•"/>
               <a:defRPr sz="2400" kern="1200">
                 <a:solidFill>
@@ -6524,7 +6680,7 @@
               <a:spcBef>
                 <a:spcPct val="20000"/>
               </a:spcBef>
-              <a:buFont typeface="Arial" panose="020B0604020202020204" pitchFamily="34" charset="0"/>
+              <a:buFont typeface="Arial" panose="020B0604020202090204" pitchFamily="34" charset="0"/>
               <a:buChar char="–"/>
               <a:defRPr sz="2000" kern="1200">
                 <a:solidFill>
@@ -6539,7 +6695,7 @@
               <a:spcBef>
                 <a:spcPct val="20000"/>
               </a:spcBef>
-              <a:buFont typeface="Arial" panose="020B0604020202020204" pitchFamily="34" charset="0"/>
+              <a:buFont typeface="Arial" panose="020B0604020202090204" pitchFamily="34" charset="0"/>
               <a:buChar char="»"/>
               <a:defRPr sz="2000" kern="1200">
                 <a:solidFill>
@@ -6554,7 +6710,7 @@
               <a:spcBef>
                 <a:spcPct val="20000"/>
               </a:spcBef>
-              <a:buFont typeface="Arial" panose="020B0604020202020204" pitchFamily="34" charset="0"/>
+              <a:buFont typeface="Arial" panose="020B0604020202090204" pitchFamily="34" charset="0"/>
               <a:buChar char="•"/>
               <a:defRPr sz="2000" kern="1200">
                 <a:solidFill>
@@ -6569,7 +6725,7 @@
               <a:spcBef>
                 <a:spcPct val="20000"/>
               </a:spcBef>
-              <a:buFont typeface="Arial" panose="020B0604020202020204" pitchFamily="34" charset="0"/>
+              <a:buFont typeface="Arial" panose="020B0604020202090204" pitchFamily="34" charset="0"/>
               <a:buChar char="•"/>
               <a:defRPr sz="2000" kern="1200">
                 <a:solidFill>
@@ -6584,7 +6740,7 @@
               <a:spcBef>
                 <a:spcPct val="20000"/>
               </a:spcBef>
-              <a:buFont typeface="Arial" panose="020B0604020202020204" pitchFamily="34" charset="0"/>
+              <a:buFont typeface="Arial" panose="020B0604020202090204" pitchFamily="34" charset="0"/>
               <a:buChar char="•"/>
               <a:defRPr sz="2000" kern="1200">
                 <a:solidFill>
@@ -6599,7 +6755,7 @@
               <a:spcBef>
                 <a:spcPct val="20000"/>
               </a:spcBef>
-              <a:buFont typeface="Arial" panose="020B0604020202020204" pitchFamily="34" charset="0"/>
+              <a:buFont typeface="Arial" panose="020B0604020202090204" pitchFamily="34" charset="0"/>
               <a:buChar char="•"/>
               <a:defRPr sz="2000" kern="1200">
                 <a:solidFill>
@@ -6618,6 +6774,9 @@
               </a:rPr>
               <a:t>Makefile often comes with certain handy features:</a:t>
             </a:r>
+            <a:endParaRPr lang="en-US" altLang="zh-CN" sz="2400" dirty="0">
+              <a:sym typeface="+mn-ea"/>
+            </a:endParaRPr>
           </a:p>
           <a:p>
             <a:pPr lvl="1"/>
@@ -6627,6 +6786,9 @@
               </a:rPr>
               <a:t>make clean  # delete all the intermidate files (.o) generated during compilation and  all the executable files</a:t>
             </a:r>
+            <a:endParaRPr lang="en-US" altLang="zh-CN" sz="2000" dirty="0">
+              <a:sym typeface="+mn-ea"/>
+            </a:endParaRPr>
           </a:p>
           <a:p>
             <a:pPr lvl="1"/>
@@ -6636,6 +6798,9 @@
               </a:rPr>
               <a:t>make install # copy the executable files into the default Linux directory for commands</a:t>
             </a:r>
+            <a:endParaRPr lang="en-US" altLang="zh-CN" sz="2000" dirty="0">
+              <a:sym typeface="+mn-ea"/>
+            </a:endParaRPr>
           </a:p>
           <a:p>
             <a:pPr lvl="1"/>
@@ -6651,6 +6816,9 @@
               </a:rPr>
               <a:t>A wrong way to do it </a:t>
             </a:r>
+            <a:endParaRPr lang="en-US" altLang="zh-CN" sz="2400" dirty="0">
+              <a:sym typeface="+mn-ea"/>
+            </a:endParaRPr>
           </a:p>
           <a:p>
             <a:pPr marL="0" lvl="0" indent="0">
@@ -6662,6 +6830,9 @@
               </a:rPr>
               <a:t>clean:</a:t>
             </a:r>
+            <a:endParaRPr lang="en-US" altLang="zh-CN" sz="2000" dirty="0">
+              <a:sym typeface="+mn-ea"/>
+            </a:endParaRPr>
           </a:p>
           <a:p>
             <a:pPr marL="0" lvl="0" indent="0">
@@ -6673,6 +6844,9 @@
               </a:rPr>
               <a:t>	rm -rf hello</a:t>
             </a:r>
+            <a:endParaRPr lang="en-US" altLang="zh-CN" sz="2000" dirty="0">
+              <a:sym typeface="+mn-ea"/>
+            </a:endParaRPr>
           </a:p>
           <a:p>
             <a:pPr marL="0" lvl="0" indent="0">
@@ -6684,6 +6858,9 @@
               </a:rPr>
               <a:t>	rm *.o</a:t>
             </a:r>
+            <a:endParaRPr lang="en-US" altLang="zh-CN" sz="2000" dirty="0">
+              <a:sym typeface="+mn-ea"/>
+            </a:endParaRPr>
           </a:p>
           <a:p>
             <a:pPr marL="0" lvl="0" indent="0">
@@ -6703,6 +6880,9 @@
               </a:rPr>
               <a:t>install:</a:t>
             </a:r>
+            <a:endParaRPr lang="en-US" altLang="zh-CN" sz="2000" dirty="0">
+              <a:sym typeface="+mn-ea"/>
+            </a:endParaRPr>
           </a:p>
           <a:p>
             <a:pPr marL="0" lvl="0" indent="0">
@@ -6714,6 +6894,9 @@
               </a:rPr>
               <a:t>	cp -a hello /usr/bin/</a:t>
             </a:r>
+            <a:endParaRPr lang="en-US" altLang="zh-CN" sz="2000" dirty="0">
+              <a:sym typeface="+mn-ea"/>
+            </a:endParaRPr>
           </a:p>
           <a:p>
             <a:pPr lvl="0"/>
@@ -6723,6 +6906,9 @@
               </a:rPr>
               <a:t>It won't work if you have a file named clean/install</a:t>
             </a:r>
+            <a:endParaRPr lang="en-US" altLang="zh-CN" sz="2400" dirty="0">
+              <a:sym typeface="+mn-ea"/>
+            </a:endParaRPr>
           </a:p>
           <a:p>
             <a:pPr marL="0" indent="0">
@@ -7089,6 +7275,9 @@
               </a:rPr>
               <a:t>phony Targets (cont)</a:t>
             </a:r>
+            <a:endParaRPr lang="en-US" altLang="zh-CN" sz="3200">
+              <a:sym typeface="+mn-ea"/>
+            </a:endParaRPr>
           </a:p>
         </p:txBody>
       </p:sp>
@@ -7118,7 +7307,7 @@
               <a:spcBef>
                 <a:spcPct val="20000"/>
               </a:spcBef>
-              <a:buFont typeface="Arial" panose="020B0604020202020204" pitchFamily="34" charset="0"/>
+              <a:buFont typeface="Arial" panose="020B0604020202090204" pitchFamily="34" charset="0"/>
               <a:buChar char="•"/>
               <a:defRPr sz="3200" kern="1200">
                 <a:solidFill>
@@ -7133,7 +7322,7 @@
               <a:spcBef>
                 <a:spcPct val="20000"/>
               </a:spcBef>
-              <a:buFont typeface="Arial" panose="020B0604020202020204" pitchFamily="34" charset="0"/>
+              <a:buFont typeface="Arial" panose="020B0604020202090204" pitchFamily="34" charset="0"/>
               <a:buChar char="–"/>
               <a:defRPr sz="2800" kern="1200">
                 <a:solidFill>
@@ -7148,7 +7337,7 @@
               <a:spcBef>
                 <a:spcPct val="20000"/>
               </a:spcBef>
-              <a:buFont typeface="Arial" panose="020B0604020202020204" pitchFamily="34" charset="0"/>
+              <a:buFont typeface="Arial" panose="020B0604020202090204" pitchFamily="34" charset="0"/>
               <a:buChar char="•"/>
               <a:defRPr sz="2400" kern="1200">
                 <a:solidFill>
@@ -7163,7 +7352,7 @@
               <a:spcBef>
                 <a:spcPct val="20000"/>
               </a:spcBef>
-              <a:buFont typeface="Arial" panose="020B0604020202020204" pitchFamily="34" charset="0"/>
+              <a:buFont typeface="Arial" panose="020B0604020202090204" pitchFamily="34" charset="0"/>
               <a:buChar char="–"/>
               <a:defRPr sz="2000" kern="1200">
                 <a:solidFill>
@@ -7178,7 +7367,7 @@
               <a:spcBef>
                 <a:spcPct val="20000"/>
               </a:spcBef>
-              <a:buFont typeface="Arial" panose="020B0604020202020204" pitchFamily="34" charset="0"/>
+              <a:buFont typeface="Arial" panose="020B0604020202090204" pitchFamily="34" charset="0"/>
               <a:buChar char="»"/>
               <a:defRPr sz="2000" kern="1200">
                 <a:solidFill>
@@ -7193,7 +7382,7 @@
               <a:spcBef>
                 <a:spcPct val="20000"/>
               </a:spcBef>
-              <a:buFont typeface="Arial" panose="020B0604020202020204" pitchFamily="34" charset="0"/>
+              <a:buFont typeface="Arial" panose="020B0604020202090204" pitchFamily="34" charset="0"/>
               <a:buChar char="•"/>
               <a:defRPr sz="2000" kern="1200">
                 <a:solidFill>
@@ -7208,7 +7397,7 @@
               <a:spcBef>
                 <a:spcPct val="20000"/>
               </a:spcBef>
-              <a:buFont typeface="Arial" panose="020B0604020202020204" pitchFamily="34" charset="0"/>
+              <a:buFont typeface="Arial" panose="020B0604020202090204" pitchFamily="34" charset="0"/>
               <a:buChar char="•"/>
               <a:defRPr sz="2000" kern="1200">
                 <a:solidFill>
@@ -7223,7 +7412,7 @@
               <a:spcBef>
                 <a:spcPct val="20000"/>
               </a:spcBef>
-              <a:buFont typeface="Arial" panose="020B0604020202020204" pitchFamily="34" charset="0"/>
+              <a:buFont typeface="Arial" panose="020B0604020202090204" pitchFamily="34" charset="0"/>
               <a:buChar char="•"/>
               <a:defRPr sz="2000" kern="1200">
                 <a:solidFill>
@@ -7238,7 +7427,7 @@
               <a:spcBef>
                 <a:spcPct val="20000"/>
               </a:spcBef>
-              <a:buFont typeface="Arial" panose="020B0604020202020204" pitchFamily="34" charset="0"/>
+              <a:buFont typeface="Arial" panose="020B0604020202090204" pitchFamily="34" charset="0"/>
               <a:buChar char="•"/>
               <a:defRPr sz="2000" kern="1200">
                 <a:solidFill>
@@ -7312,7 +7501,7 @@
               <a:spcBef>
                 <a:spcPct val="20000"/>
               </a:spcBef>
-              <a:buFont typeface="Arial" panose="020B0604020202020204" pitchFamily="34" charset="0"/>
+              <a:buFont typeface="Arial" panose="020B0604020202090204" pitchFamily="34" charset="0"/>
               <a:buChar char="•"/>
               <a:defRPr sz="3200" kern="1200">
                 <a:solidFill>
@@ -7327,7 +7516,7 @@
               <a:spcBef>
                 <a:spcPct val="20000"/>
               </a:spcBef>
-              <a:buFont typeface="Arial" panose="020B0604020202020204" pitchFamily="34" charset="0"/>
+              <a:buFont typeface="Arial" panose="020B0604020202090204" pitchFamily="34" charset="0"/>
               <a:buChar char="–"/>
               <a:defRPr sz="2800" kern="1200">
                 <a:solidFill>
@@ -7342,7 +7531,7 @@
               <a:spcBef>
                 <a:spcPct val="20000"/>
               </a:spcBef>
-              <a:buFont typeface="Arial" panose="020B0604020202020204" pitchFamily="34" charset="0"/>
+              <a:buFont typeface="Arial" panose="020B0604020202090204" pitchFamily="34" charset="0"/>
               <a:buChar char="•"/>
               <a:defRPr sz="2400" kern="1200">
                 <a:solidFill>
@@ -7357,7 +7546,7 @@
               <a:spcBef>
                 <a:spcPct val="20000"/>
               </a:spcBef>
-              <a:buFont typeface="Arial" panose="020B0604020202020204" pitchFamily="34" charset="0"/>
+              <a:buFont typeface="Arial" panose="020B0604020202090204" pitchFamily="34" charset="0"/>
               <a:buChar char="–"/>
               <a:defRPr sz="2000" kern="1200">
                 <a:solidFill>
@@ -7372,7 +7561,7 @@
               <a:spcBef>
                 <a:spcPct val="20000"/>
               </a:spcBef>
-              <a:buFont typeface="Arial" panose="020B0604020202020204" pitchFamily="34" charset="0"/>
+              <a:buFont typeface="Arial" panose="020B0604020202090204" pitchFamily="34" charset="0"/>
               <a:buChar char="»"/>
               <a:defRPr sz="2000" kern="1200">
                 <a:solidFill>
@@ -7387,7 +7576,7 @@
               <a:spcBef>
                 <a:spcPct val="20000"/>
               </a:spcBef>
-              <a:buFont typeface="Arial" panose="020B0604020202020204" pitchFamily="34" charset="0"/>
+              <a:buFont typeface="Arial" panose="020B0604020202090204" pitchFamily="34" charset="0"/>
               <a:buChar char="•"/>
               <a:defRPr sz="2000" kern="1200">
                 <a:solidFill>
@@ -7402,7 +7591,7 @@
               <a:spcBef>
                 <a:spcPct val="20000"/>
               </a:spcBef>
-              <a:buFont typeface="Arial" panose="020B0604020202020204" pitchFamily="34" charset="0"/>
+              <a:buFont typeface="Arial" panose="020B0604020202090204" pitchFamily="34" charset="0"/>
               <a:buChar char="•"/>
               <a:defRPr sz="2000" kern="1200">
                 <a:solidFill>
@@ -7417,7 +7606,7 @@
               <a:spcBef>
                 <a:spcPct val="20000"/>
               </a:spcBef>
-              <a:buFont typeface="Arial" panose="020B0604020202020204" pitchFamily="34" charset="0"/>
+              <a:buFont typeface="Arial" panose="020B0604020202090204" pitchFamily="34" charset="0"/>
               <a:buChar char="•"/>
               <a:defRPr sz="2000" kern="1200">
                 <a:solidFill>
@@ -7432,7 +7621,7 @@
               <a:spcBef>
                 <a:spcPct val="20000"/>
               </a:spcBef>
-              <a:buFont typeface="Arial" panose="020B0604020202020204" pitchFamily="34" charset="0"/>
+              <a:buFont typeface="Arial" panose="020B0604020202090204" pitchFamily="34" charset="0"/>
               <a:buChar char="•"/>
               <a:defRPr sz="2000" kern="1200">
                 <a:solidFill>
@@ -7451,6 +7640,9 @@
               </a:rPr>
               <a:t>Correct way to do it: Use the PHONY keyword</a:t>
             </a:r>
+            <a:endParaRPr lang="en-US" altLang="zh-CN" sz="2400" dirty="0">
+              <a:sym typeface="+mn-ea"/>
+            </a:endParaRPr>
           </a:p>
           <a:p>
             <a:pPr lvl="1"/>
@@ -7460,6 +7652,9 @@
               </a:rPr>
               <a:t>PHONY keyword: the target is not a file name, instead a target that should always be executed when specified</a:t>
             </a:r>
+            <a:endParaRPr lang="en-US" altLang="zh-CN" sz="2100" dirty="0">
+              <a:sym typeface="+mn-ea"/>
+            </a:endParaRPr>
           </a:p>
           <a:p>
             <a:pPr marL="457200" lvl="1" indent="0">
@@ -7483,6 +7678,9 @@
               </a:rPr>
               <a:t>PHONY: clean</a:t>
             </a:r>
+            <a:endParaRPr lang="en-US" altLang="zh-CN" sz="2000" dirty="0">
+              <a:sym typeface="+mn-ea"/>
+            </a:endParaRPr>
           </a:p>
           <a:p>
             <a:pPr marL="0" lvl="0" indent="0">
@@ -7494,6 +7692,9 @@
               </a:rPr>
               <a:t>clean:</a:t>
             </a:r>
+            <a:endParaRPr lang="en-US" altLang="zh-CN" sz="2000" dirty="0">
+              <a:sym typeface="+mn-ea"/>
+            </a:endParaRPr>
           </a:p>
           <a:p>
             <a:pPr marL="0" lvl="0" indent="0">
@@ -7505,6 +7706,9 @@
               </a:rPr>
               <a:t>	rm -rf hello</a:t>
             </a:r>
+            <a:endParaRPr lang="en-US" altLang="zh-CN" sz="2000" dirty="0">
+              <a:sym typeface="+mn-ea"/>
+            </a:endParaRPr>
           </a:p>
           <a:p>
             <a:pPr marL="0" lvl="0" indent="0">
@@ -7516,6 +7720,9 @@
               </a:rPr>
               <a:t>	rm *.o</a:t>
             </a:r>
+            <a:endParaRPr lang="en-US" altLang="zh-CN" sz="2000" dirty="0">
+              <a:sym typeface="+mn-ea"/>
+            </a:endParaRPr>
           </a:p>
           <a:p>
             <a:pPr marL="0" lvl="0" indent="0">
@@ -7535,6 +7742,9 @@
               </a:rPr>
               <a:t>.PHONY: install</a:t>
             </a:r>
+            <a:endParaRPr lang="en-US" altLang="zh-CN" sz="2000" dirty="0">
+              <a:sym typeface="+mn-ea"/>
+            </a:endParaRPr>
           </a:p>
           <a:p>
             <a:pPr marL="0" lvl="0" indent="0">
@@ -7546,6 +7756,9 @@
               </a:rPr>
               <a:t>install:</a:t>
             </a:r>
+            <a:endParaRPr lang="en-US" altLang="zh-CN" sz="2000" dirty="0">
+              <a:sym typeface="+mn-ea"/>
+            </a:endParaRPr>
           </a:p>
           <a:p>
             <a:pPr marL="0" lvl="0" indent="0">
@@ -7557,6 +7770,9 @@
               </a:rPr>
               <a:t>	cp -a hello /usr/bin/</a:t>
             </a:r>
+            <a:endParaRPr lang="en-US" altLang="zh-CN" sz="2000" dirty="0">
+              <a:sym typeface="+mn-ea"/>
+            </a:endParaRPr>
           </a:p>
           <a:p>
             <a:pPr lvl="1"/>
@@ -7889,15 +8105,11 @@
               <a:rPr lang="en-US" sz="4000" dirty="0"/>
               <a:t>Demo: Phony Targets</a:t>
             </a:r>
+            <a:endParaRPr lang="en-US" sz="4000" dirty="0"/>
           </a:p>
         </p:txBody>
       </p:sp>
     </p:spTree>
-    <p:extLst>
-      <p:ext uri="{BB962C8B-B14F-4D97-AF65-F5344CB8AC3E}">
-        <p14:creationId xmlns:p14="http://schemas.microsoft.com/office/powerpoint/2010/main" val="3592966921"/>
-      </p:ext>
-    </p:extLst>
   </p:cSld>
   <p:clrMapOvr>
     <a:masterClrMapping/>
@@ -7950,6 +8162,9 @@
               </a:rPr>
               <a:t>Generate multiple executable files</a:t>
             </a:r>
+            <a:endParaRPr lang="en-US" altLang="zh-CN" sz="3200">
+              <a:sym typeface="+mn-ea"/>
+            </a:endParaRPr>
           </a:p>
         </p:txBody>
       </p:sp>
@@ -7979,7 +8194,7 @@
               <a:spcBef>
                 <a:spcPct val="20000"/>
               </a:spcBef>
-              <a:buFont typeface="Arial" panose="020B0604020202020204" pitchFamily="34" charset="0"/>
+              <a:buFont typeface="Arial" panose="020B0604020202090204" pitchFamily="34" charset="0"/>
               <a:buChar char="•"/>
               <a:defRPr sz="3200" kern="1200">
                 <a:solidFill>
@@ -7994,7 +8209,7 @@
               <a:spcBef>
                 <a:spcPct val="20000"/>
               </a:spcBef>
-              <a:buFont typeface="Arial" panose="020B0604020202020204" pitchFamily="34" charset="0"/>
+              <a:buFont typeface="Arial" panose="020B0604020202090204" pitchFamily="34" charset="0"/>
               <a:buChar char="–"/>
               <a:defRPr sz="2800" kern="1200">
                 <a:solidFill>
@@ -8009,7 +8224,7 @@
               <a:spcBef>
                 <a:spcPct val="20000"/>
               </a:spcBef>
-              <a:buFont typeface="Arial" panose="020B0604020202020204" pitchFamily="34" charset="0"/>
+              <a:buFont typeface="Arial" panose="020B0604020202090204" pitchFamily="34" charset="0"/>
               <a:buChar char="•"/>
               <a:defRPr sz="2400" kern="1200">
                 <a:solidFill>
@@ -8024,7 +8239,7 @@
               <a:spcBef>
                 <a:spcPct val="20000"/>
               </a:spcBef>
-              <a:buFont typeface="Arial" panose="020B0604020202020204" pitchFamily="34" charset="0"/>
+              <a:buFont typeface="Arial" panose="020B0604020202090204" pitchFamily="34" charset="0"/>
               <a:buChar char="–"/>
               <a:defRPr sz="2000" kern="1200">
                 <a:solidFill>
@@ -8039,7 +8254,7 @@
               <a:spcBef>
                 <a:spcPct val="20000"/>
               </a:spcBef>
-              <a:buFont typeface="Arial" panose="020B0604020202020204" pitchFamily="34" charset="0"/>
+              <a:buFont typeface="Arial" panose="020B0604020202090204" pitchFamily="34" charset="0"/>
               <a:buChar char="»"/>
               <a:defRPr sz="2000" kern="1200">
                 <a:solidFill>
@@ -8054,7 +8269,7 @@
               <a:spcBef>
                 <a:spcPct val="20000"/>
               </a:spcBef>
-              <a:buFont typeface="Arial" panose="020B0604020202020204" pitchFamily="34" charset="0"/>
+              <a:buFont typeface="Arial" panose="020B0604020202090204" pitchFamily="34" charset="0"/>
               <a:buChar char="•"/>
               <a:defRPr sz="2000" kern="1200">
                 <a:solidFill>
@@ -8069,7 +8284,7 @@
               <a:spcBef>
                 <a:spcPct val="20000"/>
               </a:spcBef>
-              <a:buFont typeface="Arial" panose="020B0604020202020204" pitchFamily="34" charset="0"/>
+              <a:buFont typeface="Arial" panose="020B0604020202090204" pitchFamily="34" charset="0"/>
               <a:buChar char="•"/>
               <a:defRPr sz="2000" kern="1200">
                 <a:solidFill>
@@ -8084,7 +8299,7 @@
               <a:spcBef>
                 <a:spcPct val="20000"/>
               </a:spcBef>
-              <a:buFont typeface="Arial" panose="020B0604020202020204" pitchFamily="34" charset="0"/>
+              <a:buFont typeface="Arial" panose="020B0604020202090204" pitchFamily="34" charset="0"/>
               <a:buChar char="•"/>
               <a:defRPr sz="2000" kern="1200">
                 <a:solidFill>
@@ -8099,7 +8314,7 @@
               <a:spcBef>
                 <a:spcPct val="20000"/>
               </a:spcBef>
-              <a:buFont typeface="Arial" panose="020B0604020202020204" pitchFamily="34" charset="0"/>
+              <a:buFont typeface="Arial" panose="020B0604020202090204" pitchFamily="34" charset="0"/>
               <a:buChar char="•"/>
               <a:defRPr sz="2000" kern="1200">
                 <a:solidFill>
@@ -8173,7 +8388,7 @@
               <a:spcBef>
                 <a:spcPct val="20000"/>
               </a:spcBef>
-              <a:buFont typeface="Arial" panose="020B0604020202020204" pitchFamily="34" charset="0"/>
+              <a:buFont typeface="Arial" panose="020B0604020202090204" pitchFamily="34" charset="0"/>
               <a:buChar char="•"/>
               <a:defRPr sz="3200" kern="1200">
                 <a:solidFill>
@@ -8188,7 +8403,7 @@
               <a:spcBef>
                 <a:spcPct val="20000"/>
               </a:spcBef>
-              <a:buFont typeface="Arial" panose="020B0604020202020204" pitchFamily="34" charset="0"/>
+              <a:buFont typeface="Arial" panose="020B0604020202090204" pitchFamily="34" charset="0"/>
               <a:buChar char="–"/>
               <a:defRPr sz="2800" kern="1200">
                 <a:solidFill>
@@ -8203,7 +8418,7 @@
               <a:spcBef>
                 <a:spcPct val="20000"/>
               </a:spcBef>
-              <a:buFont typeface="Arial" panose="020B0604020202020204" pitchFamily="34" charset="0"/>
+              <a:buFont typeface="Arial" panose="020B0604020202090204" pitchFamily="34" charset="0"/>
               <a:buChar char="•"/>
               <a:defRPr sz="2400" kern="1200">
                 <a:solidFill>
@@ -8218,7 +8433,7 @@
               <a:spcBef>
                 <a:spcPct val="20000"/>
               </a:spcBef>
-              <a:buFont typeface="Arial" panose="020B0604020202020204" pitchFamily="34" charset="0"/>
+              <a:buFont typeface="Arial" panose="020B0604020202090204" pitchFamily="34" charset="0"/>
               <a:buChar char="–"/>
               <a:defRPr sz="2000" kern="1200">
                 <a:solidFill>
@@ -8233,7 +8448,7 @@
               <a:spcBef>
                 <a:spcPct val="20000"/>
               </a:spcBef>
-              <a:buFont typeface="Arial" panose="020B0604020202020204" pitchFamily="34" charset="0"/>
+              <a:buFont typeface="Arial" panose="020B0604020202090204" pitchFamily="34" charset="0"/>
               <a:buChar char="»"/>
               <a:defRPr sz="2000" kern="1200">
                 <a:solidFill>
@@ -8248,7 +8463,7 @@
               <a:spcBef>
                 <a:spcPct val="20000"/>
               </a:spcBef>
-              <a:buFont typeface="Arial" panose="020B0604020202020204" pitchFamily="34" charset="0"/>
+              <a:buFont typeface="Arial" panose="020B0604020202090204" pitchFamily="34" charset="0"/>
               <a:buChar char="•"/>
               <a:defRPr sz="2000" kern="1200">
                 <a:solidFill>
@@ -8263,7 +8478,7 @@
               <a:spcBef>
                 <a:spcPct val="20000"/>
               </a:spcBef>
-              <a:buFont typeface="Arial" panose="020B0604020202020204" pitchFamily="34" charset="0"/>
+              <a:buFont typeface="Arial" panose="020B0604020202090204" pitchFamily="34" charset="0"/>
               <a:buChar char="•"/>
               <a:defRPr sz="2000" kern="1200">
                 <a:solidFill>
@@ -8278,7 +8493,7 @@
               <a:spcBef>
                 <a:spcPct val="20000"/>
               </a:spcBef>
-              <a:buFont typeface="Arial" panose="020B0604020202020204" pitchFamily="34" charset="0"/>
+              <a:buFont typeface="Arial" panose="020B0604020202090204" pitchFamily="34" charset="0"/>
               <a:buChar char="•"/>
               <a:defRPr sz="2000" kern="1200">
                 <a:solidFill>
@@ -8293,7 +8508,7 @@
               <a:spcBef>
                 <a:spcPct val="20000"/>
               </a:spcBef>
-              <a:buFont typeface="Arial" panose="020B0604020202020204" pitchFamily="34" charset="0"/>
+              <a:buFont typeface="Arial" panose="020B0604020202090204" pitchFamily="34" charset="0"/>
               <a:buChar char="•"/>
               <a:defRPr sz="2000" kern="1200">
                 <a:solidFill>
@@ -8315,6 +8530,9 @@
               </a:rPr>
               <a:t>hello-static: bar.o foo.o</a:t>
             </a:r>
+            <a:endParaRPr lang="en-US" altLang="zh-CN" sz="2100" dirty="0">
+              <a:sym typeface="+mn-ea"/>
+            </a:endParaRPr>
           </a:p>
           <a:p>
             <a:pPr marL="0" indent="0">
@@ -8326,6 +8544,9 @@
               </a:rPr>
               <a:t>	gcc -o hello-static bar.o foo.o -static</a:t>
             </a:r>
+            <a:endParaRPr lang="en-US" altLang="zh-CN" sz="2100" dirty="0">
+              <a:sym typeface="+mn-ea"/>
+            </a:endParaRPr>
           </a:p>
           <a:p>
             <a:pPr marL="0" indent="0">
@@ -8345,6 +8566,9 @@
               </a:rPr>
               <a:t>hello: bar.o foo.o</a:t>
             </a:r>
+            <a:endParaRPr lang="en-US" altLang="zh-CN" sz="2100" dirty="0">
+              <a:sym typeface="+mn-ea"/>
+            </a:endParaRPr>
           </a:p>
           <a:p>
             <a:pPr marL="0" lvl="0" indent="0">
@@ -8356,6 +8580,9 @@
               </a:rPr>
               <a:t> 	gcc -o hello bar.o foo.o</a:t>
             </a:r>
+            <a:endParaRPr lang="en-US" altLang="zh-CN" sz="2100" dirty="0">
+              <a:sym typeface="+mn-ea"/>
+            </a:endParaRPr>
           </a:p>
           <a:p>
             <a:pPr marL="0" lvl="0" indent="0">
@@ -8375,6 +8602,9 @@
               </a:rPr>
               <a:t>bar.o: bar.c bar.h</a:t>
             </a:r>
+            <a:endParaRPr lang="en-US" altLang="zh-CN" sz="2100" dirty="0">
+              <a:sym typeface="+mn-ea"/>
+            </a:endParaRPr>
           </a:p>
           <a:p>
             <a:pPr marL="0" lvl="0" indent="0">
@@ -8386,6 +8616,9 @@
               </a:rPr>
               <a:t>	gcc -c bar.c </a:t>
             </a:r>
+            <a:endParaRPr lang="en-US" altLang="zh-CN" sz="2100" dirty="0">
+              <a:sym typeface="+mn-ea"/>
+            </a:endParaRPr>
           </a:p>
           <a:p>
             <a:pPr marL="0" lvl="0" indent="0">
@@ -8405,6 +8638,9 @@
               </a:rPr>
               <a:t>foo.o: foo.c</a:t>
             </a:r>
+            <a:endParaRPr lang="en-US" altLang="zh-CN" sz="2100" dirty="0">
+              <a:sym typeface="+mn-ea"/>
+            </a:endParaRPr>
           </a:p>
           <a:p>
             <a:pPr marL="0" lvl="0" indent="0">
@@ -8416,6 +8652,9 @@
               </a:rPr>
               <a:t>	gcc -c foo.c</a:t>
             </a:r>
+            <a:endParaRPr lang="en-US" altLang="zh-CN" sz="2100" dirty="0">
+              <a:sym typeface="+mn-ea"/>
+            </a:endParaRPr>
           </a:p>
           <a:p>
             <a:pPr marL="0" lvl="0" indent="0">
@@ -8433,6 +8672,9 @@
               </a:rPr>
               <a:t>Type make and generate both hello-static and hello</a:t>
             </a:r>
+            <a:endParaRPr lang="en-US" altLang="zh-CN" sz="2100" dirty="0">
+              <a:sym typeface="+mn-ea"/>
+            </a:endParaRPr>
           </a:p>
           <a:p>
             <a:pPr marL="457200" lvl="1" indent="0">
@@ -8597,6 +8839,9 @@
               </a:rPr>
               <a:t>Generate multiple executable files</a:t>
             </a:r>
+            <a:endParaRPr lang="en-US" altLang="zh-CN" sz="3200">
+              <a:sym typeface="+mn-ea"/>
+            </a:endParaRPr>
           </a:p>
         </p:txBody>
       </p:sp>
@@ -8626,7 +8871,7 @@
               <a:spcBef>
                 <a:spcPct val="20000"/>
               </a:spcBef>
-              <a:buFont typeface="Arial" panose="020B0604020202020204" pitchFamily="34" charset="0"/>
+              <a:buFont typeface="Arial" panose="020B0604020202090204" pitchFamily="34" charset="0"/>
               <a:buChar char="•"/>
               <a:defRPr sz="3200" kern="1200">
                 <a:solidFill>
@@ -8641,7 +8886,7 @@
               <a:spcBef>
                 <a:spcPct val="20000"/>
               </a:spcBef>
-              <a:buFont typeface="Arial" panose="020B0604020202020204" pitchFamily="34" charset="0"/>
+              <a:buFont typeface="Arial" panose="020B0604020202090204" pitchFamily="34" charset="0"/>
               <a:buChar char="–"/>
               <a:defRPr sz="2800" kern="1200">
                 <a:solidFill>
@@ -8656,7 +8901,7 @@
               <a:spcBef>
                 <a:spcPct val="20000"/>
               </a:spcBef>
-              <a:buFont typeface="Arial" panose="020B0604020202020204" pitchFamily="34" charset="0"/>
+              <a:buFont typeface="Arial" panose="020B0604020202090204" pitchFamily="34" charset="0"/>
               <a:buChar char="•"/>
               <a:defRPr sz="2400" kern="1200">
                 <a:solidFill>
@@ -8671,7 +8916,7 @@
               <a:spcBef>
                 <a:spcPct val="20000"/>
               </a:spcBef>
-              <a:buFont typeface="Arial" panose="020B0604020202020204" pitchFamily="34" charset="0"/>
+              <a:buFont typeface="Arial" panose="020B0604020202090204" pitchFamily="34" charset="0"/>
               <a:buChar char="–"/>
               <a:defRPr sz="2000" kern="1200">
                 <a:solidFill>
@@ -8686,7 +8931,7 @@
               <a:spcBef>
                 <a:spcPct val="20000"/>
               </a:spcBef>
-              <a:buFont typeface="Arial" panose="020B0604020202020204" pitchFamily="34" charset="0"/>
+              <a:buFont typeface="Arial" panose="020B0604020202090204" pitchFamily="34" charset="0"/>
               <a:buChar char="»"/>
               <a:defRPr sz="2000" kern="1200">
                 <a:solidFill>
@@ -8701,7 +8946,7 @@
               <a:spcBef>
                 <a:spcPct val="20000"/>
               </a:spcBef>
-              <a:buFont typeface="Arial" panose="020B0604020202020204" pitchFamily="34" charset="0"/>
+              <a:buFont typeface="Arial" panose="020B0604020202090204" pitchFamily="34" charset="0"/>
               <a:buChar char="•"/>
               <a:defRPr sz="2000" kern="1200">
                 <a:solidFill>
@@ -8716,7 +8961,7 @@
               <a:spcBef>
                 <a:spcPct val="20000"/>
               </a:spcBef>
-              <a:buFont typeface="Arial" panose="020B0604020202020204" pitchFamily="34" charset="0"/>
+              <a:buFont typeface="Arial" panose="020B0604020202090204" pitchFamily="34" charset="0"/>
               <a:buChar char="•"/>
               <a:defRPr sz="2000" kern="1200">
                 <a:solidFill>
@@ -8731,7 +8976,7 @@
               <a:spcBef>
                 <a:spcPct val="20000"/>
               </a:spcBef>
-              <a:buFont typeface="Arial" panose="020B0604020202020204" pitchFamily="34" charset="0"/>
+              <a:buFont typeface="Arial" panose="020B0604020202090204" pitchFamily="34" charset="0"/>
               <a:buChar char="•"/>
               <a:defRPr sz="2000" kern="1200">
                 <a:solidFill>
@@ -8746,7 +8991,7 @@
               <a:spcBef>
                 <a:spcPct val="20000"/>
               </a:spcBef>
-              <a:buFont typeface="Arial" panose="020B0604020202020204" pitchFamily="34" charset="0"/>
+              <a:buFont typeface="Arial" panose="020B0604020202090204" pitchFamily="34" charset="0"/>
               <a:buChar char="•"/>
               <a:defRPr sz="2000" kern="1200">
                 <a:solidFill>
@@ -8820,7 +9065,7 @@
               <a:spcBef>
                 <a:spcPct val="20000"/>
               </a:spcBef>
-              <a:buFont typeface="Arial" panose="020B0604020202020204" pitchFamily="34" charset="0"/>
+              <a:buFont typeface="Arial" panose="020B0604020202090204" pitchFamily="34" charset="0"/>
               <a:buChar char="•"/>
               <a:defRPr sz="3200" kern="1200">
                 <a:solidFill>
@@ -8835,7 +9080,7 @@
               <a:spcBef>
                 <a:spcPct val="20000"/>
               </a:spcBef>
-              <a:buFont typeface="Arial" panose="020B0604020202020204" pitchFamily="34" charset="0"/>
+              <a:buFont typeface="Arial" panose="020B0604020202090204" pitchFamily="34" charset="0"/>
               <a:buChar char="–"/>
               <a:defRPr sz="2800" kern="1200">
                 <a:solidFill>
@@ -8850,7 +9095,7 @@
               <a:spcBef>
                 <a:spcPct val="20000"/>
               </a:spcBef>
-              <a:buFont typeface="Arial" panose="020B0604020202020204" pitchFamily="34" charset="0"/>
+              <a:buFont typeface="Arial" panose="020B0604020202090204" pitchFamily="34" charset="0"/>
               <a:buChar char="•"/>
               <a:defRPr sz="2400" kern="1200">
                 <a:solidFill>
@@ -8865,7 +9110,7 @@
               <a:spcBef>
                 <a:spcPct val="20000"/>
               </a:spcBef>
-              <a:buFont typeface="Arial" panose="020B0604020202020204" pitchFamily="34" charset="0"/>
+              <a:buFont typeface="Arial" panose="020B0604020202090204" pitchFamily="34" charset="0"/>
               <a:buChar char="–"/>
               <a:defRPr sz="2000" kern="1200">
                 <a:solidFill>
@@ -8880,7 +9125,7 @@
               <a:spcBef>
                 <a:spcPct val="20000"/>
               </a:spcBef>
-              <a:buFont typeface="Arial" panose="020B0604020202020204" pitchFamily="34" charset="0"/>
+              <a:buFont typeface="Arial" panose="020B0604020202090204" pitchFamily="34" charset="0"/>
               <a:buChar char="»"/>
               <a:defRPr sz="2000" kern="1200">
                 <a:solidFill>
@@ -8895,7 +9140,7 @@
               <a:spcBef>
                 <a:spcPct val="20000"/>
               </a:spcBef>
-              <a:buFont typeface="Arial" panose="020B0604020202020204" pitchFamily="34" charset="0"/>
+              <a:buFont typeface="Arial" panose="020B0604020202090204" pitchFamily="34" charset="0"/>
               <a:buChar char="•"/>
               <a:defRPr sz="2000" kern="1200">
                 <a:solidFill>
@@ -8910,7 +9155,7 @@
               <a:spcBef>
                 <a:spcPct val="20000"/>
               </a:spcBef>
-              <a:buFont typeface="Arial" panose="020B0604020202020204" pitchFamily="34" charset="0"/>
+              <a:buFont typeface="Arial" panose="020B0604020202090204" pitchFamily="34" charset="0"/>
               <a:buChar char="•"/>
               <a:defRPr sz="2000" kern="1200">
                 <a:solidFill>
@@ -8925,7 +9170,7 @@
               <a:spcBef>
                 <a:spcPct val="20000"/>
               </a:spcBef>
-              <a:buFont typeface="Arial" panose="020B0604020202020204" pitchFamily="34" charset="0"/>
+              <a:buFont typeface="Arial" panose="020B0604020202090204" pitchFamily="34" charset="0"/>
               <a:buChar char="•"/>
               <a:defRPr sz="2000" kern="1200">
                 <a:solidFill>
@@ -8940,7 +9185,7 @@
               <a:spcBef>
                 <a:spcPct val="20000"/>
               </a:spcBef>
-              <a:buFont typeface="Arial" panose="020B0604020202020204" pitchFamily="34" charset="0"/>
+              <a:buFont typeface="Arial" panose="020B0604020202090204" pitchFamily="34" charset="0"/>
               <a:buChar char="•"/>
               <a:defRPr sz="2000" kern="1200">
                 <a:solidFill>
@@ -8962,6 +9207,9 @@
               </a:rPr>
               <a:t>.PHONY: all</a:t>
             </a:r>
+            <a:endParaRPr lang="en-US" altLang="zh-CN" sz="2100" dirty="0">
+              <a:sym typeface="+mn-ea"/>
+            </a:endParaRPr>
           </a:p>
           <a:p>
             <a:pPr marL="0" indent="0">
@@ -8973,6 +9221,9 @@
               </a:rPr>
               <a:t>all: hello hello-static</a:t>
             </a:r>
+            <a:endParaRPr lang="en-US" altLang="zh-CN" sz="2100" dirty="0">
+              <a:sym typeface="+mn-ea"/>
+            </a:endParaRPr>
           </a:p>
           <a:p>
             <a:pPr marL="0" indent="0">
@@ -8992,6 +9243,9 @@
               </a:rPr>
               <a:t>hello-static: bar.o foo.o</a:t>
             </a:r>
+            <a:endParaRPr lang="en-US" altLang="zh-CN" sz="2100" dirty="0">
+              <a:sym typeface="+mn-ea"/>
+            </a:endParaRPr>
           </a:p>
           <a:p>
             <a:pPr marL="0" indent="0">
@@ -9003,6 +9257,9 @@
               </a:rPr>
               <a:t>	gcc -o hello bar.o foo.o -static</a:t>
             </a:r>
+            <a:endParaRPr lang="en-US" altLang="zh-CN" sz="2100" dirty="0">
+              <a:sym typeface="+mn-ea"/>
+            </a:endParaRPr>
           </a:p>
           <a:p>
             <a:pPr marL="0" indent="0">
@@ -9022,6 +9279,9 @@
               </a:rPr>
               <a:t>hello: bar.o foo.o</a:t>
             </a:r>
+            <a:endParaRPr lang="en-US" altLang="zh-CN" sz="2100" dirty="0">
+              <a:sym typeface="+mn-ea"/>
+            </a:endParaRPr>
           </a:p>
           <a:p>
             <a:pPr marL="0" lvl="0" indent="0">
@@ -9033,6 +9293,9 @@
               </a:rPr>
               <a:t> 	gcc -o hello bar.o foo.o</a:t>
             </a:r>
+            <a:endParaRPr lang="en-US" altLang="zh-CN" sz="2100" dirty="0">
+              <a:sym typeface="+mn-ea"/>
+            </a:endParaRPr>
           </a:p>
           <a:p>
             <a:pPr marL="0" lvl="0" indent="0">
@@ -9052,6 +9315,9 @@
               </a:rPr>
               <a:t>bar.o: bar.c bar.h</a:t>
             </a:r>
+            <a:endParaRPr lang="en-US" altLang="zh-CN" sz="2100" dirty="0">
+              <a:sym typeface="+mn-ea"/>
+            </a:endParaRPr>
           </a:p>
           <a:p>
             <a:pPr marL="0" lvl="0" indent="0">
@@ -9063,6 +9329,9 @@
               </a:rPr>
               <a:t>	gcc -c bar.c </a:t>
             </a:r>
+            <a:endParaRPr lang="en-US" altLang="zh-CN" sz="2100" dirty="0">
+              <a:sym typeface="+mn-ea"/>
+            </a:endParaRPr>
           </a:p>
           <a:p>
             <a:pPr marL="0" lvl="0" indent="0">
@@ -9082,6 +9351,9 @@
               </a:rPr>
               <a:t>foo.o: foo.c</a:t>
             </a:r>
+            <a:endParaRPr lang="en-US" altLang="zh-CN" sz="2100" dirty="0">
+              <a:sym typeface="+mn-ea"/>
+            </a:endParaRPr>
           </a:p>
           <a:p>
             <a:pPr marL="0" lvl="0" indent="0">
@@ -9093,6 +9365,9 @@
               </a:rPr>
               <a:t>	gcc -c foo.c</a:t>
             </a:r>
+            <a:endParaRPr lang="en-US" altLang="zh-CN" sz="2100" dirty="0">
+              <a:sym typeface="+mn-ea"/>
+            </a:endParaRPr>
           </a:p>
           <a:p>
             <a:pPr marL="0" lvl="0" indent="0">
@@ -9194,6 +9469,9 @@
               </a:rPr>
               <a:t>Simplify the Makefile with variables</a:t>
             </a:r>
+            <a:endParaRPr lang="en-US" altLang="zh-CN" sz="3200">
+              <a:sym typeface="+mn-ea"/>
+            </a:endParaRPr>
           </a:p>
         </p:txBody>
       </p:sp>
@@ -9223,7 +9501,7 @@
               <a:spcBef>
                 <a:spcPct val="20000"/>
               </a:spcBef>
-              <a:buFont typeface="Arial" panose="020B0604020202020204" pitchFamily="34" charset="0"/>
+              <a:buFont typeface="Arial" panose="020B0604020202090204" pitchFamily="34" charset="0"/>
               <a:buChar char="•"/>
               <a:defRPr sz="3200" kern="1200">
                 <a:solidFill>
@@ -9238,7 +9516,7 @@
               <a:spcBef>
                 <a:spcPct val="20000"/>
               </a:spcBef>
-              <a:buFont typeface="Arial" panose="020B0604020202020204" pitchFamily="34" charset="0"/>
+              <a:buFont typeface="Arial" panose="020B0604020202090204" pitchFamily="34" charset="0"/>
               <a:buChar char="–"/>
               <a:defRPr sz="2800" kern="1200">
                 <a:solidFill>
@@ -9253,7 +9531,7 @@
               <a:spcBef>
                 <a:spcPct val="20000"/>
               </a:spcBef>
-              <a:buFont typeface="Arial" panose="020B0604020202020204" pitchFamily="34" charset="0"/>
+              <a:buFont typeface="Arial" panose="020B0604020202090204" pitchFamily="34" charset="0"/>
               <a:buChar char="•"/>
               <a:defRPr sz="2400" kern="1200">
                 <a:solidFill>
@@ -9268,7 +9546,7 @@
               <a:spcBef>
                 <a:spcPct val="20000"/>
               </a:spcBef>
-              <a:buFont typeface="Arial" panose="020B0604020202020204" pitchFamily="34" charset="0"/>
+              <a:buFont typeface="Arial" panose="020B0604020202090204" pitchFamily="34" charset="0"/>
               <a:buChar char="–"/>
               <a:defRPr sz="2000" kern="1200">
                 <a:solidFill>
@@ -9283,7 +9561,7 @@
               <a:spcBef>
                 <a:spcPct val="20000"/>
               </a:spcBef>
-              <a:buFont typeface="Arial" panose="020B0604020202020204" pitchFamily="34" charset="0"/>
+              <a:buFont typeface="Arial" panose="020B0604020202090204" pitchFamily="34" charset="0"/>
               <a:buChar char="»"/>
               <a:defRPr sz="2000" kern="1200">
                 <a:solidFill>
@@ -9298,7 +9576,7 @@
               <a:spcBef>
                 <a:spcPct val="20000"/>
               </a:spcBef>
-              <a:buFont typeface="Arial" panose="020B0604020202020204" pitchFamily="34" charset="0"/>
+              <a:buFont typeface="Arial" panose="020B0604020202090204" pitchFamily="34" charset="0"/>
               <a:buChar char="•"/>
               <a:defRPr sz="2000" kern="1200">
                 <a:solidFill>
@@ -9313,7 +9591,7 @@
               <a:spcBef>
                 <a:spcPct val="20000"/>
               </a:spcBef>
-              <a:buFont typeface="Arial" panose="020B0604020202020204" pitchFamily="34" charset="0"/>
+              <a:buFont typeface="Arial" panose="020B0604020202090204" pitchFamily="34" charset="0"/>
               <a:buChar char="•"/>
               <a:defRPr sz="2000" kern="1200">
                 <a:solidFill>
@@ -9328,7 +9606,7 @@
               <a:spcBef>
                 <a:spcPct val="20000"/>
               </a:spcBef>
-              <a:buFont typeface="Arial" panose="020B0604020202020204" pitchFamily="34" charset="0"/>
+              <a:buFont typeface="Arial" panose="020B0604020202090204" pitchFamily="34" charset="0"/>
               <a:buChar char="•"/>
               <a:defRPr sz="2000" kern="1200">
                 <a:solidFill>
@@ -9343,7 +9621,7 @@
               <a:spcBef>
                 <a:spcPct val="20000"/>
               </a:spcBef>
-              <a:buFont typeface="Arial" panose="020B0604020202020204" pitchFamily="34" charset="0"/>
+              <a:buFont typeface="Arial" panose="020B0604020202090204" pitchFamily="34" charset="0"/>
               <a:buChar char="•"/>
               <a:defRPr sz="2000" kern="1200">
                 <a:solidFill>
@@ -9417,7 +9695,7 @@
               <a:spcBef>
                 <a:spcPct val="20000"/>
               </a:spcBef>
-              <a:buFont typeface="Arial" panose="020B0604020202020204" pitchFamily="34" charset="0"/>
+              <a:buFont typeface="Arial" panose="020B0604020202090204" pitchFamily="34" charset="0"/>
               <a:buChar char="•"/>
               <a:defRPr sz="3200" kern="1200">
                 <a:solidFill>
@@ -9432,7 +9710,7 @@
               <a:spcBef>
                 <a:spcPct val="20000"/>
               </a:spcBef>
-              <a:buFont typeface="Arial" panose="020B0604020202020204" pitchFamily="34" charset="0"/>
+              <a:buFont typeface="Arial" panose="020B0604020202090204" pitchFamily="34" charset="0"/>
               <a:buChar char="–"/>
               <a:defRPr sz="2800" kern="1200">
                 <a:solidFill>
@@ -9447,7 +9725,7 @@
               <a:spcBef>
                 <a:spcPct val="20000"/>
               </a:spcBef>
-              <a:buFont typeface="Arial" panose="020B0604020202020204" pitchFamily="34" charset="0"/>
+              <a:buFont typeface="Arial" panose="020B0604020202090204" pitchFamily="34" charset="0"/>
               <a:buChar char="•"/>
               <a:defRPr sz="2400" kern="1200">
                 <a:solidFill>
@@ -9462,7 +9740,7 @@
               <a:spcBef>
                 <a:spcPct val="20000"/>
               </a:spcBef>
-              <a:buFont typeface="Arial" panose="020B0604020202020204" pitchFamily="34" charset="0"/>
+              <a:buFont typeface="Arial" panose="020B0604020202090204" pitchFamily="34" charset="0"/>
               <a:buChar char="–"/>
               <a:defRPr sz="2000" kern="1200">
                 <a:solidFill>
@@ -9477,7 +9755,7 @@
               <a:spcBef>
                 <a:spcPct val="20000"/>
               </a:spcBef>
-              <a:buFont typeface="Arial" panose="020B0604020202020204" pitchFamily="34" charset="0"/>
+              <a:buFont typeface="Arial" panose="020B0604020202090204" pitchFamily="34" charset="0"/>
               <a:buChar char="»"/>
               <a:defRPr sz="2000" kern="1200">
                 <a:solidFill>
@@ -9492,7 +9770,7 @@
               <a:spcBef>
                 <a:spcPct val="20000"/>
               </a:spcBef>
-              <a:buFont typeface="Arial" panose="020B0604020202020204" pitchFamily="34" charset="0"/>
+              <a:buFont typeface="Arial" panose="020B0604020202090204" pitchFamily="34" charset="0"/>
               <a:buChar char="•"/>
               <a:defRPr sz="2000" kern="1200">
                 <a:solidFill>
@@ -9507,7 +9785,7 @@
               <a:spcBef>
                 <a:spcPct val="20000"/>
               </a:spcBef>
-              <a:buFont typeface="Arial" panose="020B0604020202020204" pitchFamily="34" charset="0"/>
+              <a:buFont typeface="Arial" panose="020B0604020202090204" pitchFamily="34" charset="0"/>
               <a:buChar char="•"/>
               <a:defRPr sz="2000" kern="1200">
                 <a:solidFill>
@@ -9522,7 +9800,7 @@
               <a:spcBef>
                 <a:spcPct val="20000"/>
               </a:spcBef>
-              <a:buFont typeface="Arial" panose="020B0604020202020204" pitchFamily="34" charset="0"/>
+              <a:buFont typeface="Arial" panose="020B0604020202090204" pitchFamily="34" charset="0"/>
               <a:buChar char="•"/>
               <a:defRPr sz="2000" kern="1200">
                 <a:solidFill>
@@ -9537,7 +9815,7 @@
               <a:spcBef>
                 <a:spcPct val="20000"/>
               </a:spcBef>
-              <a:buFont typeface="Arial" panose="020B0604020202020204" pitchFamily="34" charset="0"/>
+              <a:buFont typeface="Arial" panose="020B0604020202090204" pitchFamily="34" charset="0"/>
               <a:buChar char="•"/>
               <a:defRPr sz="2000" kern="1200">
                 <a:solidFill>
@@ -9556,6 +9834,9 @@
               </a:rPr>
               <a:t>Say we want to change</a:t>
             </a:r>
+            <a:endParaRPr lang="en-US" altLang="zh-CN" sz="2400" dirty="0">
+              <a:sym typeface="+mn-ea"/>
+            </a:endParaRPr>
           </a:p>
           <a:p>
             <a:pPr lvl="1"/>
@@ -9565,6 +9846,9 @@
               </a:rPr>
               <a:t>1. The compiler from gcc to clang/icc</a:t>
             </a:r>
+            <a:endParaRPr lang="en-US" altLang="zh-CN" sz="2000" dirty="0">
+              <a:sym typeface="+mn-ea"/>
+            </a:endParaRPr>
           </a:p>
           <a:p>
             <a:pPr lvl="1"/>
@@ -9574,6 +9858,9 @@
               </a:rPr>
               <a:t>2. Change the optimization flags: To -O2 or even remove -g option</a:t>
             </a:r>
+            <a:endParaRPr lang="en-US" altLang="zh-CN" sz="2000" dirty="0">
+              <a:sym typeface="+mn-ea"/>
+            </a:endParaRPr>
           </a:p>
           <a:p>
             <a:pPr lvl="1"/>
@@ -9591,6 +9878,9 @@
               </a:rPr>
               <a:t>hello: bar.o foo.o</a:t>
             </a:r>
+            <a:endParaRPr lang="en-US" altLang="zh-CN" sz="2100" dirty="0">
+              <a:sym typeface="+mn-ea"/>
+            </a:endParaRPr>
           </a:p>
           <a:p>
             <a:pPr marL="0" lvl="0" indent="0">
@@ -9602,6 +9892,9 @@
               </a:rPr>
               <a:t> 	gcc -o hello bar.o foo.o</a:t>
             </a:r>
+            <a:endParaRPr lang="en-US" altLang="zh-CN" sz="2100" dirty="0">
+              <a:sym typeface="+mn-ea"/>
+            </a:endParaRPr>
           </a:p>
           <a:p>
             <a:pPr marL="0" lvl="0" indent="0">
@@ -9621,6 +9914,9 @@
               </a:rPr>
               <a:t>bar.o: bar.c bar.h</a:t>
             </a:r>
+            <a:endParaRPr lang="en-US" altLang="zh-CN" sz="2100" dirty="0">
+              <a:sym typeface="+mn-ea"/>
+            </a:endParaRPr>
           </a:p>
           <a:p>
             <a:pPr marL="0" lvl="0" indent="0">
@@ -9632,6 +9928,9 @@
               </a:rPr>
               <a:t>	gcc -c -g -O0 bar.c </a:t>
             </a:r>
+            <a:endParaRPr lang="en-US" altLang="zh-CN" sz="2100" dirty="0">
+              <a:sym typeface="+mn-ea"/>
+            </a:endParaRPr>
           </a:p>
           <a:p>
             <a:pPr marL="0" lvl="0" indent="0">
@@ -9651,6 +9950,9 @@
               </a:rPr>
               <a:t>foo.o: foo.c</a:t>
             </a:r>
+            <a:endParaRPr lang="en-US" altLang="zh-CN" sz="2100" dirty="0">
+              <a:sym typeface="+mn-ea"/>
+            </a:endParaRPr>
           </a:p>
           <a:p>
             <a:pPr marL="0" lvl="0" indent="0">
@@ -9662,6 +9964,9 @@
               </a:rPr>
               <a:t>	gcc -c -g -O0 foo.c</a:t>
             </a:r>
+            <a:endParaRPr lang="en-US" altLang="zh-CN" sz="2100" dirty="0">
+              <a:sym typeface="+mn-ea"/>
+            </a:endParaRPr>
           </a:p>
           <a:p>
             <a:pPr marL="0" lvl="0" indent="0">
@@ -9681,6 +9986,9 @@
               </a:rPr>
               <a:t>.PHONY: clean</a:t>
             </a:r>
+            <a:endParaRPr lang="en-US" altLang="zh-CN" sz="2100" dirty="0">
+              <a:sym typeface="+mn-ea"/>
+            </a:endParaRPr>
           </a:p>
           <a:p>
             <a:pPr marL="0" lvl="0" indent="0">
@@ -9692,6 +10000,9 @@
               </a:rPr>
               <a:t>clean:</a:t>
             </a:r>
+            <a:endParaRPr lang="en-US" altLang="zh-CN" sz="2100" dirty="0">
+              <a:sym typeface="+mn-ea"/>
+            </a:endParaRPr>
           </a:p>
           <a:p>
             <a:pPr marL="0" lvl="0" indent="0">
@@ -9703,6 +10014,9 @@
               </a:rPr>
               <a:t>	rm -rf hello </a:t>
             </a:r>
+            <a:endParaRPr lang="en-US" altLang="zh-CN" sz="2100" dirty="0">
+              <a:sym typeface="+mn-ea"/>
+            </a:endParaRPr>
           </a:p>
           <a:p>
             <a:pPr marL="0" lvl="0" indent="0">
@@ -9714,6 +10028,9 @@
               </a:rPr>
               <a:t>	rm -rf bar.o foo.o</a:t>
             </a:r>
+            <a:endParaRPr lang="en-US" altLang="zh-CN" sz="2100" dirty="0">
+              <a:sym typeface="+mn-ea"/>
+            </a:endParaRPr>
           </a:p>
           <a:p>
             <a:pPr marL="0" lvl="0" indent="0">
@@ -9986,7 +10303,7 @@
               <a:spcBef>
                 <a:spcPct val="20000"/>
               </a:spcBef>
-              <a:buFont typeface="Arial" panose="020B0604020202020204" pitchFamily="34" charset="0"/>
+              <a:buFont typeface="Arial" panose="020B0604020202090204" pitchFamily="34" charset="0"/>
               <a:buChar char="•"/>
               <a:defRPr sz="3200" kern="1200">
                 <a:solidFill>
@@ -10001,7 +10318,7 @@
               <a:spcBef>
                 <a:spcPct val="20000"/>
               </a:spcBef>
-              <a:buFont typeface="Arial" panose="020B0604020202020204" pitchFamily="34" charset="0"/>
+              <a:buFont typeface="Arial" panose="020B0604020202090204" pitchFamily="34" charset="0"/>
               <a:buChar char="–"/>
               <a:defRPr sz="2800" kern="1200">
                 <a:solidFill>
@@ -10016,7 +10333,7 @@
               <a:spcBef>
                 <a:spcPct val="20000"/>
               </a:spcBef>
-              <a:buFont typeface="Arial" panose="020B0604020202020204" pitchFamily="34" charset="0"/>
+              <a:buFont typeface="Arial" panose="020B0604020202090204" pitchFamily="34" charset="0"/>
               <a:buChar char="•"/>
               <a:defRPr sz="2400" kern="1200">
                 <a:solidFill>
@@ -10031,7 +10348,7 @@
               <a:spcBef>
                 <a:spcPct val="20000"/>
               </a:spcBef>
-              <a:buFont typeface="Arial" panose="020B0604020202020204" pitchFamily="34" charset="0"/>
+              <a:buFont typeface="Arial" panose="020B0604020202090204" pitchFamily="34" charset="0"/>
               <a:buChar char="–"/>
               <a:defRPr sz="2000" kern="1200">
                 <a:solidFill>
@@ -10046,7 +10363,7 @@
               <a:spcBef>
                 <a:spcPct val="20000"/>
               </a:spcBef>
-              <a:buFont typeface="Arial" panose="020B0604020202020204" pitchFamily="34" charset="0"/>
+              <a:buFont typeface="Arial" panose="020B0604020202090204" pitchFamily="34" charset="0"/>
               <a:buChar char="»"/>
               <a:defRPr sz="2000" kern="1200">
                 <a:solidFill>
@@ -10061,7 +10378,7 @@
               <a:spcBef>
                 <a:spcPct val="20000"/>
               </a:spcBef>
-              <a:buFont typeface="Arial" panose="020B0604020202020204" pitchFamily="34" charset="0"/>
+              <a:buFont typeface="Arial" panose="020B0604020202090204" pitchFamily="34" charset="0"/>
               <a:buChar char="•"/>
               <a:defRPr sz="2000" kern="1200">
                 <a:solidFill>
@@ -10076,7 +10393,7 @@
               <a:spcBef>
                 <a:spcPct val="20000"/>
               </a:spcBef>
-              <a:buFont typeface="Arial" panose="020B0604020202020204" pitchFamily="34" charset="0"/>
+              <a:buFont typeface="Arial" panose="020B0604020202090204" pitchFamily="34" charset="0"/>
               <a:buChar char="•"/>
               <a:defRPr sz="2000" kern="1200">
                 <a:solidFill>
@@ -10091,7 +10408,7 @@
               <a:spcBef>
                 <a:spcPct val="20000"/>
               </a:spcBef>
-              <a:buFont typeface="Arial" panose="020B0604020202020204" pitchFamily="34" charset="0"/>
+              <a:buFont typeface="Arial" panose="020B0604020202090204" pitchFamily="34" charset="0"/>
               <a:buChar char="•"/>
               <a:defRPr sz="2000" kern="1200">
                 <a:solidFill>
@@ -10106,7 +10423,7 @@
               <a:spcBef>
                 <a:spcPct val="20000"/>
               </a:spcBef>
-              <a:buFont typeface="Arial" panose="020B0604020202020204" pitchFamily="34" charset="0"/>
+              <a:buFont typeface="Arial" panose="020B0604020202090204" pitchFamily="34" charset="0"/>
               <a:buChar char="•"/>
               <a:defRPr sz="2000" kern="1200">
                 <a:solidFill>
@@ -10180,7 +10497,7 @@
               <a:spcBef>
                 <a:spcPct val="20000"/>
               </a:spcBef>
-              <a:buFont typeface="Arial" panose="020B0604020202020204" pitchFamily="34" charset="0"/>
+              <a:buFont typeface="Arial" panose="020B0604020202090204" pitchFamily="34" charset="0"/>
               <a:buChar char="•"/>
               <a:defRPr sz="3200" kern="1200">
                 <a:solidFill>
@@ -10195,7 +10512,7 @@
               <a:spcBef>
                 <a:spcPct val="20000"/>
               </a:spcBef>
-              <a:buFont typeface="Arial" panose="020B0604020202020204" pitchFamily="34" charset="0"/>
+              <a:buFont typeface="Arial" panose="020B0604020202090204" pitchFamily="34" charset="0"/>
               <a:buChar char="–"/>
               <a:defRPr sz="2800" kern="1200">
                 <a:solidFill>
@@ -10210,7 +10527,7 @@
               <a:spcBef>
                 <a:spcPct val="20000"/>
               </a:spcBef>
-              <a:buFont typeface="Arial" panose="020B0604020202020204" pitchFamily="34" charset="0"/>
+              <a:buFont typeface="Arial" panose="020B0604020202090204" pitchFamily="34" charset="0"/>
               <a:buChar char="•"/>
               <a:defRPr sz="2400" kern="1200">
                 <a:solidFill>
@@ -10225,7 +10542,7 @@
               <a:spcBef>
                 <a:spcPct val="20000"/>
               </a:spcBef>
-              <a:buFont typeface="Arial" panose="020B0604020202020204" pitchFamily="34" charset="0"/>
+              <a:buFont typeface="Arial" panose="020B0604020202090204" pitchFamily="34" charset="0"/>
               <a:buChar char="–"/>
               <a:defRPr sz="2000" kern="1200">
                 <a:solidFill>
@@ -10240,7 +10557,7 @@
               <a:spcBef>
                 <a:spcPct val="20000"/>
               </a:spcBef>
-              <a:buFont typeface="Arial" panose="020B0604020202020204" pitchFamily="34" charset="0"/>
+              <a:buFont typeface="Arial" panose="020B0604020202090204" pitchFamily="34" charset="0"/>
               <a:buChar char="»"/>
               <a:defRPr sz="2000" kern="1200">
                 <a:solidFill>
@@ -10255,7 +10572,7 @@
               <a:spcBef>
                 <a:spcPct val="20000"/>
               </a:spcBef>
-              <a:buFont typeface="Arial" panose="020B0604020202020204" pitchFamily="34" charset="0"/>
+              <a:buFont typeface="Arial" panose="020B0604020202090204" pitchFamily="34" charset="0"/>
               <a:buChar char="•"/>
               <a:defRPr sz="2000" kern="1200">
                 <a:solidFill>
@@ -10270,7 +10587,7 @@
               <a:spcBef>
                 <a:spcPct val="20000"/>
               </a:spcBef>
-              <a:buFont typeface="Arial" panose="020B0604020202020204" pitchFamily="34" charset="0"/>
+              <a:buFont typeface="Arial" panose="020B0604020202090204" pitchFamily="34" charset="0"/>
               <a:buChar char="•"/>
               <a:defRPr sz="2000" kern="1200">
                 <a:solidFill>
@@ -10285,7 +10602,7 @@
               <a:spcBef>
                 <a:spcPct val="20000"/>
               </a:spcBef>
-              <a:buFont typeface="Arial" panose="020B0604020202020204" pitchFamily="34" charset="0"/>
+              <a:buFont typeface="Arial" panose="020B0604020202090204" pitchFamily="34" charset="0"/>
               <a:buChar char="•"/>
               <a:defRPr sz="2000" kern="1200">
                 <a:solidFill>
@@ -10300,7 +10617,7 @@
               <a:spcBef>
                 <a:spcPct val="20000"/>
               </a:spcBef>
-              <a:buFont typeface="Arial" panose="020B0604020202020204" pitchFamily="34" charset="0"/>
+              <a:buFont typeface="Arial" panose="020B0604020202090204" pitchFamily="34" charset="0"/>
               <a:buChar char="•"/>
               <a:defRPr sz="2000" kern="1200">
                 <a:solidFill>
@@ -10325,6 +10642,9 @@
               </a:rPr>
               <a:t>:</a:t>
             </a:r>
+            <a:endParaRPr lang="en-US" altLang="zh-CN" sz="2800" dirty="0">
+              <a:sym typeface="+mn-ea"/>
+            </a:endParaRPr>
           </a:p>
           <a:p>
             <a:pPr lvl="1"/>
@@ -10334,6 +10654,9 @@
               </a:rPr>
               <a:t>Tool (Programming language) to build executable program from (C/C++) source code automatically</a:t>
             </a:r>
+            <a:endParaRPr lang="en-US" altLang="zh-CN" dirty="0">
+              <a:sym typeface="+mn-ea"/>
+            </a:endParaRPr>
           </a:p>
           <a:p>
             <a:pPr lvl="1"/>
@@ -10361,6 +10684,9 @@
               </a:rPr>
               <a:t>:</a:t>
             </a:r>
+            <a:endParaRPr lang="en-US" altLang="zh-CN" sz="2800" dirty="0">
+              <a:sym typeface="+mn-ea"/>
+            </a:endParaRPr>
           </a:p>
           <a:p>
             <a:pPr lvl="1"/>
@@ -10370,6 +10696,9 @@
               </a:rPr>
               <a:t>Recompile only the changed C files</a:t>
             </a:r>
+            <a:endParaRPr lang="en-US" altLang="zh-CN" dirty="0">
+              <a:sym typeface="+mn-ea"/>
+            </a:endParaRPr>
           </a:p>
           <a:p>
             <a:pPr marL="0" lvl="0" indent="0">
@@ -10502,7 +10831,7 @@
               <a:spcBef>
                 <a:spcPct val="20000"/>
               </a:spcBef>
-              <a:buFont typeface="Arial" panose="020B0604020202020204" pitchFamily="34" charset="0"/>
+              <a:buFont typeface="Arial" panose="020B0604020202090204" pitchFamily="34" charset="0"/>
               <a:buChar char="•"/>
               <a:defRPr sz="3200" kern="1200">
                 <a:solidFill>
@@ -10517,7 +10846,7 @@
               <a:spcBef>
                 <a:spcPct val="20000"/>
               </a:spcBef>
-              <a:buFont typeface="Arial" panose="020B0604020202020204" pitchFamily="34" charset="0"/>
+              <a:buFont typeface="Arial" panose="020B0604020202090204" pitchFamily="34" charset="0"/>
               <a:buChar char="–"/>
               <a:defRPr sz="2800" kern="1200">
                 <a:solidFill>
@@ -10532,7 +10861,7 @@
               <a:spcBef>
                 <a:spcPct val="20000"/>
               </a:spcBef>
-              <a:buFont typeface="Arial" panose="020B0604020202020204" pitchFamily="34" charset="0"/>
+              <a:buFont typeface="Arial" panose="020B0604020202090204" pitchFamily="34" charset="0"/>
               <a:buChar char="•"/>
               <a:defRPr sz="2400" kern="1200">
                 <a:solidFill>
@@ -10547,7 +10876,7 @@
               <a:spcBef>
                 <a:spcPct val="20000"/>
               </a:spcBef>
-              <a:buFont typeface="Arial" panose="020B0604020202020204" pitchFamily="34" charset="0"/>
+              <a:buFont typeface="Arial" panose="020B0604020202090204" pitchFamily="34" charset="0"/>
               <a:buChar char="–"/>
               <a:defRPr sz="2000" kern="1200">
                 <a:solidFill>
@@ -10562,7 +10891,7 @@
               <a:spcBef>
                 <a:spcPct val="20000"/>
               </a:spcBef>
-              <a:buFont typeface="Arial" panose="020B0604020202020204" pitchFamily="34" charset="0"/>
+              <a:buFont typeface="Arial" panose="020B0604020202090204" pitchFamily="34" charset="0"/>
               <a:buChar char="»"/>
               <a:defRPr sz="2000" kern="1200">
                 <a:solidFill>
@@ -10577,7 +10906,7 @@
               <a:spcBef>
                 <a:spcPct val="20000"/>
               </a:spcBef>
-              <a:buFont typeface="Arial" panose="020B0604020202020204" pitchFamily="34" charset="0"/>
+              <a:buFont typeface="Arial" panose="020B0604020202090204" pitchFamily="34" charset="0"/>
               <a:buChar char="•"/>
               <a:defRPr sz="2000" kern="1200">
                 <a:solidFill>
@@ -10592,7 +10921,7 @@
               <a:spcBef>
                 <a:spcPct val="20000"/>
               </a:spcBef>
-              <a:buFont typeface="Arial" panose="020B0604020202020204" pitchFamily="34" charset="0"/>
+              <a:buFont typeface="Arial" panose="020B0604020202090204" pitchFamily="34" charset="0"/>
               <a:buChar char="•"/>
               <a:defRPr sz="2000" kern="1200">
                 <a:solidFill>
@@ -10607,7 +10936,7 @@
               <a:spcBef>
                 <a:spcPct val="20000"/>
               </a:spcBef>
-              <a:buFont typeface="Arial" panose="020B0604020202020204" pitchFamily="34" charset="0"/>
+              <a:buFont typeface="Arial" panose="020B0604020202090204" pitchFamily="34" charset="0"/>
               <a:buChar char="•"/>
               <a:defRPr sz="2000" kern="1200">
                 <a:solidFill>
@@ -10622,7 +10951,7 @@
               <a:spcBef>
                 <a:spcPct val="20000"/>
               </a:spcBef>
-              <a:buFont typeface="Arial" panose="020B0604020202020204" pitchFamily="34" charset="0"/>
+              <a:buFont typeface="Arial" panose="020B0604020202090204" pitchFamily="34" charset="0"/>
               <a:buChar char="•"/>
               <a:defRPr sz="2000" kern="1200">
                 <a:solidFill>
@@ -10696,7 +11025,7 @@
               <a:spcBef>
                 <a:spcPct val="20000"/>
               </a:spcBef>
-              <a:buFont typeface="Arial" panose="020B0604020202020204" pitchFamily="34" charset="0"/>
+              <a:buFont typeface="Arial" panose="020B0604020202090204" pitchFamily="34" charset="0"/>
               <a:buChar char="•"/>
               <a:defRPr sz="3200" kern="1200">
                 <a:solidFill>
@@ -10711,7 +11040,7 @@
               <a:spcBef>
                 <a:spcPct val="20000"/>
               </a:spcBef>
-              <a:buFont typeface="Arial" panose="020B0604020202020204" pitchFamily="34" charset="0"/>
+              <a:buFont typeface="Arial" panose="020B0604020202090204" pitchFamily="34" charset="0"/>
               <a:buChar char="–"/>
               <a:defRPr sz="2800" kern="1200">
                 <a:solidFill>
@@ -10726,7 +11055,7 @@
               <a:spcBef>
                 <a:spcPct val="20000"/>
               </a:spcBef>
-              <a:buFont typeface="Arial" panose="020B0604020202020204" pitchFamily="34" charset="0"/>
+              <a:buFont typeface="Arial" panose="020B0604020202090204" pitchFamily="34" charset="0"/>
               <a:buChar char="•"/>
               <a:defRPr sz="2400" kern="1200">
                 <a:solidFill>
@@ -10741,7 +11070,7 @@
               <a:spcBef>
                 <a:spcPct val="20000"/>
               </a:spcBef>
-              <a:buFont typeface="Arial" panose="020B0604020202020204" pitchFamily="34" charset="0"/>
+              <a:buFont typeface="Arial" panose="020B0604020202090204" pitchFamily="34" charset="0"/>
               <a:buChar char="–"/>
               <a:defRPr sz="2000" kern="1200">
                 <a:solidFill>
@@ -10756,7 +11085,7 @@
               <a:spcBef>
                 <a:spcPct val="20000"/>
               </a:spcBef>
-              <a:buFont typeface="Arial" panose="020B0604020202020204" pitchFamily="34" charset="0"/>
+              <a:buFont typeface="Arial" panose="020B0604020202090204" pitchFamily="34" charset="0"/>
               <a:buChar char="»"/>
               <a:defRPr sz="2000" kern="1200">
                 <a:solidFill>
@@ -10771,7 +11100,7 @@
               <a:spcBef>
                 <a:spcPct val="20000"/>
               </a:spcBef>
-              <a:buFont typeface="Arial" panose="020B0604020202020204" pitchFamily="34" charset="0"/>
+              <a:buFont typeface="Arial" panose="020B0604020202090204" pitchFamily="34" charset="0"/>
               <a:buChar char="•"/>
               <a:defRPr sz="2000" kern="1200">
                 <a:solidFill>
@@ -10786,7 +11115,7 @@
               <a:spcBef>
                 <a:spcPct val="20000"/>
               </a:spcBef>
-              <a:buFont typeface="Arial" panose="020B0604020202020204" pitchFamily="34" charset="0"/>
+              <a:buFont typeface="Arial" panose="020B0604020202090204" pitchFamily="34" charset="0"/>
               <a:buChar char="•"/>
               <a:defRPr sz="2000" kern="1200">
                 <a:solidFill>
@@ -10801,7 +11130,7 @@
               <a:spcBef>
                 <a:spcPct val="20000"/>
               </a:spcBef>
-              <a:buFont typeface="Arial" panose="020B0604020202020204" pitchFamily="34" charset="0"/>
+              <a:buFont typeface="Arial" panose="020B0604020202090204" pitchFamily="34" charset="0"/>
               <a:buChar char="•"/>
               <a:defRPr sz="2000" kern="1200">
                 <a:solidFill>
@@ -10816,7 +11145,7 @@
               <a:spcBef>
                 <a:spcPct val="20000"/>
               </a:spcBef>
-              <a:buFont typeface="Arial" panose="020B0604020202020204" pitchFamily="34" charset="0"/>
+              <a:buFont typeface="Arial" panose="020B0604020202090204" pitchFamily="34" charset="0"/>
               <a:buChar char="•"/>
               <a:defRPr sz="2000" kern="1200">
                 <a:solidFill>
@@ -10841,6 +11170,9 @@
               </a:rPr>
               <a:t>a variable: var_name = value</a:t>
             </a:r>
+            <a:endParaRPr lang="en-US" altLang="zh-CN" sz="2100" dirty="0">
+              <a:sym typeface="+mn-ea"/>
+            </a:endParaRPr>
           </a:p>
           <a:p>
             <a:r>
@@ -10849,6 +11181,9 @@
               </a:rPr>
               <a:t>Use the value of a variable: $(var_name)</a:t>
             </a:r>
+            <a:endParaRPr lang="en-US" altLang="zh-CN" sz="2100" dirty="0">
+              <a:sym typeface="+mn-ea"/>
+            </a:endParaRPr>
           </a:p>
           <a:p>
             <a:r>
@@ -10857,6 +11192,9 @@
               </a:rPr>
               <a:t>Similar to bash, only variable types in Makefile are string</a:t>
             </a:r>
+            <a:endParaRPr lang="en-US" altLang="zh-CN" sz="2100" dirty="0">
+              <a:sym typeface="+mn-ea"/>
+            </a:endParaRPr>
           </a:p>
           <a:p>
             <a:pPr marL="0" indent="0">
@@ -10876,6 +11214,9 @@
               </a:rPr>
               <a:t>hello: bar.o foo.o</a:t>
             </a:r>
+            <a:endParaRPr lang="en-US" altLang="zh-CN" sz="2100" dirty="0">
+              <a:sym typeface="+mn-ea"/>
+            </a:endParaRPr>
           </a:p>
           <a:p>
             <a:pPr marL="0" lvl="0" indent="0">
@@ -10887,6 +11228,9 @@
               </a:rPr>
               <a:t> 	gcc -o hello bar.o foo.o</a:t>
             </a:r>
+            <a:endParaRPr lang="en-US" altLang="zh-CN" sz="2100" dirty="0">
+              <a:sym typeface="+mn-ea"/>
+            </a:endParaRPr>
           </a:p>
           <a:p>
             <a:pPr marL="0" lvl="0" indent="0">
@@ -10906,6 +11250,9 @@
               </a:rPr>
               <a:t>bar.o: bar.c bar.h</a:t>
             </a:r>
+            <a:endParaRPr lang="en-US" altLang="zh-CN" sz="2100" dirty="0">
+              <a:sym typeface="+mn-ea"/>
+            </a:endParaRPr>
           </a:p>
           <a:p>
             <a:pPr marL="0" lvl="0" indent="0">
@@ -10917,6 +11264,9 @@
               </a:rPr>
               <a:t>	gcc -c -g -O0 bar.c </a:t>
             </a:r>
+            <a:endParaRPr lang="en-US" altLang="zh-CN" sz="2100" dirty="0">
+              <a:sym typeface="+mn-ea"/>
+            </a:endParaRPr>
           </a:p>
           <a:p>
             <a:pPr marL="0" lvl="0" indent="0">
@@ -10936,6 +11286,9 @@
               </a:rPr>
               <a:t>foo.o: foo.c</a:t>
             </a:r>
+            <a:endParaRPr lang="en-US" altLang="zh-CN" sz="2100" dirty="0">
+              <a:sym typeface="+mn-ea"/>
+            </a:endParaRPr>
           </a:p>
           <a:p>
             <a:pPr marL="0" lvl="0" indent="0">
@@ -10947,6 +11300,9 @@
               </a:rPr>
               <a:t>	gcc -c -g -O0 foo.c</a:t>
             </a:r>
+            <a:endParaRPr lang="en-US" altLang="zh-CN" sz="2100" dirty="0">
+              <a:sym typeface="+mn-ea"/>
+            </a:endParaRPr>
           </a:p>
           <a:p>
             <a:pPr marL="0" lvl="0" indent="0">
@@ -10966,6 +11322,9 @@
               </a:rPr>
               <a:t>.PHONY: clean</a:t>
             </a:r>
+            <a:endParaRPr lang="en-US" altLang="zh-CN" sz="2100" dirty="0">
+              <a:sym typeface="+mn-ea"/>
+            </a:endParaRPr>
           </a:p>
           <a:p>
             <a:pPr marL="0" lvl="0" indent="0">
@@ -10977,6 +11336,9 @@
               </a:rPr>
               <a:t>clean:</a:t>
             </a:r>
+            <a:endParaRPr lang="en-US" altLang="zh-CN" sz="2100" dirty="0">
+              <a:sym typeface="+mn-ea"/>
+            </a:endParaRPr>
           </a:p>
           <a:p>
             <a:pPr marL="0" lvl="0" indent="0">
@@ -10988,6 +11350,9 @@
               </a:rPr>
               <a:t>	rm -rf hello </a:t>
             </a:r>
+            <a:endParaRPr lang="en-US" altLang="zh-CN" sz="2100" dirty="0">
+              <a:sym typeface="+mn-ea"/>
+            </a:endParaRPr>
           </a:p>
           <a:p>
             <a:pPr marL="0" lvl="0" indent="0">
@@ -10999,6 +11364,9 @@
               </a:rPr>
               <a:t>	rm -rf bar.o foo.o</a:t>
             </a:r>
+            <a:endParaRPr lang="en-US" altLang="zh-CN" sz="2100" dirty="0">
+              <a:sym typeface="+mn-ea"/>
+            </a:endParaRPr>
           </a:p>
           <a:p>
             <a:pPr marL="0" lvl="0" indent="0">
@@ -11078,6 +11446,9 @@
               </a:rPr>
               <a:t>OBJECTS = bar.o foo.o</a:t>
             </a:r>
+            <a:endParaRPr lang="en-US" altLang="zh-CN" sz="2000" dirty="0">
+              <a:sym typeface="+mn-ea"/>
+            </a:endParaRPr>
           </a:p>
           <a:p>
             <a:pPr marL="0" indent="0">
@@ -11089,6 +11460,9 @@
               </a:rPr>
               <a:t>CFLAGS = -g -O0</a:t>
             </a:r>
+            <a:endParaRPr lang="en-US" altLang="zh-CN" sz="2000" dirty="0">
+              <a:sym typeface="+mn-ea"/>
+            </a:endParaRPr>
           </a:p>
           <a:p>
             <a:pPr marL="0" indent="0">
@@ -11100,6 +11474,9 @@
               </a:rPr>
               <a:t>CC = gcc </a:t>
             </a:r>
+            <a:endParaRPr lang="en-US" altLang="zh-CN" sz="2000" dirty="0">
+              <a:sym typeface="+mn-ea"/>
+            </a:endParaRPr>
           </a:p>
           <a:p>
             <a:pPr marL="0" indent="0">
@@ -11111,6 +11488,9 @@
               </a:rPr>
               <a:t>hello: $(OBJECTS)</a:t>
             </a:r>
+            <a:endParaRPr lang="en-US" altLang="zh-CN" sz="2000" dirty="0">
+              <a:sym typeface="+mn-ea"/>
+            </a:endParaRPr>
           </a:p>
           <a:p>
             <a:pPr marL="0" lvl="0" indent="0">
@@ -11122,6 +11502,9 @@
               </a:rPr>
               <a:t> 	$(CC) -o hello $(OBJECTS)</a:t>
             </a:r>
+            <a:endParaRPr lang="en-US" altLang="zh-CN" sz="2000" dirty="0">
+              <a:sym typeface="+mn-ea"/>
+            </a:endParaRPr>
           </a:p>
           <a:p>
             <a:pPr marL="0" lvl="0" indent="0">
@@ -11141,6 +11524,9 @@
               </a:rPr>
               <a:t>bar.o: bar.c bar.h</a:t>
             </a:r>
+            <a:endParaRPr lang="en-US" altLang="zh-CN" sz="2000" dirty="0">
+              <a:sym typeface="+mn-ea"/>
+            </a:endParaRPr>
           </a:p>
           <a:p>
             <a:pPr marL="0" lvl="0" indent="0">
@@ -11152,6 +11538,9 @@
               </a:rPr>
               <a:t>	$(CC) -c $(CFLAGS) bar.c </a:t>
             </a:r>
+            <a:endParaRPr lang="en-US" altLang="zh-CN" sz="2000" dirty="0">
+              <a:sym typeface="+mn-ea"/>
+            </a:endParaRPr>
           </a:p>
           <a:p>
             <a:pPr marL="0" lvl="0" indent="0">
@@ -11171,6 +11560,9 @@
               </a:rPr>
               <a:t>foo.o: foo.c</a:t>
             </a:r>
+            <a:endParaRPr lang="en-US" altLang="zh-CN" sz="2000" dirty="0">
+              <a:sym typeface="+mn-ea"/>
+            </a:endParaRPr>
           </a:p>
           <a:p>
             <a:pPr marL="0" lvl="0" indent="0">
@@ -11182,6 +11574,9 @@
               </a:rPr>
               <a:t>	$(CC) -c $(CFLAGS) foo.c</a:t>
             </a:r>
+            <a:endParaRPr lang="en-US" altLang="zh-CN" sz="2000" dirty="0">
+              <a:sym typeface="+mn-ea"/>
+            </a:endParaRPr>
           </a:p>
           <a:p>
             <a:pPr marL="0" lvl="0" indent="0">
@@ -11201,6 +11596,9 @@
               </a:rPr>
               <a:t>.PHONY: clean</a:t>
             </a:r>
+            <a:endParaRPr lang="en-US" altLang="zh-CN" sz="2000" dirty="0">
+              <a:sym typeface="+mn-ea"/>
+            </a:endParaRPr>
           </a:p>
           <a:p>
             <a:pPr marL="0" lvl="0" indent="0">
@@ -11212,6 +11610,9 @@
               </a:rPr>
               <a:t>clean:</a:t>
             </a:r>
+            <a:endParaRPr lang="en-US" altLang="zh-CN" sz="2000" dirty="0">
+              <a:sym typeface="+mn-ea"/>
+            </a:endParaRPr>
           </a:p>
           <a:p>
             <a:pPr marL="0" lvl="0" indent="0">
@@ -11223,6 +11624,9 @@
               </a:rPr>
               <a:t>	rm -rf hello </a:t>
             </a:r>
+            <a:endParaRPr lang="en-US" altLang="zh-CN" sz="2000" dirty="0">
+              <a:sym typeface="+mn-ea"/>
+            </a:endParaRPr>
           </a:p>
           <a:p>
             <a:pPr marL="0" lvl="0" indent="0">
@@ -11842,7 +12246,7 @@
               <a:spcBef>
                 <a:spcPct val="20000"/>
               </a:spcBef>
-              <a:buFont typeface="Arial" panose="020B0604020202020204" pitchFamily="34" charset="0"/>
+              <a:buFont typeface="Arial" panose="020B0604020202090204" pitchFamily="34" charset="0"/>
               <a:buChar char="•"/>
               <a:defRPr sz="3200" kern="1200">
                 <a:solidFill>
@@ -11857,7 +12261,7 @@
               <a:spcBef>
                 <a:spcPct val="20000"/>
               </a:spcBef>
-              <a:buFont typeface="Arial" panose="020B0604020202020204" pitchFamily="34" charset="0"/>
+              <a:buFont typeface="Arial" panose="020B0604020202090204" pitchFamily="34" charset="0"/>
               <a:buChar char="–"/>
               <a:defRPr sz="2800" kern="1200">
                 <a:solidFill>
@@ -11872,7 +12276,7 @@
               <a:spcBef>
                 <a:spcPct val="20000"/>
               </a:spcBef>
-              <a:buFont typeface="Arial" panose="020B0604020202020204" pitchFamily="34" charset="0"/>
+              <a:buFont typeface="Arial" panose="020B0604020202090204" pitchFamily="34" charset="0"/>
               <a:buChar char="•"/>
               <a:defRPr sz="2400" kern="1200">
                 <a:solidFill>
@@ -11887,7 +12291,7 @@
               <a:spcBef>
                 <a:spcPct val="20000"/>
               </a:spcBef>
-              <a:buFont typeface="Arial" panose="020B0604020202020204" pitchFamily="34" charset="0"/>
+              <a:buFont typeface="Arial" panose="020B0604020202090204" pitchFamily="34" charset="0"/>
               <a:buChar char="–"/>
               <a:defRPr sz="2000" kern="1200">
                 <a:solidFill>
@@ -11902,7 +12306,7 @@
               <a:spcBef>
                 <a:spcPct val="20000"/>
               </a:spcBef>
-              <a:buFont typeface="Arial" panose="020B0604020202020204" pitchFamily="34" charset="0"/>
+              <a:buFont typeface="Arial" panose="020B0604020202090204" pitchFamily="34" charset="0"/>
               <a:buChar char="»"/>
               <a:defRPr sz="2000" kern="1200">
                 <a:solidFill>
@@ -11917,7 +12321,7 @@
               <a:spcBef>
                 <a:spcPct val="20000"/>
               </a:spcBef>
-              <a:buFont typeface="Arial" panose="020B0604020202020204" pitchFamily="34" charset="0"/>
+              <a:buFont typeface="Arial" panose="020B0604020202090204" pitchFamily="34" charset="0"/>
               <a:buChar char="•"/>
               <a:defRPr sz="2000" kern="1200">
                 <a:solidFill>
@@ -11932,7 +12336,7 @@
               <a:spcBef>
                 <a:spcPct val="20000"/>
               </a:spcBef>
-              <a:buFont typeface="Arial" panose="020B0604020202020204" pitchFamily="34" charset="0"/>
+              <a:buFont typeface="Arial" panose="020B0604020202090204" pitchFamily="34" charset="0"/>
               <a:buChar char="•"/>
               <a:defRPr sz="2000" kern="1200">
                 <a:solidFill>
@@ -11947,7 +12351,7 @@
               <a:spcBef>
                 <a:spcPct val="20000"/>
               </a:spcBef>
-              <a:buFont typeface="Arial" panose="020B0604020202020204" pitchFamily="34" charset="0"/>
+              <a:buFont typeface="Arial" panose="020B0604020202090204" pitchFamily="34" charset="0"/>
               <a:buChar char="•"/>
               <a:defRPr sz="2000" kern="1200">
                 <a:solidFill>
@@ -11962,7 +12366,7 @@
               <a:spcBef>
                 <a:spcPct val="20000"/>
               </a:spcBef>
-              <a:buFont typeface="Arial" panose="020B0604020202020204" pitchFamily="34" charset="0"/>
+              <a:buFont typeface="Arial" panose="020B0604020202090204" pitchFamily="34" charset="0"/>
               <a:buChar char="•"/>
               <a:defRPr sz="2000" kern="1200">
                 <a:solidFill>
@@ -12036,7 +12440,7 @@
               <a:spcBef>
                 <a:spcPct val="20000"/>
               </a:spcBef>
-              <a:buFont typeface="Arial" panose="020B0604020202020204" pitchFamily="34" charset="0"/>
+              <a:buFont typeface="Arial" panose="020B0604020202090204" pitchFamily="34" charset="0"/>
               <a:buChar char="•"/>
               <a:defRPr sz="3200" kern="1200">
                 <a:solidFill>
@@ -12051,7 +12455,7 @@
               <a:spcBef>
                 <a:spcPct val="20000"/>
               </a:spcBef>
-              <a:buFont typeface="Arial" panose="020B0604020202020204" pitchFamily="34" charset="0"/>
+              <a:buFont typeface="Arial" panose="020B0604020202090204" pitchFamily="34" charset="0"/>
               <a:buChar char="–"/>
               <a:defRPr sz="2800" kern="1200">
                 <a:solidFill>
@@ -12066,7 +12470,7 @@
               <a:spcBef>
                 <a:spcPct val="20000"/>
               </a:spcBef>
-              <a:buFont typeface="Arial" panose="020B0604020202020204" pitchFamily="34" charset="0"/>
+              <a:buFont typeface="Arial" panose="020B0604020202090204" pitchFamily="34" charset="0"/>
               <a:buChar char="•"/>
               <a:defRPr sz="2400" kern="1200">
                 <a:solidFill>
@@ -12081,7 +12485,7 @@
               <a:spcBef>
                 <a:spcPct val="20000"/>
               </a:spcBef>
-              <a:buFont typeface="Arial" panose="020B0604020202020204" pitchFamily="34" charset="0"/>
+              <a:buFont typeface="Arial" panose="020B0604020202090204" pitchFamily="34" charset="0"/>
               <a:buChar char="–"/>
               <a:defRPr sz="2000" kern="1200">
                 <a:solidFill>
@@ -12096,7 +12500,7 @@
               <a:spcBef>
                 <a:spcPct val="20000"/>
               </a:spcBef>
-              <a:buFont typeface="Arial" panose="020B0604020202020204" pitchFamily="34" charset="0"/>
+              <a:buFont typeface="Arial" panose="020B0604020202090204" pitchFamily="34" charset="0"/>
               <a:buChar char="»"/>
               <a:defRPr sz="2000" kern="1200">
                 <a:solidFill>
@@ -12111,7 +12515,7 @@
               <a:spcBef>
                 <a:spcPct val="20000"/>
               </a:spcBef>
-              <a:buFont typeface="Arial" panose="020B0604020202020204" pitchFamily="34" charset="0"/>
+              <a:buFont typeface="Arial" panose="020B0604020202090204" pitchFamily="34" charset="0"/>
               <a:buChar char="•"/>
               <a:defRPr sz="2000" kern="1200">
                 <a:solidFill>
@@ -12126,7 +12530,7 @@
               <a:spcBef>
                 <a:spcPct val="20000"/>
               </a:spcBef>
-              <a:buFont typeface="Arial" panose="020B0604020202020204" pitchFamily="34" charset="0"/>
+              <a:buFont typeface="Arial" panose="020B0604020202090204" pitchFamily="34" charset="0"/>
               <a:buChar char="•"/>
               <a:defRPr sz="2000" kern="1200">
                 <a:solidFill>
@@ -12141,7 +12545,7 @@
               <a:spcBef>
                 <a:spcPct val="20000"/>
               </a:spcBef>
-              <a:buFont typeface="Arial" panose="020B0604020202020204" pitchFamily="34" charset="0"/>
+              <a:buFont typeface="Arial" panose="020B0604020202090204" pitchFamily="34" charset="0"/>
               <a:buChar char="•"/>
               <a:defRPr sz="2000" kern="1200">
                 <a:solidFill>
@@ -12156,7 +12560,7 @@
               <a:spcBef>
                 <a:spcPct val="20000"/>
               </a:spcBef>
-              <a:buFont typeface="Arial" panose="020B0604020202020204" pitchFamily="34" charset="0"/>
+              <a:buFont typeface="Arial" panose="020B0604020202090204" pitchFamily="34" charset="0"/>
               <a:buChar char="•"/>
               <a:defRPr sz="2000" kern="1200">
                 <a:solidFill>
@@ -12175,6 +12579,9 @@
               </a:rPr>
               <a:t>Similar to the #include in C</a:t>
             </a:r>
+            <a:endParaRPr lang="en-US" altLang="zh-CN" sz="2500" dirty="0">
+              <a:sym typeface="+mn-ea"/>
+            </a:endParaRPr>
           </a:p>
           <a:p>
             <a:pPr lvl="1"/>
@@ -12184,6 +12591,9 @@
               </a:rPr>
               <a:t>Expand the insert the content of the included file to the include location</a:t>
             </a:r>
+            <a:endParaRPr lang="en-US" altLang="zh-CN" sz="2100" dirty="0">
+              <a:sym typeface="+mn-ea"/>
+            </a:endParaRPr>
           </a:p>
           <a:p>
             <a:pPr lvl="1"/>
@@ -12205,6 +12615,9 @@
               </a:rPr>
               <a:t>  </a:t>
             </a:r>
+            <a:endParaRPr lang="en-US" altLang="zh-CN" sz="2100" dirty="0">
+              <a:sym typeface="+mn-ea"/>
+            </a:endParaRPr>
           </a:p>
           <a:p>
             <a:pPr lvl="1"/>
@@ -12214,6 +12627,9 @@
               </a:rPr>
               <a:t>Useful for modularity design and code reuse</a:t>
             </a:r>
+            <a:endParaRPr lang="en-US" altLang="zh-CN" sz="2100" dirty="0">
+              <a:sym typeface="+mn-ea"/>
+            </a:endParaRPr>
           </a:p>
           <a:p>
             <a:pPr marL="457200" lvl="1" indent="0">
@@ -12257,6 +12673,9 @@
               </a:rPr>
               <a:t>			</a:t>
             </a:r>
+            <a:endParaRPr lang="en-US" altLang="zh-CN" sz="2100" dirty="0">
+              <a:sym typeface="+mn-ea"/>
+            </a:endParaRPr>
           </a:p>
           <a:p>
             <a:pPr marL="0" lvl="0" indent="0">
@@ -12268,6 +12687,9 @@
               </a:rPr>
               <a:t> 	gcc -o hello bar.o foo.o</a:t>
             </a:r>
+            <a:endParaRPr lang="en-US" altLang="zh-CN" sz="2100" dirty="0">
+              <a:sym typeface="+mn-ea"/>
+            </a:endParaRPr>
           </a:p>
           <a:p>
             <a:pPr marL="0" lvl="0" indent="0">
@@ -12287,6 +12709,9 @@
               </a:rPr>
               <a:t>bar.o: bar.c bar.h</a:t>
             </a:r>
+            <a:endParaRPr lang="en-US" altLang="zh-CN" sz="2100" dirty="0">
+              <a:sym typeface="+mn-ea"/>
+            </a:endParaRPr>
           </a:p>
           <a:p>
             <a:pPr marL="0" lvl="0" indent="0">
@@ -12298,6 +12723,9 @@
               </a:rPr>
               <a:t>	gcc -c -g -O0 bar.c </a:t>
             </a:r>
+            <a:endParaRPr lang="en-US" altLang="zh-CN" sz="2100" dirty="0">
+              <a:sym typeface="+mn-ea"/>
+            </a:endParaRPr>
           </a:p>
           <a:p>
             <a:pPr marL="0" lvl="0" indent="0">
@@ -12317,6 +12745,9 @@
               </a:rPr>
               <a:t>foo.o: foo.c</a:t>
             </a:r>
+            <a:endParaRPr lang="en-US" altLang="zh-CN" sz="2100" dirty="0">
+              <a:sym typeface="+mn-ea"/>
+            </a:endParaRPr>
           </a:p>
           <a:p>
             <a:pPr marL="0" lvl="0" indent="0">
@@ -12348,6 +12779,9 @@
               </a:rPr>
               <a:t>include clean.mk </a:t>
             </a:r>
+            <a:endParaRPr lang="en-US" altLang="zh-CN" sz="2100" dirty="0">
+              <a:sym typeface="+mn-ea"/>
+            </a:endParaRPr>
           </a:p>
           <a:p>
             <a:pPr marL="0" lvl="0" indent="0">
@@ -12359,6 +12793,9 @@
               </a:rPr>
               <a:t>#or -include clean.mk if clean.mk may not exist</a:t>
             </a:r>
+            <a:endParaRPr lang="en-US" altLang="zh-CN" sz="2100" dirty="0">
+              <a:sym typeface="+mn-ea"/>
+            </a:endParaRPr>
           </a:p>
           <a:p>
             <a:pPr marL="0" lvl="0" indent="0">
@@ -12428,6 +12865,7 @@
               <a:rPr lang="en-US" sz="2000" dirty="0"/>
               <a:t>clean.mk</a:t>
             </a:r>
+            <a:endParaRPr lang="en-US" sz="2000" dirty="0"/>
           </a:p>
           <a:p>
             <a:pPr lvl="0"/>
@@ -12437,6 +12875,9 @@
               </a:rPr>
               <a:t>.PHONY: clean</a:t>
             </a:r>
+            <a:endParaRPr lang="en-US" altLang="zh-CN" sz="2000" dirty="0">
+              <a:sym typeface="+mn-ea"/>
+            </a:endParaRPr>
           </a:p>
           <a:p>
             <a:pPr lvl="0"/>
@@ -12446,6 +12887,9 @@
               </a:rPr>
               <a:t>clean:</a:t>
             </a:r>
+            <a:endParaRPr lang="en-US" altLang="zh-CN" sz="2000" dirty="0">
+              <a:sym typeface="+mn-ea"/>
+            </a:endParaRPr>
           </a:p>
           <a:p>
             <a:pPr lvl="0"/>
@@ -12479,6 +12923,9 @@
               </a:rPr>
               <a:t> hello </a:t>
             </a:r>
+            <a:endParaRPr lang="en-US" altLang="zh-CN" sz="2000" dirty="0">
+              <a:sym typeface="+mn-ea"/>
+            </a:endParaRPr>
           </a:p>
           <a:p>
             <a:pPr lvl="0"/>
@@ -12548,6 +12995,7 @@
               <a:rPr lang="en-US" sz="2000" dirty="0"/>
               <a:t>	</a:t>
             </a:r>
+            <a:endParaRPr lang="en-US" sz="2000" dirty="0"/>
           </a:p>
           <a:p>
             <a:pPr marL="0" indent="0">
@@ -13097,6 +13545,9 @@
               </a:rPr>
               <a:t>Compile C files to dynamic linked library</a:t>
             </a:r>
+            <a:endParaRPr lang="en-US" altLang="zh-CN" sz="3200" dirty="0">
+              <a:sym typeface="+mn-ea"/>
+            </a:endParaRPr>
           </a:p>
         </p:txBody>
       </p:sp>
@@ -13126,7 +13577,7 @@
               <a:spcBef>
                 <a:spcPct val="20000"/>
               </a:spcBef>
-              <a:buFont typeface="Arial" panose="020B0604020202020204" pitchFamily="34" charset="0"/>
+              <a:buFont typeface="Arial" panose="020B0604020202090204" pitchFamily="34" charset="0"/>
               <a:buChar char="•"/>
               <a:defRPr sz="3200" kern="1200">
                 <a:solidFill>
@@ -13141,7 +13592,7 @@
               <a:spcBef>
                 <a:spcPct val="20000"/>
               </a:spcBef>
-              <a:buFont typeface="Arial" panose="020B0604020202020204" pitchFamily="34" charset="0"/>
+              <a:buFont typeface="Arial" panose="020B0604020202090204" pitchFamily="34" charset="0"/>
               <a:buChar char="–"/>
               <a:defRPr sz="2800" kern="1200">
                 <a:solidFill>
@@ -13156,7 +13607,7 @@
               <a:spcBef>
                 <a:spcPct val="20000"/>
               </a:spcBef>
-              <a:buFont typeface="Arial" panose="020B0604020202020204" pitchFamily="34" charset="0"/>
+              <a:buFont typeface="Arial" panose="020B0604020202090204" pitchFamily="34" charset="0"/>
               <a:buChar char="•"/>
               <a:defRPr sz="2400" kern="1200">
                 <a:solidFill>
@@ -13171,7 +13622,7 @@
               <a:spcBef>
                 <a:spcPct val="20000"/>
               </a:spcBef>
-              <a:buFont typeface="Arial" panose="020B0604020202020204" pitchFamily="34" charset="0"/>
+              <a:buFont typeface="Arial" panose="020B0604020202090204" pitchFamily="34" charset="0"/>
               <a:buChar char="–"/>
               <a:defRPr sz="2000" kern="1200">
                 <a:solidFill>
@@ -13186,7 +13637,7 @@
               <a:spcBef>
                 <a:spcPct val="20000"/>
               </a:spcBef>
-              <a:buFont typeface="Arial" panose="020B0604020202020204" pitchFamily="34" charset="0"/>
+              <a:buFont typeface="Arial" panose="020B0604020202090204" pitchFamily="34" charset="0"/>
               <a:buChar char="»"/>
               <a:defRPr sz="2000" kern="1200">
                 <a:solidFill>
@@ -13201,7 +13652,7 @@
               <a:spcBef>
                 <a:spcPct val="20000"/>
               </a:spcBef>
-              <a:buFont typeface="Arial" panose="020B0604020202020204" pitchFamily="34" charset="0"/>
+              <a:buFont typeface="Arial" panose="020B0604020202090204" pitchFamily="34" charset="0"/>
               <a:buChar char="•"/>
               <a:defRPr sz="2000" kern="1200">
                 <a:solidFill>
@@ -13216,7 +13667,7 @@
               <a:spcBef>
                 <a:spcPct val="20000"/>
               </a:spcBef>
-              <a:buFont typeface="Arial" panose="020B0604020202020204" pitchFamily="34" charset="0"/>
+              <a:buFont typeface="Arial" panose="020B0604020202090204" pitchFamily="34" charset="0"/>
               <a:buChar char="•"/>
               <a:defRPr sz="2000" kern="1200">
                 <a:solidFill>
@@ -13231,7 +13682,7 @@
               <a:spcBef>
                 <a:spcPct val="20000"/>
               </a:spcBef>
-              <a:buFont typeface="Arial" panose="020B0604020202020204" pitchFamily="34" charset="0"/>
+              <a:buFont typeface="Arial" panose="020B0604020202090204" pitchFamily="34" charset="0"/>
               <a:buChar char="•"/>
               <a:defRPr sz="2000" kern="1200">
                 <a:solidFill>
@@ -13246,7 +13697,7 @@
               <a:spcBef>
                 <a:spcPct val="20000"/>
               </a:spcBef>
-              <a:buFont typeface="Arial" panose="020B0604020202020204" pitchFamily="34" charset="0"/>
+              <a:buFont typeface="Arial" panose="020B0604020202090204" pitchFamily="34" charset="0"/>
               <a:buChar char="•"/>
               <a:defRPr sz="2000" kern="1200">
                 <a:solidFill>
@@ -13320,7 +13771,7 @@
               <a:spcBef>
                 <a:spcPct val="20000"/>
               </a:spcBef>
-              <a:buFont typeface="Arial" panose="020B0604020202020204" pitchFamily="34" charset="0"/>
+              <a:buFont typeface="Arial" panose="020B0604020202090204" pitchFamily="34" charset="0"/>
               <a:buChar char="•"/>
               <a:defRPr sz="3200" kern="1200">
                 <a:solidFill>
@@ -13335,7 +13786,7 @@
               <a:spcBef>
                 <a:spcPct val="20000"/>
               </a:spcBef>
-              <a:buFont typeface="Arial" panose="020B0604020202020204" pitchFamily="34" charset="0"/>
+              <a:buFont typeface="Arial" panose="020B0604020202090204" pitchFamily="34" charset="0"/>
               <a:buChar char="–"/>
               <a:defRPr sz="2800" kern="1200">
                 <a:solidFill>
@@ -13350,7 +13801,7 @@
               <a:spcBef>
                 <a:spcPct val="20000"/>
               </a:spcBef>
-              <a:buFont typeface="Arial" panose="020B0604020202020204" pitchFamily="34" charset="0"/>
+              <a:buFont typeface="Arial" panose="020B0604020202090204" pitchFamily="34" charset="0"/>
               <a:buChar char="•"/>
               <a:defRPr sz="2400" kern="1200">
                 <a:solidFill>
@@ -13365,7 +13816,7 @@
               <a:spcBef>
                 <a:spcPct val="20000"/>
               </a:spcBef>
-              <a:buFont typeface="Arial" panose="020B0604020202020204" pitchFamily="34" charset="0"/>
+              <a:buFont typeface="Arial" panose="020B0604020202090204" pitchFamily="34" charset="0"/>
               <a:buChar char="–"/>
               <a:defRPr sz="2000" kern="1200">
                 <a:solidFill>
@@ -13380,7 +13831,7 @@
               <a:spcBef>
                 <a:spcPct val="20000"/>
               </a:spcBef>
-              <a:buFont typeface="Arial" panose="020B0604020202020204" pitchFamily="34" charset="0"/>
+              <a:buFont typeface="Arial" panose="020B0604020202090204" pitchFamily="34" charset="0"/>
               <a:buChar char="»"/>
               <a:defRPr sz="2000" kern="1200">
                 <a:solidFill>
@@ -13395,7 +13846,7 @@
               <a:spcBef>
                 <a:spcPct val="20000"/>
               </a:spcBef>
-              <a:buFont typeface="Arial" panose="020B0604020202020204" pitchFamily="34" charset="0"/>
+              <a:buFont typeface="Arial" panose="020B0604020202090204" pitchFamily="34" charset="0"/>
               <a:buChar char="•"/>
               <a:defRPr sz="2000" kern="1200">
                 <a:solidFill>
@@ -13410,7 +13861,7 @@
               <a:spcBef>
                 <a:spcPct val="20000"/>
               </a:spcBef>
-              <a:buFont typeface="Arial" panose="020B0604020202020204" pitchFamily="34" charset="0"/>
+              <a:buFont typeface="Arial" panose="020B0604020202090204" pitchFamily="34" charset="0"/>
               <a:buChar char="•"/>
               <a:defRPr sz="2000" kern="1200">
                 <a:solidFill>
@@ -13425,7 +13876,7 @@
               <a:spcBef>
                 <a:spcPct val="20000"/>
               </a:spcBef>
-              <a:buFont typeface="Arial" panose="020B0604020202020204" pitchFamily="34" charset="0"/>
+              <a:buFont typeface="Arial" panose="020B0604020202090204" pitchFamily="34" charset="0"/>
               <a:buChar char="•"/>
               <a:defRPr sz="2000" kern="1200">
                 <a:solidFill>
@@ -13440,7 +13891,7 @@
               <a:spcBef>
                 <a:spcPct val="20000"/>
               </a:spcBef>
-              <a:buFont typeface="Arial" panose="020B0604020202020204" pitchFamily="34" charset="0"/>
+              <a:buFont typeface="Arial" panose="020B0604020202090204" pitchFamily="34" charset="0"/>
               <a:buChar char="•"/>
               <a:defRPr sz="2000" kern="1200">
                 <a:solidFill>
@@ -13459,6 +13910,9 @@
               </a:rPr>
               <a:t>Similar to compiling C files to executable </a:t>
             </a:r>
+            <a:endParaRPr lang="en-US" altLang="zh-CN" sz="2000" dirty="0">
+              <a:sym typeface="+mn-ea"/>
+            </a:endParaRPr>
           </a:p>
           <a:p>
             <a:r>
@@ -13467,6 +13921,9 @@
               </a:rPr>
               <a:t>Still go through four stages: pre-processing, compilation, assembly and linking</a:t>
             </a:r>
+            <a:endParaRPr lang="en-US" altLang="zh-CN" sz="2000" dirty="0">
+              <a:sym typeface="+mn-ea"/>
+            </a:endParaRPr>
           </a:p>
           <a:p>
             <a:r>
@@ -13515,6 +13972,9 @@
               </a:rPr>
               <a:t>&gt;</a:t>
             </a:r>
+            <a:endParaRPr lang="en-US" altLang="zh-CN" sz="2000" dirty="0">
+              <a:sym typeface="+mn-ea"/>
+            </a:endParaRPr>
           </a:p>
           <a:p>
             <a:pPr marL="0" indent="0">
@@ -13538,6 +13998,9 @@
               </a:rPr>
               <a:t>(void)</a:t>
             </a:r>
+            <a:endParaRPr lang="en-US" altLang="zh-CN" sz="2000" dirty="0">
+              <a:sym typeface="+mn-ea"/>
+            </a:endParaRPr>
           </a:p>
           <a:p>
             <a:pPr marL="0" indent="0">
@@ -13549,6 +14012,9 @@
               </a:rPr>
               <a:t>{</a:t>
             </a:r>
+            <a:endParaRPr lang="en-US" altLang="zh-CN" sz="2000" dirty="0">
+              <a:sym typeface="+mn-ea"/>
+            </a:endParaRPr>
           </a:p>
           <a:p>
             <a:pPr marL="0" indent="0">
@@ -13572,6 +14038,9 @@
               </a:rPr>
               <a:t>(“From foo!\n”);</a:t>
             </a:r>
+            <a:endParaRPr lang="en-US" altLang="zh-CN" sz="2000" dirty="0">
+              <a:sym typeface="+mn-ea"/>
+            </a:endParaRPr>
           </a:p>
           <a:p>
             <a:pPr marL="0" indent="0">
@@ -13583,6 +14052,9 @@
               </a:rPr>
               <a:t>}</a:t>
             </a:r>
+            <a:endParaRPr lang="en-US" altLang="zh-CN" sz="2000" dirty="0">
+              <a:sym typeface="+mn-ea"/>
+            </a:endParaRPr>
           </a:p>
           <a:p>
             <a:pPr marL="0" indent="0">
@@ -13594,6 +14066,9 @@
               </a:rPr>
               <a:t> </a:t>
             </a:r>
+            <a:endParaRPr lang="en-US" altLang="zh-CN" sz="2500" dirty="0">
+              <a:sym typeface="+mn-ea"/>
+            </a:endParaRPr>
           </a:p>
           <a:p>
             <a:endParaRPr lang="en-US" altLang="zh-CN" sz="2500" dirty="0">
@@ -13680,6 +14155,7 @@
               <a:rPr lang="en-US" sz="2000" dirty="0"/>
               <a:t>&gt;</a:t>
             </a:r>
+            <a:endParaRPr lang="en-US" sz="2000" dirty="0"/>
           </a:p>
           <a:p>
             <a:pPr marL="0" indent="0">
@@ -13697,6 +14173,7 @@
               <a:rPr lang="en-US" sz="2000" dirty="0"/>
               <a:t> (void)</a:t>
             </a:r>
+            <a:endParaRPr lang="en-US" sz="2000" dirty="0"/>
           </a:p>
           <a:p>
             <a:pPr marL="0" indent="0">
@@ -13706,6 +14183,7 @@
               <a:rPr lang="en-US" sz="2000" dirty="0"/>
               <a:t>{</a:t>
             </a:r>
+            <a:endParaRPr lang="en-US" sz="2000" dirty="0"/>
           </a:p>
           <a:p>
             <a:r>
@@ -13728,6 +14206,7 @@
               <a:rPr lang="en-US" sz="2000" dirty="0"/>
               <a:t>	</a:t>
             </a:r>
+            <a:endParaRPr lang="en-US" sz="2000" dirty="0"/>
           </a:p>
           <a:p>
             <a:pPr marL="0" indent="0">
@@ -13737,6 +14216,7 @@
               <a:rPr lang="en-US" sz="2000" dirty="0"/>
               <a:t>}</a:t>
             </a:r>
+            <a:endParaRPr lang="en-US" sz="2000" dirty="0"/>
           </a:p>
           <a:p>
             <a:pPr marL="0" indent="0">
@@ -13746,6 +14226,7 @@
               <a:rPr lang="en-US" sz="2000" dirty="0"/>
               <a:t>	</a:t>
             </a:r>
+            <a:endParaRPr lang="en-US" sz="2000" dirty="0"/>
           </a:p>
           <a:p>
             <a:pPr marL="0" indent="0">
@@ -13802,6 +14283,7 @@
               <a:rPr lang="en-US" sz="2000" dirty="0"/>
               <a:t>(void);</a:t>
             </a:r>
+            <a:endParaRPr lang="en-US" sz="2000" dirty="0"/>
           </a:p>
           <a:p>
             <a:pPr marL="0" indent="0">
@@ -13819,6 +14301,7 @@
               <a:rPr lang="en-US" sz="2000" dirty="0"/>
               <a:t>(void);</a:t>
             </a:r>
+            <a:endParaRPr lang="en-US" sz="2000" dirty="0"/>
           </a:p>
           <a:p>
             <a:pPr marL="0" indent="0">
@@ -13832,6 +14315,7 @@
               <a:rPr lang="en-US" sz="2000" dirty="0"/>
               <a:t> main(void)</a:t>
             </a:r>
+            <a:endParaRPr lang="en-US" sz="2000" dirty="0"/>
           </a:p>
           <a:p>
             <a:pPr marL="0" indent="0">
@@ -13841,6 +14325,7 @@
               <a:rPr lang="en-US" sz="2000" dirty="0"/>
               <a:t>{</a:t>
             </a:r>
+            <a:endParaRPr lang="en-US" sz="2000" dirty="0"/>
           </a:p>
           <a:p>
             <a:pPr marL="0" indent="0">
@@ -13858,6 +14343,7 @@
               <a:rPr lang="en-US" sz="2000" dirty="0"/>
               <a:t>();</a:t>
             </a:r>
+            <a:endParaRPr lang="en-US" sz="2000" dirty="0"/>
           </a:p>
           <a:p>
             <a:pPr marL="0" indent="0">
@@ -13875,6 +14361,7 @@
               <a:rPr lang="en-US" sz="2000" dirty="0"/>
               <a:t>();</a:t>
             </a:r>
+            <a:endParaRPr lang="en-US" sz="2000" dirty="0"/>
           </a:p>
           <a:p>
             <a:pPr marL="0" indent="0">
@@ -13884,6 +14371,7 @@
               <a:rPr lang="en-US" sz="2000" dirty="0"/>
               <a:t>}	</a:t>
             </a:r>
+            <a:endParaRPr lang="en-US" sz="2000" dirty="0"/>
           </a:p>
           <a:p>
             <a:pPr marL="0" indent="0">
@@ -14694,7 +15182,7 @@
               <a:spcBef>
                 <a:spcPct val="20000"/>
               </a:spcBef>
-              <a:buFont typeface="Arial" panose="020B0604020202020204" pitchFamily="34" charset="0"/>
+              <a:buFont typeface="Arial" panose="020B0604020202090204" pitchFamily="34" charset="0"/>
               <a:buChar char="•"/>
               <a:defRPr sz="3200" kern="1200">
                 <a:solidFill>
@@ -14709,7 +15197,7 @@
               <a:spcBef>
                 <a:spcPct val="20000"/>
               </a:spcBef>
-              <a:buFont typeface="Arial" panose="020B0604020202020204" pitchFamily="34" charset="0"/>
+              <a:buFont typeface="Arial" panose="020B0604020202090204" pitchFamily="34" charset="0"/>
               <a:buChar char="–"/>
               <a:defRPr sz="2800" kern="1200">
                 <a:solidFill>
@@ -14724,7 +15212,7 @@
               <a:spcBef>
                 <a:spcPct val="20000"/>
               </a:spcBef>
-              <a:buFont typeface="Arial" panose="020B0604020202020204" pitchFamily="34" charset="0"/>
+              <a:buFont typeface="Arial" panose="020B0604020202090204" pitchFamily="34" charset="0"/>
               <a:buChar char="•"/>
               <a:defRPr sz="2400" kern="1200">
                 <a:solidFill>
@@ -14739,7 +15227,7 @@
               <a:spcBef>
                 <a:spcPct val="20000"/>
               </a:spcBef>
-              <a:buFont typeface="Arial" panose="020B0604020202020204" pitchFamily="34" charset="0"/>
+              <a:buFont typeface="Arial" panose="020B0604020202090204" pitchFamily="34" charset="0"/>
               <a:buChar char="–"/>
               <a:defRPr sz="2000" kern="1200">
                 <a:solidFill>
@@ -14754,7 +15242,7 @@
               <a:spcBef>
                 <a:spcPct val="20000"/>
               </a:spcBef>
-              <a:buFont typeface="Arial" panose="020B0604020202020204" pitchFamily="34" charset="0"/>
+              <a:buFont typeface="Arial" panose="020B0604020202090204" pitchFamily="34" charset="0"/>
               <a:buChar char="»"/>
               <a:defRPr sz="2000" kern="1200">
                 <a:solidFill>
@@ -14769,7 +15257,7 @@
               <a:spcBef>
                 <a:spcPct val="20000"/>
               </a:spcBef>
-              <a:buFont typeface="Arial" panose="020B0604020202020204" pitchFamily="34" charset="0"/>
+              <a:buFont typeface="Arial" panose="020B0604020202090204" pitchFamily="34" charset="0"/>
               <a:buChar char="•"/>
               <a:defRPr sz="2000" kern="1200">
                 <a:solidFill>
@@ -14784,7 +15272,7 @@
               <a:spcBef>
                 <a:spcPct val="20000"/>
               </a:spcBef>
-              <a:buFont typeface="Arial" panose="020B0604020202020204" pitchFamily="34" charset="0"/>
+              <a:buFont typeface="Arial" panose="020B0604020202090204" pitchFamily="34" charset="0"/>
               <a:buChar char="•"/>
               <a:defRPr sz="2000" kern="1200">
                 <a:solidFill>
@@ -14799,7 +15287,7 @@
               <a:spcBef>
                 <a:spcPct val="20000"/>
               </a:spcBef>
-              <a:buFont typeface="Arial" panose="020B0604020202020204" pitchFamily="34" charset="0"/>
+              <a:buFont typeface="Arial" panose="020B0604020202090204" pitchFamily="34" charset="0"/>
               <a:buChar char="•"/>
               <a:defRPr sz="2000" kern="1200">
                 <a:solidFill>
@@ -14814,7 +15302,7 @@
               <a:spcBef>
                 <a:spcPct val="20000"/>
               </a:spcBef>
-              <a:buFont typeface="Arial" panose="020B0604020202020204" pitchFamily="34" charset="0"/>
+              <a:buFont typeface="Arial" panose="020B0604020202090204" pitchFamily="34" charset="0"/>
               <a:buChar char="•"/>
               <a:defRPr sz="2000" kern="1200">
                 <a:solidFill>
@@ -14888,7 +15376,7 @@
               <a:spcBef>
                 <a:spcPct val="20000"/>
               </a:spcBef>
-              <a:buFont typeface="Arial" panose="020B0604020202020204" pitchFamily="34" charset="0"/>
+              <a:buFont typeface="Arial" panose="020B0604020202090204" pitchFamily="34" charset="0"/>
               <a:buChar char="•"/>
               <a:defRPr sz="3200" kern="1200">
                 <a:solidFill>
@@ -14903,7 +15391,7 @@
               <a:spcBef>
                 <a:spcPct val="20000"/>
               </a:spcBef>
-              <a:buFont typeface="Arial" panose="020B0604020202020204" pitchFamily="34" charset="0"/>
+              <a:buFont typeface="Arial" panose="020B0604020202090204" pitchFamily="34" charset="0"/>
               <a:buChar char="–"/>
               <a:defRPr sz="2800" kern="1200">
                 <a:solidFill>
@@ -14918,7 +15406,7 @@
               <a:spcBef>
                 <a:spcPct val="20000"/>
               </a:spcBef>
-              <a:buFont typeface="Arial" panose="020B0604020202020204" pitchFamily="34" charset="0"/>
+              <a:buFont typeface="Arial" panose="020B0604020202090204" pitchFamily="34" charset="0"/>
               <a:buChar char="•"/>
               <a:defRPr sz="2400" kern="1200">
                 <a:solidFill>
@@ -14933,7 +15421,7 @@
               <a:spcBef>
                 <a:spcPct val="20000"/>
               </a:spcBef>
-              <a:buFont typeface="Arial" panose="020B0604020202020204" pitchFamily="34" charset="0"/>
+              <a:buFont typeface="Arial" panose="020B0604020202090204" pitchFamily="34" charset="0"/>
               <a:buChar char="–"/>
               <a:defRPr sz="2000" kern="1200">
                 <a:solidFill>
@@ -14948,7 +15436,7 @@
               <a:spcBef>
                 <a:spcPct val="20000"/>
               </a:spcBef>
-              <a:buFont typeface="Arial" panose="020B0604020202020204" pitchFamily="34" charset="0"/>
+              <a:buFont typeface="Arial" panose="020B0604020202090204" pitchFamily="34" charset="0"/>
               <a:buChar char="»"/>
               <a:defRPr sz="2000" kern="1200">
                 <a:solidFill>
@@ -14963,7 +15451,7 @@
               <a:spcBef>
                 <a:spcPct val="20000"/>
               </a:spcBef>
-              <a:buFont typeface="Arial" panose="020B0604020202020204" pitchFamily="34" charset="0"/>
+              <a:buFont typeface="Arial" panose="020B0604020202090204" pitchFamily="34" charset="0"/>
               <a:buChar char="•"/>
               <a:defRPr sz="2000" kern="1200">
                 <a:solidFill>
@@ -14978,7 +15466,7 @@
               <a:spcBef>
                 <a:spcPct val="20000"/>
               </a:spcBef>
-              <a:buFont typeface="Arial" panose="020B0604020202020204" pitchFamily="34" charset="0"/>
+              <a:buFont typeface="Arial" panose="020B0604020202090204" pitchFamily="34" charset="0"/>
               <a:buChar char="•"/>
               <a:defRPr sz="2000" kern="1200">
                 <a:solidFill>
@@ -14993,7 +15481,7 @@
               <a:spcBef>
                 <a:spcPct val="20000"/>
               </a:spcBef>
-              <a:buFont typeface="Arial" panose="020B0604020202020204" pitchFamily="34" charset="0"/>
+              <a:buFont typeface="Arial" panose="020B0604020202090204" pitchFamily="34" charset="0"/>
               <a:buChar char="•"/>
               <a:defRPr sz="2000" kern="1200">
                 <a:solidFill>
@@ -15008,7 +15496,7 @@
               <a:spcBef>
                 <a:spcPct val="20000"/>
               </a:spcBef>
-              <a:buFont typeface="Arial" panose="020B0604020202020204" pitchFamily="34" charset="0"/>
+              <a:buFont typeface="Arial" panose="020B0604020202090204" pitchFamily="34" charset="0"/>
               <a:buChar char="•"/>
               <a:defRPr sz="2000" kern="1200">
                 <a:solidFill>
@@ -15045,6 +15533,9 @@
               </a:rPr>
               <a:t> -&gt; libprint.so</a:t>
             </a:r>
+            <a:endParaRPr lang="en-US" altLang="zh-CN" sz="2000" dirty="0">
+              <a:sym typeface="+mn-ea"/>
+            </a:endParaRPr>
           </a:p>
           <a:p>
             <a:r>
@@ -15059,6 +15550,9 @@
               </a:rPr>
               <a:t> + libprint.so -&gt; print</a:t>
             </a:r>
+            <a:endParaRPr lang="en-US" altLang="zh-CN" sz="2000" dirty="0">
+              <a:sym typeface="+mn-ea"/>
+            </a:endParaRPr>
           </a:p>
           <a:p>
             <a:pPr marL="0" indent="0">
@@ -15070,6 +15564,9 @@
               </a:rPr>
               <a:t> </a:t>
             </a:r>
+            <a:endParaRPr lang="en-US" altLang="zh-CN" sz="2500" dirty="0">
+              <a:sym typeface="+mn-ea"/>
+            </a:endParaRPr>
           </a:p>
           <a:p>
             <a:pPr marL="0" indent="0">
@@ -15093,6 +15590,9 @@
               </a:rPr>
               <a:t> libprint.so</a:t>
             </a:r>
+            <a:endParaRPr lang="en-US" altLang="zh-CN" sz="2000" dirty="0">
+              <a:sym typeface="+mn-ea"/>
+            </a:endParaRPr>
           </a:p>
           <a:p>
             <a:pPr marL="0" indent="0">
@@ -15173,6 +15673,12 @@
               </a:rPr>
               <a:t>  </a:t>
             </a:r>
+            <a:endParaRPr lang="en-US" altLang="zh-CN" sz="2000" dirty="0">
+              <a:solidFill>
+                <a:srgbClr val="FF0000"/>
+              </a:solidFill>
+              <a:sym typeface="+mn-ea"/>
+            </a:endParaRPr>
           </a:p>
           <a:p>
             <a:pPr marL="0" indent="0">
@@ -15261,6 +15767,9 @@
               </a:rPr>
               <a:t> where to find the library</a:t>
             </a:r>
+            <a:endParaRPr lang="en-US" altLang="zh-CN" sz="2000" dirty="0">
+              <a:sym typeface="+mn-ea"/>
+            </a:endParaRPr>
           </a:p>
           <a:p>
             <a:pPr marL="0" indent="0">
@@ -15355,6 +15864,9 @@
               </a:rPr>
               <a:t> </a:t>
             </a:r>
+            <a:endParaRPr lang="en-US" altLang="zh-CN" sz="2000" dirty="0">
+              <a:sym typeface="+mn-ea"/>
+            </a:endParaRPr>
           </a:p>
           <a:p>
             <a:pPr marL="0" indent="0">
@@ -15402,6 +15914,9 @@
               </a:rPr>
               <a:t> to a shared library instead of 	executables</a:t>
             </a:r>
+            <a:endParaRPr lang="en-US" altLang="zh-CN" sz="2000" dirty="0">
+              <a:sym typeface="+mn-ea"/>
+            </a:endParaRPr>
           </a:p>
           <a:p>
             <a:pPr marL="0" indent="0">
@@ -15496,6 +16011,9 @@
               </a:rPr>
               <a:t>  </a:t>
             </a:r>
+            <a:endParaRPr lang="en-US" altLang="zh-CN" sz="2000" dirty="0">
+              <a:sym typeface="+mn-ea"/>
+            </a:endParaRPr>
           </a:p>
           <a:p>
             <a:pPr marL="0" indent="0">
@@ -15531,6 +16049,9 @@
               </a:rPr>
               <a:t> to generate location-independent code </a:t>
             </a:r>
+            <a:endParaRPr lang="en-US" altLang="zh-CN" sz="2000" dirty="0">
+              <a:sym typeface="+mn-ea"/>
+            </a:endParaRPr>
           </a:p>
           <a:p>
             <a:pPr marL="0" indent="0">
@@ -15613,6 +16134,9 @@
               </a:rPr>
               <a:t>  </a:t>
             </a:r>
+            <a:endParaRPr lang="en-US" altLang="zh-CN" sz="2000" dirty="0">
+              <a:sym typeface="+mn-ea"/>
+            </a:endParaRPr>
           </a:p>
           <a:p>
             <a:pPr marL="0" indent="0">
@@ -15714,6 +16238,7 @@
               <a:rPr lang="en-US" sz="2000" dirty="0"/>
               <a:t>	</a:t>
             </a:r>
+            <a:endParaRPr lang="en-US" sz="2000" dirty="0"/>
           </a:p>
           <a:p>
             <a:pPr marL="0" indent="0">
@@ -16225,15 +16750,11 @@
               <a:rPr lang="en-US" sz="4000" dirty="0"/>
               <a:t>Demo: Library</a:t>
             </a:r>
+            <a:endParaRPr lang="en-US" sz="4000" dirty="0"/>
           </a:p>
         </p:txBody>
       </p:sp>
     </p:spTree>
-    <p:extLst>
-      <p:ext uri="{BB962C8B-B14F-4D97-AF65-F5344CB8AC3E}">
-        <p14:creationId xmlns:p14="http://schemas.microsoft.com/office/powerpoint/2010/main" val="705343779"/>
-      </p:ext>
-    </p:extLst>
   </p:cSld>
   <p:clrMapOvr>
     <a:masterClrMapping/>
@@ -16320,7 +16841,7 @@
               <a:spcBef>
                 <a:spcPct val="20000"/>
               </a:spcBef>
-              <a:buFont typeface="Arial" panose="020B0604020202020204" pitchFamily="34" charset="0"/>
+              <a:buFont typeface="Arial" panose="020B0604020202090204" pitchFamily="34" charset="0"/>
               <a:buChar char="•"/>
               <a:defRPr sz="3200" kern="1200">
                 <a:solidFill>
@@ -16335,7 +16856,7 @@
               <a:spcBef>
                 <a:spcPct val="20000"/>
               </a:spcBef>
-              <a:buFont typeface="Arial" panose="020B0604020202020204" pitchFamily="34" charset="0"/>
+              <a:buFont typeface="Arial" panose="020B0604020202090204" pitchFamily="34" charset="0"/>
               <a:buChar char="–"/>
               <a:defRPr sz="2800" kern="1200">
                 <a:solidFill>
@@ -16350,7 +16871,7 @@
               <a:spcBef>
                 <a:spcPct val="20000"/>
               </a:spcBef>
-              <a:buFont typeface="Arial" panose="020B0604020202020204" pitchFamily="34" charset="0"/>
+              <a:buFont typeface="Arial" panose="020B0604020202090204" pitchFamily="34" charset="0"/>
               <a:buChar char="•"/>
               <a:defRPr sz="2400" kern="1200">
                 <a:solidFill>
@@ -16365,7 +16886,7 @@
               <a:spcBef>
                 <a:spcPct val="20000"/>
               </a:spcBef>
-              <a:buFont typeface="Arial" panose="020B0604020202020204" pitchFamily="34" charset="0"/>
+              <a:buFont typeface="Arial" panose="020B0604020202090204" pitchFamily="34" charset="0"/>
               <a:buChar char="–"/>
               <a:defRPr sz="2000" kern="1200">
                 <a:solidFill>
@@ -16380,7 +16901,7 @@
               <a:spcBef>
                 <a:spcPct val="20000"/>
               </a:spcBef>
-              <a:buFont typeface="Arial" panose="020B0604020202020204" pitchFamily="34" charset="0"/>
+              <a:buFont typeface="Arial" panose="020B0604020202090204" pitchFamily="34" charset="0"/>
               <a:buChar char="»"/>
               <a:defRPr sz="2000" kern="1200">
                 <a:solidFill>
@@ -16395,7 +16916,7 @@
               <a:spcBef>
                 <a:spcPct val="20000"/>
               </a:spcBef>
-              <a:buFont typeface="Arial" panose="020B0604020202020204" pitchFamily="34" charset="0"/>
+              <a:buFont typeface="Arial" panose="020B0604020202090204" pitchFamily="34" charset="0"/>
               <a:buChar char="•"/>
               <a:defRPr sz="2000" kern="1200">
                 <a:solidFill>
@@ -16410,7 +16931,7 @@
               <a:spcBef>
                 <a:spcPct val="20000"/>
               </a:spcBef>
-              <a:buFont typeface="Arial" panose="020B0604020202020204" pitchFamily="34" charset="0"/>
+              <a:buFont typeface="Arial" panose="020B0604020202090204" pitchFamily="34" charset="0"/>
               <a:buChar char="•"/>
               <a:defRPr sz="2000" kern="1200">
                 <a:solidFill>
@@ -16425,7 +16946,7 @@
               <a:spcBef>
                 <a:spcPct val="20000"/>
               </a:spcBef>
-              <a:buFont typeface="Arial" panose="020B0604020202020204" pitchFamily="34" charset="0"/>
+              <a:buFont typeface="Arial" panose="020B0604020202090204" pitchFamily="34" charset="0"/>
               <a:buChar char="•"/>
               <a:defRPr sz="2000" kern="1200">
                 <a:solidFill>
@@ -16440,7 +16961,7 @@
               <a:spcBef>
                 <a:spcPct val="20000"/>
               </a:spcBef>
-              <a:buFont typeface="Arial" panose="020B0604020202020204" pitchFamily="34" charset="0"/>
+              <a:buFont typeface="Arial" panose="020B0604020202090204" pitchFamily="34" charset="0"/>
               <a:buChar char="•"/>
               <a:defRPr sz="2000" kern="1200">
                 <a:solidFill>
@@ -16514,7 +17035,7 @@
               <a:spcBef>
                 <a:spcPct val="20000"/>
               </a:spcBef>
-              <a:buFont typeface="Arial" panose="020B0604020202020204" pitchFamily="34" charset="0"/>
+              <a:buFont typeface="Arial" panose="020B0604020202090204" pitchFamily="34" charset="0"/>
               <a:buChar char="•"/>
               <a:defRPr sz="3200" kern="1200">
                 <a:solidFill>
@@ -16529,7 +17050,7 @@
               <a:spcBef>
                 <a:spcPct val="20000"/>
               </a:spcBef>
-              <a:buFont typeface="Arial" panose="020B0604020202020204" pitchFamily="34" charset="0"/>
+              <a:buFont typeface="Arial" panose="020B0604020202090204" pitchFamily="34" charset="0"/>
               <a:buChar char="–"/>
               <a:defRPr sz="2800" kern="1200">
                 <a:solidFill>
@@ -16544,7 +17065,7 @@
               <a:spcBef>
                 <a:spcPct val="20000"/>
               </a:spcBef>
-              <a:buFont typeface="Arial" panose="020B0604020202020204" pitchFamily="34" charset="0"/>
+              <a:buFont typeface="Arial" panose="020B0604020202090204" pitchFamily="34" charset="0"/>
               <a:buChar char="•"/>
               <a:defRPr sz="2400" kern="1200">
                 <a:solidFill>
@@ -16559,7 +17080,7 @@
               <a:spcBef>
                 <a:spcPct val="20000"/>
               </a:spcBef>
-              <a:buFont typeface="Arial" panose="020B0604020202020204" pitchFamily="34" charset="0"/>
+              <a:buFont typeface="Arial" panose="020B0604020202090204" pitchFamily="34" charset="0"/>
               <a:buChar char="–"/>
               <a:defRPr sz="2000" kern="1200">
                 <a:solidFill>
@@ -16574,7 +17095,7 @@
               <a:spcBef>
                 <a:spcPct val="20000"/>
               </a:spcBef>
-              <a:buFont typeface="Arial" panose="020B0604020202020204" pitchFamily="34" charset="0"/>
+              <a:buFont typeface="Arial" panose="020B0604020202090204" pitchFamily="34" charset="0"/>
               <a:buChar char="»"/>
               <a:defRPr sz="2000" kern="1200">
                 <a:solidFill>
@@ -16589,7 +17110,7 @@
               <a:spcBef>
                 <a:spcPct val="20000"/>
               </a:spcBef>
-              <a:buFont typeface="Arial" panose="020B0604020202020204" pitchFamily="34" charset="0"/>
+              <a:buFont typeface="Arial" panose="020B0604020202090204" pitchFamily="34" charset="0"/>
               <a:buChar char="•"/>
               <a:defRPr sz="2000" kern="1200">
                 <a:solidFill>
@@ -16604,7 +17125,7 @@
               <a:spcBef>
                 <a:spcPct val="20000"/>
               </a:spcBef>
-              <a:buFont typeface="Arial" panose="020B0604020202020204" pitchFamily="34" charset="0"/>
+              <a:buFont typeface="Arial" panose="020B0604020202090204" pitchFamily="34" charset="0"/>
               <a:buChar char="•"/>
               <a:defRPr sz="2000" kern="1200">
                 <a:solidFill>
@@ -16619,7 +17140,7 @@
               <a:spcBef>
                 <a:spcPct val="20000"/>
               </a:spcBef>
-              <a:buFont typeface="Arial" panose="020B0604020202020204" pitchFamily="34" charset="0"/>
+              <a:buFont typeface="Arial" panose="020B0604020202090204" pitchFamily="34" charset="0"/>
               <a:buChar char="•"/>
               <a:defRPr sz="2000" kern="1200">
                 <a:solidFill>
@@ -16634,7 +17155,7 @@
               <a:spcBef>
                 <a:spcPct val="20000"/>
               </a:spcBef>
-              <a:buFont typeface="Arial" panose="020B0604020202020204" pitchFamily="34" charset="0"/>
+              <a:buFont typeface="Arial" panose="020B0604020202090204" pitchFamily="34" charset="0"/>
               <a:buChar char="•"/>
               <a:defRPr sz="2000" kern="1200">
                 <a:solidFill>
@@ -16665,6 +17186,9 @@
               </a:rPr>
               <a:t>:</a:t>
             </a:r>
+            <a:endParaRPr lang="en-US" altLang="zh-CN" sz="2400" dirty="0">
+              <a:sym typeface="+mn-ea"/>
+            </a:endParaRPr>
           </a:p>
           <a:p>
             <a:pPr lvl="1"/>
@@ -16686,6 +17210,9 @@
               </a:rPr>
               <a:t> is built with multiple rules</a:t>
             </a:r>
+            <a:endParaRPr lang="en-US" altLang="zh-CN" sz="2400" dirty="0">
+              <a:sym typeface="+mn-ea"/>
+            </a:endParaRPr>
           </a:p>
           <a:p>
             <a:pPr lvl="1"/>
@@ -16695,6 +17222,9 @@
               </a:rPr>
               <a:t>Syntax for each rule:</a:t>
             </a:r>
+            <a:endParaRPr lang="en-US" altLang="zh-CN" sz="2400" dirty="0">
+              <a:sym typeface="+mn-ea"/>
+            </a:endParaRPr>
           </a:p>
           <a:p>
             <a:pPr marL="457200" lvl="1" indent="0">
@@ -16706,6 +17236,9 @@
               </a:rPr>
               <a:t>	target: prerequisites</a:t>
             </a:r>
+            <a:endParaRPr lang="en-US" altLang="zh-CN" sz="2400" dirty="0">
+              <a:sym typeface="+mn-ea"/>
+            </a:endParaRPr>
           </a:p>
           <a:p>
             <a:pPr marL="457200" lvl="1" indent="0">
@@ -16717,6 +17250,9 @@
               </a:rPr>
               <a:t>	[tab]	bash command</a:t>
             </a:r>
+            <a:endParaRPr lang="en-US" altLang="zh-CN" sz="2400" dirty="0">
+              <a:sym typeface="+mn-ea"/>
+            </a:endParaRPr>
           </a:p>
           <a:p>
             <a:pPr marL="457200" lvl="1" indent="0">
@@ -16728,6 +17264,9 @@
               </a:rPr>
               <a:t>	[tab]	bash command</a:t>
             </a:r>
+            <a:endParaRPr lang="en-US" altLang="zh-CN" sz="2400" dirty="0">
+              <a:sym typeface="+mn-ea"/>
+            </a:endParaRPr>
           </a:p>
           <a:p>
             <a:pPr marL="457200" lvl="1" indent="0">
@@ -16739,6 +17278,9 @@
               </a:rPr>
               <a:t>	....</a:t>
             </a:r>
+            <a:endParaRPr lang="en-US" altLang="zh-CN" sz="2400" dirty="0">
+              <a:sym typeface="+mn-ea"/>
+            </a:endParaRPr>
           </a:p>
           <a:p>
             <a:pPr lvl="1"/>
@@ -16748,6 +17290,9 @@
               </a:rPr>
               <a:t>target and prerequisites are normally files</a:t>
             </a:r>
+            <a:endParaRPr lang="en-US" altLang="zh-CN" sz="2400" dirty="0">
+              <a:sym typeface="+mn-ea"/>
+            </a:endParaRPr>
           </a:p>
           <a:p>
             <a:pPr lvl="1"/>
@@ -16757,6 +17302,9 @@
               </a:rPr>
               <a:t>During execution, if target does not exist or modification time of any prerequisites is newer than the target, execute the bash command. </a:t>
             </a:r>
+            <a:endParaRPr lang="en-US" altLang="zh-CN" sz="2400" dirty="0">
+              <a:sym typeface="+mn-ea"/>
+            </a:endParaRPr>
           </a:p>
           <a:p>
             <a:pPr lvl="0"/>
@@ -16837,11 +17385,6 @@
         </p:txBody>
       </p:sp>
     </p:spTree>
-    <p:extLst>
-      <p:ext uri="{BB962C8B-B14F-4D97-AF65-F5344CB8AC3E}">
-        <p14:creationId xmlns:p14="http://schemas.microsoft.com/office/powerpoint/2010/main" val="2815021215"/>
-      </p:ext>
-    </p:extLst>
   </p:cSld>
   <p:clrMapOvr>
     <a:masterClrMapping/>
@@ -17042,7 +17585,7 @@
               <a:spcBef>
                 <a:spcPct val="20000"/>
               </a:spcBef>
-              <a:buFont typeface="Arial" panose="020B0604020202020204" pitchFamily="34" charset="0"/>
+              <a:buFont typeface="Arial" panose="020B0604020202090204" pitchFamily="34" charset="0"/>
               <a:buChar char="•"/>
               <a:defRPr sz="3200" kern="1200">
                 <a:solidFill>
@@ -17057,7 +17600,7 @@
               <a:spcBef>
                 <a:spcPct val="20000"/>
               </a:spcBef>
-              <a:buFont typeface="Arial" panose="020B0604020202020204" pitchFamily="34" charset="0"/>
+              <a:buFont typeface="Arial" panose="020B0604020202090204" pitchFamily="34" charset="0"/>
               <a:buChar char="–"/>
               <a:defRPr sz="2800" kern="1200">
                 <a:solidFill>
@@ -17072,7 +17615,7 @@
               <a:spcBef>
                 <a:spcPct val="20000"/>
               </a:spcBef>
-              <a:buFont typeface="Arial" panose="020B0604020202020204" pitchFamily="34" charset="0"/>
+              <a:buFont typeface="Arial" panose="020B0604020202090204" pitchFamily="34" charset="0"/>
               <a:buChar char="•"/>
               <a:defRPr sz="2400" kern="1200">
                 <a:solidFill>
@@ -17087,7 +17630,7 @@
               <a:spcBef>
                 <a:spcPct val="20000"/>
               </a:spcBef>
-              <a:buFont typeface="Arial" panose="020B0604020202020204" pitchFamily="34" charset="0"/>
+              <a:buFont typeface="Arial" panose="020B0604020202090204" pitchFamily="34" charset="0"/>
               <a:buChar char="–"/>
               <a:defRPr sz="2000" kern="1200">
                 <a:solidFill>
@@ -17102,7 +17645,7 @@
               <a:spcBef>
                 <a:spcPct val="20000"/>
               </a:spcBef>
-              <a:buFont typeface="Arial" panose="020B0604020202020204" pitchFamily="34" charset="0"/>
+              <a:buFont typeface="Arial" panose="020B0604020202090204" pitchFamily="34" charset="0"/>
               <a:buChar char="»"/>
               <a:defRPr sz="2000" kern="1200">
                 <a:solidFill>
@@ -17117,7 +17660,7 @@
               <a:spcBef>
                 <a:spcPct val="20000"/>
               </a:spcBef>
-              <a:buFont typeface="Arial" panose="020B0604020202020204" pitchFamily="34" charset="0"/>
+              <a:buFont typeface="Arial" panose="020B0604020202090204" pitchFamily="34" charset="0"/>
               <a:buChar char="•"/>
               <a:defRPr sz="2000" kern="1200">
                 <a:solidFill>
@@ -17132,7 +17675,7 @@
               <a:spcBef>
                 <a:spcPct val="20000"/>
               </a:spcBef>
-              <a:buFont typeface="Arial" panose="020B0604020202020204" pitchFamily="34" charset="0"/>
+              <a:buFont typeface="Arial" panose="020B0604020202090204" pitchFamily="34" charset="0"/>
               <a:buChar char="•"/>
               <a:defRPr sz="2000" kern="1200">
                 <a:solidFill>
@@ -17147,7 +17690,7 @@
               <a:spcBef>
                 <a:spcPct val="20000"/>
               </a:spcBef>
-              <a:buFont typeface="Arial" panose="020B0604020202020204" pitchFamily="34" charset="0"/>
+              <a:buFont typeface="Arial" panose="020B0604020202090204" pitchFamily="34" charset="0"/>
               <a:buChar char="•"/>
               <a:defRPr sz="2000" kern="1200">
                 <a:solidFill>
@@ -17162,7 +17705,7 @@
               <a:spcBef>
                 <a:spcPct val="20000"/>
               </a:spcBef>
-              <a:buFont typeface="Arial" panose="020B0604020202020204" pitchFamily="34" charset="0"/>
+              <a:buFont typeface="Arial" panose="020B0604020202090204" pitchFamily="34" charset="0"/>
               <a:buChar char="•"/>
               <a:defRPr sz="2000" kern="1200">
                 <a:solidFill>
@@ -17236,7 +17779,7 @@
               <a:spcBef>
                 <a:spcPct val="20000"/>
               </a:spcBef>
-              <a:buFont typeface="Arial" panose="020B0604020202020204" pitchFamily="34" charset="0"/>
+              <a:buFont typeface="Arial" panose="020B0604020202090204" pitchFamily="34" charset="0"/>
               <a:buChar char="•"/>
               <a:defRPr sz="3200" kern="1200">
                 <a:solidFill>
@@ -17251,7 +17794,7 @@
               <a:spcBef>
                 <a:spcPct val="20000"/>
               </a:spcBef>
-              <a:buFont typeface="Arial" panose="020B0604020202020204" pitchFamily="34" charset="0"/>
+              <a:buFont typeface="Arial" panose="020B0604020202090204" pitchFamily="34" charset="0"/>
               <a:buChar char="–"/>
               <a:defRPr sz="2800" kern="1200">
                 <a:solidFill>
@@ -17266,7 +17809,7 @@
               <a:spcBef>
                 <a:spcPct val="20000"/>
               </a:spcBef>
-              <a:buFont typeface="Arial" panose="020B0604020202020204" pitchFamily="34" charset="0"/>
+              <a:buFont typeface="Arial" panose="020B0604020202090204" pitchFamily="34" charset="0"/>
               <a:buChar char="•"/>
               <a:defRPr sz="2400" kern="1200">
                 <a:solidFill>
@@ -17281,7 +17824,7 @@
               <a:spcBef>
                 <a:spcPct val="20000"/>
               </a:spcBef>
-              <a:buFont typeface="Arial" panose="020B0604020202020204" pitchFamily="34" charset="0"/>
+              <a:buFont typeface="Arial" panose="020B0604020202090204" pitchFamily="34" charset="0"/>
               <a:buChar char="–"/>
               <a:defRPr sz="2000" kern="1200">
                 <a:solidFill>
@@ -17296,7 +17839,7 @@
               <a:spcBef>
                 <a:spcPct val="20000"/>
               </a:spcBef>
-              <a:buFont typeface="Arial" panose="020B0604020202020204" pitchFamily="34" charset="0"/>
+              <a:buFont typeface="Arial" panose="020B0604020202090204" pitchFamily="34" charset="0"/>
               <a:buChar char="»"/>
               <a:defRPr sz="2000" kern="1200">
                 <a:solidFill>
@@ -17311,7 +17854,7 @@
               <a:spcBef>
                 <a:spcPct val="20000"/>
               </a:spcBef>
-              <a:buFont typeface="Arial" panose="020B0604020202020204" pitchFamily="34" charset="0"/>
+              <a:buFont typeface="Arial" panose="020B0604020202090204" pitchFamily="34" charset="0"/>
               <a:buChar char="•"/>
               <a:defRPr sz="2000" kern="1200">
                 <a:solidFill>
@@ -17326,7 +17869,7 @@
               <a:spcBef>
                 <a:spcPct val="20000"/>
               </a:spcBef>
-              <a:buFont typeface="Arial" panose="020B0604020202020204" pitchFamily="34" charset="0"/>
+              <a:buFont typeface="Arial" panose="020B0604020202090204" pitchFamily="34" charset="0"/>
               <a:buChar char="•"/>
               <a:defRPr sz="2000" kern="1200">
                 <a:solidFill>
@@ -17341,7 +17884,7 @@
               <a:spcBef>
                 <a:spcPct val="20000"/>
               </a:spcBef>
-              <a:buFont typeface="Arial" panose="020B0604020202020204" pitchFamily="34" charset="0"/>
+              <a:buFont typeface="Arial" panose="020B0604020202090204" pitchFamily="34" charset="0"/>
               <a:buChar char="•"/>
               <a:defRPr sz="2000" kern="1200">
                 <a:solidFill>
@@ -17356,7 +17899,7 @@
               <a:spcBef>
                 <a:spcPct val="20000"/>
               </a:spcBef>
-              <a:buFont typeface="Arial" panose="020B0604020202020204" pitchFamily="34" charset="0"/>
+              <a:buFont typeface="Arial" panose="020B0604020202090204" pitchFamily="34" charset="0"/>
               <a:buChar char="•"/>
               <a:defRPr sz="2000" kern="1200">
                 <a:solidFill>
@@ -17378,6 +17921,9 @@
               </a:rPr>
               <a:t>#Compile bar.c &amp; foo.c to executable file hello</a:t>
             </a:r>
+            <a:endParaRPr lang="en-US" altLang="zh-CN" sz="2800" dirty="0">
+              <a:sym typeface="+mn-ea"/>
+            </a:endParaRPr>
           </a:p>
           <a:p>
             <a:pPr marL="0" lvl="0" indent="0">
@@ -17389,6 +17935,9 @@
               </a:rPr>
               <a:t>hello: bar.c foo.c</a:t>
             </a:r>
+            <a:endParaRPr lang="en-US" altLang="zh-CN" sz="2800" dirty="0">
+              <a:sym typeface="+mn-ea"/>
+            </a:endParaRPr>
           </a:p>
           <a:p>
             <a:pPr marL="0" lvl="0" indent="0">
@@ -17400,6 +17949,9 @@
               </a:rPr>
               <a:t>        echo "Start to compile!"</a:t>
             </a:r>
+            <a:endParaRPr lang="en-US" altLang="zh-CN" sz="2800" dirty="0">
+              <a:sym typeface="+mn-ea"/>
+            </a:endParaRPr>
           </a:p>
           <a:p>
             <a:pPr marL="0" lvl="0" indent="0">
@@ -17411,6 +17963,9 @@
               </a:rPr>
               <a:t>        gcc -o hello bar.c foo.c</a:t>
             </a:r>
+            <a:endParaRPr lang="en-US" altLang="zh-CN" sz="2800" dirty="0">
+              <a:sym typeface="+mn-ea"/>
+            </a:endParaRPr>
           </a:p>
           <a:p>
             <a:pPr marL="0" lvl="0" indent="0">
@@ -17579,7 +18134,7 @@
               <a:spcBef>
                 <a:spcPct val="20000"/>
               </a:spcBef>
-              <a:buFont typeface="Arial" panose="020B0604020202020204" pitchFamily="34" charset="0"/>
+              <a:buFont typeface="Arial" panose="020B0604020202090204" pitchFamily="34" charset="0"/>
               <a:buChar char="•"/>
               <a:defRPr sz="3200" kern="1200">
                 <a:solidFill>
@@ -17594,7 +18149,7 @@
               <a:spcBef>
                 <a:spcPct val="20000"/>
               </a:spcBef>
-              <a:buFont typeface="Arial" panose="020B0604020202020204" pitchFamily="34" charset="0"/>
+              <a:buFont typeface="Arial" panose="020B0604020202090204" pitchFamily="34" charset="0"/>
               <a:buChar char="–"/>
               <a:defRPr sz="2800" kern="1200">
                 <a:solidFill>
@@ -17609,7 +18164,7 @@
               <a:spcBef>
                 <a:spcPct val="20000"/>
               </a:spcBef>
-              <a:buFont typeface="Arial" panose="020B0604020202020204" pitchFamily="34" charset="0"/>
+              <a:buFont typeface="Arial" panose="020B0604020202090204" pitchFamily="34" charset="0"/>
               <a:buChar char="•"/>
               <a:defRPr sz="2400" kern="1200">
                 <a:solidFill>
@@ -17624,7 +18179,7 @@
               <a:spcBef>
                 <a:spcPct val="20000"/>
               </a:spcBef>
-              <a:buFont typeface="Arial" panose="020B0604020202020204" pitchFamily="34" charset="0"/>
+              <a:buFont typeface="Arial" panose="020B0604020202090204" pitchFamily="34" charset="0"/>
               <a:buChar char="–"/>
               <a:defRPr sz="2000" kern="1200">
                 <a:solidFill>
@@ -17639,7 +18194,7 @@
               <a:spcBef>
                 <a:spcPct val="20000"/>
               </a:spcBef>
-              <a:buFont typeface="Arial" panose="020B0604020202020204" pitchFamily="34" charset="0"/>
+              <a:buFont typeface="Arial" panose="020B0604020202090204" pitchFamily="34" charset="0"/>
               <a:buChar char="»"/>
               <a:defRPr sz="2000" kern="1200">
                 <a:solidFill>
@@ -17654,7 +18209,7 @@
               <a:spcBef>
                 <a:spcPct val="20000"/>
               </a:spcBef>
-              <a:buFont typeface="Arial" panose="020B0604020202020204" pitchFamily="34" charset="0"/>
+              <a:buFont typeface="Arial" panose="020B0604020202090204" pitchFamily="34" charset="0"/>
               <a:buChar char="•"/>
               <a:defRPr sz="2000" kern="1200">
                 <a:solidFill>
@@ -17669,7 +18224,7 @@
               <a:spcBef>
                 <a:spcPct val="20000"/>
               </a:spcBef>
-              <a:buFont typeface="Arial" panose="020B0604020202020204" pitchFamily="34" charset="0"/>
+              <a:buFont typeface="Arial" panose="020B0604020202090204" pitchFamily="34" charset="0"/>
               <a:buChar char="•"/>
               <a:defRPr sz="2000" kern="1200">
                 <a:solidFill>
@@ -17684,7 +18239,7 @@
               <a:spcBef>
                 <a:spcPct val="20000"/>
               </a:spcBef>
-              <a:buFont typeface="Arial" panose="020B0604020202020204" pitchFamily="34" charset="0"/>
+              <a:buFont typeface="Arial" panose="020B0604020202090204" pitchFamily="34" charset="0"/>
               <a:buChar char="•"/>
               <a:defRPr sz="2000" kern="1200">
                 <a:solidFill>
@@ -17699,7 +18254,7 @@
               <a:spcBef>
                 <a:spcPct val="20000"/>
               </a:spcBef>
-              <a:buFont typeface="Arial" panose="020B0604020202020204" pitchFamily="34" charset="0"/>
+              <a:buFont typeface="Arial" panose="020B0604020202090204" pitchFamily="34" charset="0"/>
               <a:buChar char="•"/>
               <a:defRPr sz="2000" kern="1200">
                 <a:solidFill>
@@ -17773,7 +18328,7 @@
               <a:spcBef>
                 <a:spcPct val="20000"/>
               </a:spcBef>
-              <a:buFont typeface="Arial" panose="020B0604020202020204" pitchFamily="34" charset="0"/>
+              <a:buFont typeface="Arial" panose="020B0604020202090204" pitchFamily="34" charset="0"/>
               <a:buChar char="•"/>
               <a:defRPr sz="3200" kern="1200">
                 <a:solidFill>
@@ -17788,7 +18343,7 @@
               <a:spcBef>
                 <a:spcPct val="20000"/>
               </a:spcBef>
-              <a:buFont typeface="Arial" panose="020B0604020202020204" pitchFamily="34" charset="0"/>
+              <a:buFont typeface="Arial" panose="020B0604020202090204" pitchFamily="34" charset="0"/>
               <a:buChar char="–"/>
               <a:defRPr sz="2800" kern="1200">
                 <a:solidFill>
@@ -17803,7 +18358,7 @@
               <a:spcBef>
                 <a:spcPct val="20000"/>
               </a:spcBef>
-              <a:buFont typeface="Arial" panose="020B0604020202020204" pitchFamily="34" charset="0"/>
+              <a:buFont typeface="Arial" panose="020B0604020202090204" pitchFamily="34" charset="0"/>
               <a:buChar char="•"/>
               <a:defRPr sz="2400" kern="1200">
                 <a:solidFill>
@@ -17818,7 +18373,7 @@
               <a:spcBef>
                 <a:spcPct val="20000"/>
               </a:spcBef>
-              <a:buFont typeface="Arial" panose="020B0604020202020204" pitchFamily="34" charset="0"/>
+              <a:buFont typeface="Arial" panose="020B0604020202090204" pitchFamily="34" charset="0"/>
               <a:buChar char="–"/>
               <a:defRPr sz="2000" kern="1200">
                 <a:solidFill>
@@ -17833,7 +18388,7 @@
               <a:spcBef>
                 <a:spcPct val="20000"/>
               </a:spcBef>
-              <a:buFont typeface="Arial" panose="020B0604020202020204" pitchFamily="34" charset="0"/>
+              <a:buFont typeface="Arial" panose="020B0604020202090204" pitchFamily="34" charset="0"/>
               <a:buChar char="»"/>
               <a:defRPr sz="2000" kern="1200">
                 <a:solidFill>
@@ -17848,7 +18403,7 @@
               <a:spcBef>
                 <a:spcPct val="20000"/>
               </a:spcBef>
-              <a:buFont typeface="Arial" panose="020B0604020202020204" pitchFamily="34" charset="0"/>
+              <a:buFont typeface="Arial" panose="020B0604020202090204" pitchFamily="34" charset="0"/>
               <a:buChar char="•"/>
               <a:defRPr sz="2000" kern="1200">
                 <a:solidFill>
@@ -17863,7 +18418,7 @@
               <a:spcBef>
                 <a:spcPct val="20000"/>
               </a:spcBef>
-              <a:buFont typeface="Arial" panose="020B0604020202020204" pitchFamily="34" charset="0"/>
+              <a:buFont typeface="Arial" panose="020B0604020202090204" pitchFamily="34" charset="0"/>
               <a:buChar char="•"/>
               <a:defRPr sz="2000" kern="1200">
                 <a:solidFill>
@@ -17878,7 +18433,7 @@
               <a:spcBef>
                 <a:spcPct val="20000"/>
               </a:spcBef>
-              <a:buFont typeface="Arial" panose="020B0604020202020204" pitchFamily="34" charset="0"/>
+              <a:buFont typeface="Arial" panose="020B0604020202090204" pitchFamily="34" charset="0"/>
               <a:buChar char="•"/>
               <a:defRPr sz="2000" kern="1200">
                 <a:solidFill>
@@ -17893,7 +18448,7 @@
               <a:spcBef>
                 <a:spcPct val="20000"/>
               </a:spcBef>
-              <a:buFont typeface="Arial" panose="020B0604020202020204" pitchFamily="34" charset="0"/>
+              <a:buFont typeface="Arial" panose="020B0604020202090204" pitchFamily="34" charset="0"/>
               <a:buChar char="•"/>
               <a:defRPr sz="2000" kern="1200">
                 <a:solidFill>
@@ -17912,6 +18467,9 @@
               </a:rPr>
               <a:t>make command</a:t>
             </a:r>
+            <a:endParaRPr lang="en-US" altLang="zh-CN" sz="2400" dirty="0">
+              <a:sym typeface="+mn-ea"/>
+            </a:endParaRPr>
           </a:p>
           <a:p>
             <a:pPr marL="914400" lvl="1" indent="-457200">
@@ -17947,6 +18505,9 @@
               </a:rPr>
               <a:t> ” under the current directory</a:t>
             </a:r>
+            <a:endParaRPr lang="en-US" altLang="zh-CN" sz="2400" dirty="0">
+              <a:sym typeface="+mn-ea"/>
+            </a:endParaRPr>
           </a:p>
           <a:p>
             <a:pPr marL="914400" lvl="1" indent="-457200">
@@ -17970,6 +18531,9 @@
               </a:rPr>
               <a:t> </a:t>
             </a:r>
+            <a:endParaRPr lang="en-US" altLang="zh-CN" sz="2400" dirty="0">
+              <a:sym typeface="+mn-ea"/>
+            </a:endParaRPr>
           </a:p>
           <a:p>
             <a:pPr lvl="1"/>
@@ -17991,6 +18555,9 @@
               </a:rPr>
               <a:t> under current directory. e.g.</a:t>
             </a:r>
+            <a:endParaRPr lang="en-US" altLang="zh-CN" sz="2400" dirty="0">
+              <a:sym typeface="+mn-ea"/>
+            </a:endParaRPr>
           </a:p>
           <a:p>
             <a:pPr lvl="2"/>
@@ -18420,7 +18987,7 @@
               <a:spcBef>
                 <a:spcPct val="20000"/>
               </a:spcBef>
-              <a:buFont typeface="Arial" panose="020B0604020202020204" pitchFamily="34" charset="0"/>
+              <a:buFont typeface="Arial" panose="020B0604020202090204" pitchFamily="34" charset="0"/>
               <a:buChar char="•"/>
               <a:defRPr sz="3200" kern="1200">
                 <a:solidFill>
@@ -18435,7 +19002,7 @@
               <a:spcBef>
                 <a:spcPct val="20000"/>
               </a:spcBef>
-              <a:buFont typeface="Arial" panose="020B0604020202020204" pitchFamily="34" charset="0"/>
+              <a:buFont typeface="Arial" panose="020B0604020202090204" pitchFamily="34" charset="0"/>
               <a:buChar char="–"/>
               <a:defRPr sz="2800" kern="1200">
                 <a:solidFill>
@@ -18450,7 +19017,7 @@
               <a:spcBef>
                 <a:spcPct val="20000"/>
               </a:spcBef>
-              <a:buFont typeface="Arial" panose="020B0604020202020204" pitchFamily="34" charset="0"/>
+              <a:buFont typeface="Arial" panose="020B0604020202090204" pitchFamily="34" charset="0"/>
               <a:buChar char="•"/>
               <a:defRPr sz="2400" kern="1200">
                 <a:solidFill>
@@ -18465,7 +19032,7 @@
               <a:spcBef>
                 <a:spcPct val="20000"/>
               </a:spcBef>
-              <a:buFont typeface="Arial" panose="020B0604020202020204" pitchFamily="34" charset="0"/>
+              <a:buFont typeface="Arial" panose="020B0604020202090204" pitchFamily="34" charset="0"/>
               <a:buChar char="–"/>
               <a:defRPr sz="2000" kern="1200">
                 <a:solidFill>
@@ -18480,7 +19047,7 @@
               <a:spcBef>
                 <a:spcPct val="20000"/>
               </a:spcBef>
-              <a:buFont typeface="Arial" panose="020B0604020202020204" pitchFamily="34" charset="0"/>
+              <a:buFont typeface="Arial" panose="020B0604020202090204" pitchFamily="34" charset="0"/>
               <a:buChar char="»"/>
               <a:defRPr sz="2000" kern="1200">
                 <a:solidFill>
@@ -18495,7 +19062,7 @@
               <a:spcBef>
                 <a:spcPct val="20000"/>
               </a:spcBef>
-              <a:buFont typeface="Arial" panose="020B0604020202020204" pitchFamily="34" charset="0"/>
+              <a:buFont typeface="Arial" panose="020B0604020202090204" pitchFamily="34" charset="0"/>
               <a:buChar char="•"/>
               <a:defRPr sz="2000" kern="1200">
                 <a:solidFill>
@@ -18510,7 +19077,7 @@
               <a:spcBef>
                 <a:spcPct val="20000"/>
               </a:spcBef>
-              <a:buFont typeface="Arial" panose="020B0604020202020204" pitchFamily="34" charset="0"/>
+              <a:buFont typeface="Arial" panose="020B0604020202090204" pitchFamily="34" charset="0"/>
               <a:buChar char="•"/>
               <a:defRPr sz="2000" kern="1200">
                 <a:solidFill>
@@ -18525,7 +19092,7 @@
               <a:spcBef>
                 <a:spcPct val="20000"/>
               </a:spcBef>
-              <a:buFont typeface="Arial" panose="020B0604020202020204" pitchFamily="34" charset="0"/>
+              <a:buFont typeface="Arial" panose="020B0604020202090204" pitchFamily="34" charset="0"/>
               <a:buChar char="•"/>
               <a:defRPr sz="2000" kern="1200">
                 <a:solidFill>
@@ -18540,7 +19107,7 @@
               <a:spcBef>
                 <a:spcPct val="20000"/>
               </a:spcBef>
-              <a:buFont typeface="Arial" panose="020B0604020202020204" pitchFamily="34" charset="0"/>
+              <a:buFont typeface="Arial" panose="020B0604020202090204" pitchFamily="34" charset="0"/>
               <a:buChar char="•"/>
               <a:defRPr sz="2000" kern="1200">
                 <a:solidFill>
@@ -18614,7 +19181,7 @@
               <a:spcBef>
                 <a:spcPct val="20000"/>
               </a:spcBef>
-              <a:buFont typeface="Arial" panose="020B0604020202020204" pitchFamily="34" charset="0"/>
+              <a:buFont typeface="Arial" panose="020B0604020202090204" pitchFamily="34" charset="0"/>
               <a:buChar char="•"/>
               <a:defRPr sz="3200" kern="1200">
                 <a:solidFill>
@@ -18629,7 +19196,7 @@
               <a:spcBef>
                 <a:spcPct val="20000"/>
               </a:spcBef>
-              <a:buFont typeface="Arial" panose="020B0604020202020204" pitchFamily="34" charset="0"/>
+              <a:buFont typeface="Arial" panose="020B0604020202090204" pitchFamily="34" charset="0"/>
               <a:buChar char="–"/>
               <a:defRPr sz="2800" kern="1200">
                 <a:solidFill>
@@ -18644,7 +19211,7 @@
               <a:spcBef>
                 <a:spcPct val="20000"/>
               </a:spcBef>
-              <a:buFont typeface="Arial" panose="020B0604020202020204" pitchFamily="34" charset="0"/>
+              <a:buFont typeface="Arial" panose="020B0604020202090204" pitchFamily="34" charset="0"/>
               <a:buChar char="•"/>
               <a:defRPr sz="2400" kern="1200">
                 <a:solidFill>
@@ -18659,7 +19226,7 @@
               <a:spcBef>
                 <a:spcPct val="20000"/>
               </a:spcBef>
-              <a:buFont typeface="Arial" panose="020B0604020202020204" pitchFamily="34" charset="0"/>
+              <a:buFont typeface="Arial" panose="020B0604020202090204" pitchFamily="34" charset="0"/>
               <a:buChar char="–"/>
               <a:defRPr sz="2000" kern="1200">
                 <a:solidFill>
@@ -18674,7 +19241,7 @@
               <a:spcBef>
                 <a:spcPct val="20000"/>
               </a:spcBef>
-              <a:buFont typeface="Arial" panose="020B0604020202020204" pitchFamily="34" charset="0"/>
+              <a:buFont typeface="Arial" panose="020B0604020202090204" pitchFamily="34" charset="0"/>
               <a:buChar char="»"/>
               <a:defRPr sz="2000" kern="1200">
                 <a:solidFill>
@@ -18689,7 +19256,7 @@
               <a:spcBef>
                 <a:spcPct val="20000"/>
               </a:spcBef>
-              <a:buFont typeface="Arial" panose="020B0604020202020204" pitchFamily="34" charset="0"/>
+              <a:buFont typeface="Arial" panose="020B0604020202090204" pitchFamily="34" charset="0"/>
               <a:buChar char="•"/>
               <a:defRPr sz="2000" kern="1200">
                 <a:solidFill>
@@ -18704,7 +19271,7 @@
               <a:spcBef>
                 <a:spcPct val="20000"/>
               </a:spcBef>
-              <a:buFont typeface="Arial" panose="020B0604020202020204" pitchFamily="34" charset="0"/>
+              <a:buFont typeface="Arial" panose="020B0604020202090204" pitchFamily="34" charset="0"/>
               <a:buChar char="•"/>
               <a:defRPr sz="2000" kern="1200">
                 <a:solidFill>
@@ -18719,7 +19286,7 @@
               <a:spcBef>
                 <a:spcPct val="20000"/>
               </a:spcBef>
-              <a:buFont typeface="Arial" panose="020B0604020202020204" pitchFamily="34" charset="0"/>
+              <a:buFont typeface="Arial" panose="020B0604020202090204" pitchFamily="34" charset="0"/>
               <a:buChar char="•"/>
               <a:defRPr sz="2000" kern="1200">
                 <a:solidFill>
@@ -18734,7 +19301,7 @@
               <a:spcBef>
                 <a:spcPct val="20000"/>
               </a:spcBef>
-              <a:buFont typeface="Arial" panose="020B0604020202020204" pitchFamily="34" charset="0"/>
+              <a:buFont typeface="Arial" panose="020B0604020202090204" pitchFamily="34" charset="0"/>
               <a:buChar char="•"/>
               <a:defRPr sz="2000" kern="1200">
                 <a:solidFill>
@@ -18780,6 +19347,9 @@
               </a:rPr>
               <a:t> </a:t>
             </a:r>
+            <a:endParaRPr lang="en-US" altLang="zh-CN" sz="2400" dirty="0">
+              <a:sym typeface="+mn-ea"/>
+            </a:endParaRPr>
           </a:p>
           <a:p>
             <a:pPr marL="0" lvl="0" indent="0">
@@ -18791,6 +19361,9 @@
               </a:rPr>
               <a:t>#Compile bar.c &amp; foo.c to executable file hello</a:t>
             </a:r>
+            <a:endParaRPr lang="en-US" altLang="zh-CN" sz="2400" dirty="0">
+              <a:sym typeface="+mn-ea"/>
+            </a:endParaRPr>
           </a:p>
           <a:p>
             <a:pPr marL="0" lvl="0" indent="0">
@@ -18802,6 +19375,9 @@
               </a:rPr>
               <a:t>hello: bar.c foo.c</a:t>
             </a:r>
+            <a:endParaRPr lang="en-US" altLang="zh-CN" sz="2400" dirty="0">
+              <a:sym typeface="+mn-ea"/>
+            </a:endParaRPr>
           </a:p>
           <a:p>
             <a:pPr marL="0" lvl="0" indent="0">
@@ -18813,6 +19389,9 @@
               </a:rPr>
               <a:t>        echo "Start to compile and link dynamically!"</a:t>
             </a:r>
+            <a:endParaRPr lang="en-US" altLang="zh-CN" sz="2400" dirty="0">
+              <a:sym typeface="+mn-ea"/>
+            </a:endParaRPr>
           </a:p>
           <a:p>
             <a:pPr marL="0" lvl="0" indent="0">
@@ -18824,6 +19403,9 @@
               </a:rPr>
               <a:t>        gcc -o hello bar.c foo.c</a:t>
             </a:r>
+            <a:endParaRPr lang="en-US" altLang="zh-CN" sz="2400" dirty="0">
+              <a:sym typeface="+mn-ea"/>
+            </a:endParaRPr>
           </a:p>
           <a:p>
             <a:pPr marL="0" lvl="0" indent="0">
@@ -18854,6 +19436,9 @@
               </a:rPr>
               <a:t>        echo "Start to compile and link statically!"</a:t>
             </a:r>
+            <a:endParaRPr lang="en-US" altLang="zh-CN" sz="2400" dirty="0">
+              <a:sym typeface="+mn-ea"/>
+            </a:endParaRPr>
           </a:p>
           <a:p>
             <a:pPr marL="0" lvl="0" indent="0">
@@ -18865,6 +19450,9 @@
               </a:rPr>
               <a:t>        gcc -o hello bar.c foo.c --static</a:t>
             </a:r>
+            <a:endParaRPr lang="en-US" altLang="zh-CN" sz="2400" dirty="0">
+              <a:sym typeface="+mn-ea"/>
+            </a:endParaRPr>
           </a:p>
           <a:p>
             <a:pPr lvl="0"/>
@@ -18880,6 +19468,9 @@
               </a:rPr>
               <a:t>When type make, only hello will be generated. </a:t>
             </a:r>
+            <a:endParaRPr lang="en-US" altLang="zh-CN" sz="2400" dirty="0">
+              <a:sym typeface="+mn-ea"/>
+            </a:endParaRPr>
           </a:p>
           <a:p>
             <a:pPr lvl="0"/>
@@ -18901,6 +19492,9 @@
               </a:rPr>
               <a:t> </a:t>
             </a:r>
+            <a:endParaRPr lang="en-US" altLang="zh-CN" sz="2400" dirty="0">
+              <a:sym typeface="+mn-ea"/>
+            </a:endParaRPr>
           </a:p>
           <a:p>
             <a:pPr lvl="1"/>
@@ -18910,6 +19504,9 @@
               </a:rPr>
               <a:t>make hello-static</a:t>
             </a:r>
+            <a:endParaRPr lang="en-US" altLang="zh-CN" sz="2400" dirty="0">
+              <a:sym typeface="+mn-ea"/>
+            </a:endParaRPr>
           </a:p>
           <a:p>
             <a:pPr marL="0" lvl="0" indent="0">
@@ -19178,11 +19775,6 @@
         </p:txBody>
       </p:sp>
     </p:spTree>
-    <p:extLst>
-      <p:ext uri="{BB962C8B-B14F-4D97-AF65-F5344CB8AC3E}">
-        <p14:creationId xmlns:p14="http://schemas.microsoft.com/office/powerpoint/2010/main" val="648422872"/>
-      </p:ext>
-    </p:extLst>
   </p:cSld>
   <p:clrMapOvr>
     <a:masterClrMapping/>
@@ -19269,7 +19861,7 @@
               <a:spcBef>
                 <a:spcPct val="20000"/>
               </a:spcBef>
-              <a:buFont typeface="Arial" panose="020B0604020202020204" pitchFamily="34" charset="0"/>
+              <a:buFont typeface="Arial" panose="020B0604020202090204" pitchFamily="34" charset="0"/>
               <a:buChar char="•"/>
               <a:defRPr sz="3200" kern="1200">
                 <a:solidFill>
@@ -19284,7 +19876,7 @@
               <a:spcBef>
                 <a:spcPct val="20000"/>
               </a:spcBef>
-              <a:buFont typeface="Arial" panose="020B0604020202020204" pitchFamily="34" charset="0"/>
+              <a:buFont typeface="Arial" panose="020B0604020202090204" pitchFamily="34" charset="0"/>
               <a:buChar char="–"/>
               <a:defRPr sz="2800" kern="1200">
                 <a:solidFill>
@@ -19299,7 +19891,7 @@
               <a:spcBef>
                 <a:spcPct val="20000"/>
               </a:spcBef>
-              <a:buFont typeface="Arial" panose="020B0604020202020204" pitchFamily="34" charset="0"/>
+              <a:buFont typeface="Arial" panose="020B0604020202090204" pitchFamily="34" charset="0"/>
               <a:buChar char="•"/>
               <a:defRPr sz="2400" kern="1200">
                 <a:solidFill>
@@ -19314,7 +19906,7 @@
               <a:spcBef>
                 <a:spcPct val="20000"/>
               </a:spcBef>
-              <a:buFont typeface="Arial" panose="020B0604020202020204" pitchFamily="34" charset="0"/>
+              <a:buFont typeface="Arial" panose="020B0604020202090204" pitchFamily="34" charset="0"/>
               <a:buChar char="–"/>
               <a:defRPr sz="2000" kern="1200">
                 <a:solidFill>
@@ -19329,7 +19921,7 @@
               <a:spcBef>
                 <a:spcPct val="20000"/>
               </a:spcBef>
-              <a:buFont typeface="Arial" panose="020B0604020202020204" pitchFamily="34" charset="0"/>
+              <a:buFont typeface="Arial" panose="020B0604020202090204" pitchFamily="34" charset="0"/>
               <a:buChar char="»"/>
               <a:defRPr sz="2000" kern="1200">
                 <a:solidFill>
@@ -19344,7 +19936,7 @@
               <a:spcBef>
                 <a:spcPct val="20000"/>
               </a:spcBef>
-              <a:buFont typeface="Arial" panose="020B0604020202020204" pitchFamily="34" charset="0"/>
+              <a:buFont typeface="Arial" panose="020B0604020202090204" pitchFamily="34" charset="0"/>
               <a:buChar char="•"/>
               <a:defRPr sz="2000" kern="1200">
                 <a:solidFill>
@@ -19359,7 +19951,7 @@
               <a:spcBef>
                 <a:spcPct val="20000"/>
               </a:spcBef>
-              <a:buFont typeface="Arial" panose="020B0604020202020204" pitchFamily="34" charset="0"/>
+              <a:buFont typeface="Arial" panose="020B0604020202090204" pitchFamily="34" charset="0"/>
               <a:buChar char="•"/>
               <a:defRPr sz="2000" kern="1200">
                 <a:solidFill>
@@ -19374,7 +19966,7 @@
               <a:spcBef>
                 <a:spcPct val="20000"/>
               </a:spcBef>
-              <a:buFont typeface="Arial" panose="020B0604020202020204" pitchFamily="34" charset="0"/>
+              <a:buFont typeface="Arial" panose="020B0604020202090204" pitchFamily="34" charset="0"/>
               <a:buChar char="•"/>
               <a:defRPr sz="2000" kern="1200">
                 <a:solidFill>
@@ -19389,7 +19981,7 @@
               <a:spcBef>
                 <a:spcPct val="20000"/>
               </a:spcBef>
-              <a:buFont typeface="Arial" panose="020B0604020202020204" pitchFamily="34" charset="0"/>
+              <a:buFont typeface="Arial" panose="020B0604020202090204" pitchFamily="34" charset="0"/>
               <a:buChar char="•"/>
               <a:defRPr sz="2000" kern="1200">
                 <a:solidFill>
@@ -19463,7 +20055,7 @@
               <a:spcBef>
                 <a:spcPct val="20000"/>
               </a:spcBef>
-              <a:buFont typeface="Arial" panose="020B0604020202020204" pitchFamily="34" charset="0"/>
+              <a:buFont typeface="Arial" panose="020B0604020202090204" pitchFamily="34" charset="0"/>
               <a:buChar char="•"/>
               <a:defRPr sz="3200" kern="1200">
                 <a:solidFill>
@@ -19478,7 +20070,7 @@
               <a:spcBef>
                 <a:spcPct val="20000"/>
               </a:spcBef>
-              <a:buFont typeface="Arial" panose="020B0604020202020204" pitchFamily="34" charset="0"/>
+              <a:buFont typeface="Arial" panose="020B0604020202090204" pitchFamily="34" charset="0"/>
               <a:buChar char="–"/>
               <a:defRPr sz="2800" kern="1200">
                 <a:solidFill>
@@ -19493,7 +20085,7 @@
               <a:spcBef>
                 <a:spcPct val="20000"/>
               </a:spcBef>
-              <a:buFont typeface="Arial" panose="020B0604020202020204" pitchFamily="34" charset="0"/>
+              <a:buFont typeface="Arial" panose="020B0604020202090204" pitchFamily="34" charset="0"/>
               <a:buChar char="•"/>
               <a:defRPr sz="2400" kern="1200">
                 <a:solidFill>
@@ -19508,7 +20100,7 @@
               <a:spcBef>
                 <a:spcPct val="20000"/>
               </a:spcBef>
-              <a:buFont typeface="Arial" panose="020B0604020202020204" pitchFamily="34" charset="0"/>
+              <a:buFont typeface="Arial" panose="020B0604020202090204" pitchFamily="34" charset="0"/>
               <a:buChar char="–"/>
               <a:defRPr sz="2000" kern="1200">
                 <a:solidFill>
@@ -19523,7 +20115,7 @@
               <a:spcBef>
                 <a:spcPct val="20000"/>
               </a:spcBef>
-              <a:buFont typeface="Arial" panose="020B0604020202020204" pitchFamily="34" charset="0"/>
+              <a:buFont typeface="Arial" panose="020B0604020202090204" pitchFamily="34" charset="0"/>
               <a:buChar char="»"/>
               <a:defRPr sz="2000" kern="1200">
                 <a:solidFill>
@@ -19538,7 +20130,7 @@
               <a:spcBef>
                 <a:spcPct val="20000"/>
               </a:spcBef>
-              <a:buFont typeface="Arial" panose="020B0604020202020204" pitchFamily="34" charset="0"/>
+              <a:buFont typeface="Arial" panose="020B0604020202090204" pitchFamily="34" charset="0"/>
               <a:buChar char="•"/>
               <a:defRPr sz="2000" kern="1200">
                 <a:solidFill>
@@ -19553,7 +20145,7 @@
               <a:spcBef>
                 <a:spcPct val="20000"/>
               </a:spcBef>
-              <a:buFont typeface="Arial" panose="020B0604020202020204" pitchFamily="34" charset="0"/>
+              <a:buFont typeface="Arial" panose="020B0604020202090204" pitchFamily="34" charset="0"/>
               <a:buChar char="•"/>
               <a:defRPr sz="2000" kern="1200">
                 <a:solidFill>
@@ -19568,7 +20160,7 @@
               <a:spcBef>
                 <a:spcPct val="20000"/>
               </a:spcBef>
-              <a:buFont typeface="Arial" panose="020B0604020202020204" pitchFamily="34" charset="0"/>
+              <a:buFont typeface="Arial" panose="020B0604020202090204" pitchFamily="34" charset="0"/>
               <a:buChar char="•"/>
               <a:defRPr sz="2000" kern="1200">
                 <a:solidFill>
@@ -19583,7 +20175,7 @@
               <a:spcBef>
                 <a:spcPct val="20000"/>
               </a:spcBef>
-              <a:buFont typeface="Arial" panose="020B0604020202020204" pitchFamily="34" charset="0"/>
+              <a:buFont typeface="Arial" panose="020B0604020202090204" pitchFamily="34" charset="0"/>
               <a:buChar char="•"/>
               <a:defRPr sz="2000" kern="1200">
                 <a:solidFill>
@@ -19629,6 +20221,9 @@
               </a:rPr>
               <a:t> to executable file hello</a:t>
             </a:r>
+            <a:endParaRPr lang="en-US" altLang="zh-CN" sz="2200" dirty="0">
+              <a:sym typeface="+mn-ea"/>
+            </a:endParaRPr>
           </a:p>
           <a:p>
             <a:pPr marL="0" lvl="0" indent="0">
@@ -19672,6 +20267,9 @@
               </a:rPr>
               <a:t>        echo "Start to compile!"</a:t>
             </a:r>
+            <a:endParaRPr lang="en-US" altLang="zh-CN" sz="2200" dirty="0">
+              <a:sym typeface="+mn-ea"/>
+            </a:endParaRPr>
           </a:p>
           <a:p>
             <a:pPr marL="0" lvl="0" indent="0">
@@ -19732,6 +20330,9 @@
               </a:rPr>
               <a:t>$make</a:t>
             </a:r>
+            <a:endParaRPr lang="en-US" altLang="zh-CN" sz="2200" dirty="0">
+              <a:sym typeface="+mn-ea"/>
+            </a:endParaRPr>
           </a:p>
           <a:p>
             <a:pPr lvl="1"/>
@@ -19741,6 +20342,9 @@
               </a:rPr>
               <a:t>bash commands got executed as hello file does not exist</a:t>
             </a:r>
+            <a:endParaRPr lang="en-US" altLang="zh-CN" sz="2200" dirty="0">
+              <a:sym typeface="+mn-ea"/>
+            </a:endParaRPr>
           </a:p>
           <a:p>
             <a:pPr lvl="1"/>
@@ -19756,6 +20360,9 @@
               </a:rPr>
               <a:t>$make </a:t>
             </a:r>
+            <a:endParaRPr lang="en-US" altLang="zh-CN" sz="2200" dirty="0">
+              <a:sym typeface="+mn-ea"/>
+            </a:endParaRPr>
           </a:p>
           <a:p>
             <a:pPr lvl="1"/>
@@ -19765,6 +20372,9 @@
               </a:rPr>
               <a:t>bash commands DO NOT got executed as hello file exists and is newer than prerequisites </a:t>
             </a:r>
+            <a:endParaRPr lang="en-US" altLang="zh-CN" sz="2200" dirty="0">
+              <a:sym typeface="+mn-ea"/>
+            </a:endParaRPr>
           </a:p>
           <a:p>
             <a:pPr lvl="1"/>
@@ -19792,6 +20402,9 @@
               </a:rPr>
               <a:t>; make</a:t>
             </a:r>
+            <a:endParaRPr lang="en-US" altLang="zh-CN" sz="2200" dirty="0">
+              <a:sym typeface="+mn-ea"/>
+            </a:endParaRPr>
           </a:p>
           <a:p>
             <a:pPr lvl="1"/>
@@ -19801,6 +20414,9 @@
               </a:rPr>
               <a:t>bash commands got executed as hello file is older than prerequisites </a:t>
             </a:r>
+            <a:endParaRPr lang="en-US" altLang="zh-CN" sz="2200" dirty="0">
+              <a:sym typeface="+mn-ea"/>
+            </a:endParaRPr>
           </a:p>
           <a:p>
             <a:pPr lvl="1"/>
@@ -19816,6 +20432,9 @@
               </a:rPr>
               <a:t>Issues with the current Makefile:</a:t>
             </a:r>
+            <a:endParaRPr lang="en-US" altLang="zh-CN" sz="2200" dirty="0">
+              <a:sym typeface="+mn-ea"/>
+            </a:endParaRPr>
           </a:p>
           <a:p>
             <a:pPr lvl="1"/>
@@ -19825,6 +20444,9 @@
               </a:rPr>
               <a:t>If we modify foo.c, bar.c got recompiled again</a:t>
             </a:r>
+            <a:endParaRPr lang="en-US" altLang="zh-CN" sz="2200" dirty="0">
+              <a:sym typeface="+mn-ea"/>
+            </a:endParaRPr>
           </a:p>
           <a:p>
             <a:pPr lvl="1"/>
@@ -19834,6 +20456,9 @@
               </a:rPr>
               <a:t>Solution: Make hello depends on foo.o &amp; bar.o instead of foo.c &amp; bar.c</a:t>
             </a:r>
+            <a:endParaRPr lang="en-US" altLang="zh-CN" sz="2200" dirty="0">
+              <a:sym typeface="+mn-ea"/>
+            </a:endParaRPr>
           </a:p>
           <a:p>
             <a:pPr lvl="0"/>
@@ -20344,15 +20969,11 @@
               <a:rPr lang="en-US" sz="4000" dirty="0"/>
               <a:t>Demo: Target and Dependencies</a:t>
             </a:r>
+            <a:endParaRPr lang="en-US" sz="4000" dirty="0"/>
           </a:p>
         </p:txBody>
       </p:sp>
     </p:spTree>
-    <p:extLst>
-      <p:ext uri="{BB962C8B-B14F-4D97-AF65-F5344CB8AC3E}">
-        <p14:creationId xmlns:p14="http://schemas.microsoft.com/office/powerpoint/2010/main" val="4243401734"/>
-      </p:ext>
-    </p:extLst>
   </p:cSld>
   <p:clrMapOvr>
     <a:masterClrMapping/>
@@ -20638,8 +21259,6 @@
       </a:bgFillStyleLst>
     </a:fmtScheme>
   </a:themeElements>
-  <a:objectDefaults/>
-  <a:extraClrSchemeLst/>
   <a:extLst>
     <a:ext uri="{05A4C25C-085E-4340-85A3-A5531E510DB2}">
       <thm15:themeFamily xmlns:thm15="http://schemas.microsoft.com/office/thememl/2012/main" name="Office Theme" id="{62F939B6-93AF-4DB8-9C6B-D6C7DFDC589F}" vid="{4A3C46E8-61CC-4603-A589-7422A47A8E4A}"/>
@@ -20899,8 +21518,6 @@
       </a:bgFillStyleLst>
     </a:fmtScheme>
   </a:themeElements>
-  <a:objectDefaults/>
-  <a:extraClrSchemeLst/>
   <a:extLst>
     <a:ext uri="{05A4C25C-085E-4340-85A3-A5531E510DB2}">
       <thm15:themeFamily xmlns:thm15="http://schemas.microsoft.com/office/thememl/2012/main" name="Office Theme" id="{62F939B6-93AF-4DB8-9C6B-D6C7DFDC589F}" vid="{4A3C46E8-61CC-4603-A589-7422A47A8E4A}"/>
